--- a/CarParking_Haider.pptx
+++ b/CarParking_Haider.pptx
@@ -11,6 +11,16 @@
     <p:sldId id="257" r:id="rId5"/>
     <p:sldId id="258" r:id="rId6"/>
     <p:sldId id="262" r:id="rId7"/>
+    <p:sldId id="263" r:id="rId8"/>
+    <p:sldId id="264" r:id="rId9"/>
+    <p:sldId id="265" r:id="rId10"/>
+    <p:sldId id="266" r:id="rId11"/>
+    <p:sldId id="267" r:id="rId12"/>
+    <p:sldId id="268" r:id="rId13"/>
+    <p:sldId id="269" r:id="rId14"/>
+    <p:sldId id="270" r:id="rId15"/>
+    <p:sldId id="271" r:id="rId16"/>
+    <p:sldId id="272" r:id="rId17"/>
   </p:sldIdLst>
   <p:sldSz cx="12192000" cy="6858000"/>
   <p:notesSz cx="6858000" cy="9144000"/>
@@ -109,6 +119,11 @@
       </a:defRPr>
     </a:lvl9pPr>
   </p:defaultTextStyle>
+  <p:extLst>
+    <p:ext uri="{EFAFB233-063F-42B5-8137-9DF3F51BA10A}">
+      <p15:sldGuideLst xmlns:p15="http://schemas.microsoft.com/office/powerpoint/2012/main"/>
+    </p:ext>
+  </p:extLst>
 </p:presentation>
 </file>
 
@@ -259,7 +274,7 @@
           <a:p>
             <a:fld id="{4ADD21EC-0D98-481F-8BF7-7EC5C4D58860}" type="datetimeFigureOut">
               <a:rPr lang="en-US" smtClean="0"/>
-              <a:t>5/10/2024</a:t>
+              <a:t>6/21/2024</a:t>
             </a:fld>
             <a:endParaRPr lang="en-US"/>
           </a:p>
@@ -457,7 +472,7 @@
           <a:p>
             <a:fld id="{4ADD21EC-0D98-481F-8BF7-7EC5C4D58860}" type="datetimeFigureOut">
               <a:rPr lang="en-US" smtClean="0"/>
-              <a:t>5/10/2024</a:t>
+              <a:t>6/21/2024</a:t>
             </a:fld>
             <a:endParaRPr lang="en-US"/>
           </a:p>
@@ -665,7 +680,7 @@
           <a:p>
             <a:fld id="{4ADD21EC-0D98-481F-8BF7-7EC5C4D58860}" type="datetimeFigureOut">
               <a:rPr lang="en-US" smtClean="0"/>
-              <a:t>5/10/2024</a:t>
+              <a:t>6/21/2024</a:t>
             </a:fld>
             <a:endParaRPr lang="en-US"/>
           </a:p>
@@ -863,7 +878,7 @@
           <a:p>
             <a:fld id="{4ADD21EC-0D98-481F-8BF7-7EC5C4D58860}" type="datetimeFigureOut">
               <a:rPr lang="en-US" smtClean="0"/>
-              <a:t>5/10/2024</a:t>
+              <a:t>6/21/2024</a:t>
             </a:fld>
             <a:endParaRPr lang="en-US"/>
           </a:p>
@@ -1138,7 +1153,7 @@
           <a:p>
             <a:fld id="{4ADD21EC-0D98-481F-8BF7-7EC5C4D58860}" type="datetimeFigureOut">
               <a:rPr lang="en-US" smtClean="0"/>
-              <a:t>5/10/2024</a:t>
+              <a:t>6/21/2024</a:t>
             </a:fld>
             <a:endParaRPr lang="en-US"/>
           </a:p>
@@ -1403,7 +1418,7 @@
           <a:p>
             <a:fld id="{4ADD21EC-0D98-481F-8BF7-7EC5C4D58860}" type="datetimeFigureOut">
               <a:rPr lang="en-US" smtClean="0"/>
-              <a:t>5/10/2024</a:t>
+              <a:t>6/21/2024</a:t>
             </a:fld>
             <a:endParaRPr lang="en-US"/>
           </a:p>
@@ -1815,7 +1830,7 @@
           <a:p>
             <a:fld id="{4ADD21EC-0D98-481F-8BF7-7EC5C4D58860}" type="datetimeFigureOut">
               <a:rPr lang="en-US" smtClean="0"/>
-              <a:t>5/10/2024</a:t>
+              <a:t>6/21/2024</a:t>
             </a:fld>
             <a:endParaRPr lang="en-US"/>
           </a:p>
@@ -1956,7 +1971,7 @@
           <a:p>
             <a:fld id="{4ADD21EC-0D98-481F-8BF7-7EC5C4D58860}" type="datetimeFigureOut">
               <a:rPr lang="en-US" smtClean="0"/>
-              <a:t>5/10/2024</a:t>
+              <a:t>6/21/2024</a:t>
             </a:fld>
             <a:endParaRPr lang="en-US"/>
           </a:p>
@@ -2069,7 +2084,7 @@
           <a:p>
             <a:fld id="{4ADD21EC-0D98-481F-8BF7-7EC5C4D58860}" type="datetimeFigureOut">
               <a:rPr lang="en-US" smtClean="0"/>
-              <a:t>5/10/2024</a:t>
+              <a:t>6/21/2024</a:t>
             </a:fld>
             <a:endParaRPr lang="en-US"/>
           </a:p>
@@ -2380,7 +2395,7 @@
           <a:p>
             <a:fld id="{4ADD21EC-0D98-481F-8BF7-7EC5C4D58860}" type="datetimeFigureOut">
               <a:rPr lang="en-US" smtClean="0"/>
-              <a:t>5/10/2024</a:t>
+              <a:t>6/21/2024</a:t>
             </a:fld>
             <a:endParaRPr lang="en-US"/>
           </a:p>
@@ -2668,7 +2683,7 @@
           <a:p>
             <a:fld id="{4ADD21EC-0D98-481F-8BF7-7EC5C4D58860}" type="datetimeFigureOut">
               <a:rPr lang="en-US" smtClean="0"/>
-              <a:t>5/10/2024</a:t>
+              <a:t>6/21/2024</a:t>
             </a:fld>
             <a:endParaRPr lang="en-US"/>
           </a:p>
@@ -2909,7 +2924,7 @@
           <a:p>
             <a:fld id="{4ADD21EC-0D98-481F-8BF7-7EC5C4D58860}" type="datetimeFigureOut">
               <a:rPr lang="en-US" smtClean="0"/>
-              <a:t>5/10/2024</a:t>
+              <a:t>6/21/2024</a:t>
             </a:fld>
             <a:endParaRPr lang="en-US"/>
           </a:p>
@@ -4327,6 +4342,2278 @@
     <p:extLst>
       <p:ext uri="{BB962C8B-B14F-4D97-AF65-F5344CB8AC3E}">
         <p14:creationId xmlns:p14="http://schemas.microsoft.com/office/powerpoint/2010/main" val="1398420390"/>
+      </p:ext>
+    </p:extLst>
+  </p:cSld>
+  <p:clrMapOvr>
+    <a:masterClrMapping/>
+  </p:clrMapOvr>
+</p:sld>
+</file>
+
+<file path=ppt/slides/slide10.xml><?xml version="1.0" encoding="utf-8"?>
+<p:sld xmlns:a="http://schemas.openxmlformats.org/drawingml/2006/main" xmlns:r="http://schemas.openxmlformats.org/officeDocument/2006/relationships" xmlns:p="http://schemas.openxmlformats.org/presentationml/2006/main">
+  <p:cSld>
+    <p:spTree>
+      <p:nvGrpSpPr>
+        <p:cNvPr id="1" name=""/>
+        <p:cNvGrpSpPr/>
+        <p:nvPr/>
+      </p:nvGrpSpPr>
+      <p:grpSpPr>
+        <a:xfrm>
+          <a:off x="0" y="0"/>
+          <a:ext cx="0" cy="0"/>
+          <a:chOff x="0" y="0"/>
+          <a:chExt cx="0" cy="0"/>
+        </a:xfrm>
+      </p:grpSpPr>
+      <p:grpSp>
+        <p:nvGrpSpPr>
+          <p:cNvPr id="11" name="Group 10">
+            <a:extLst>
+              <a:ext uri="{FF2B5EF4-FFF2-40B4-BE49-F238E27FC236}">
+                <a16:creationId xmlns:a16="http://schemas.microsoft.com/office/drawing/2014/main" id="{F43EA829-2471-F153-9F32-0896A379BCFB}"/>
+              </a:ext>
+            </a:extLst>
+          </p:cNvPr>
+          <p:cNvGrpSpPr/>
+          <p:nvPr/>
+        </p:nvGrpSpPr>
+        <p:grpSpPr>
+          <a:xfrm>
+            <a:off x="2050505" y="969264"/>
+            <a:ext cx="7279889" cy="5400354"/>
+            <a:chOff x="1781125" y="769432"/>
+            <a:chExt cx="7549270" cy="5600186"/>
+          </a:xfrm>
+        </p:grpSpPr>
+        <p:pic>
+          <p:nvPicPr>
+            <p:cNvPr id="7" name="Picture 6">
+              <a:extLst>
+                <a:ext uri="{FF2B5EF4-FFF2-40B4-BE49-F238E27FC236}">
+                  <a16:creationId xmlns:a16="http://schemas.microsoft.com/office/drawing/2014/main" id="{C1416642-02EC-DADC-916E-0262BBF25F0B}"/>
+                </a:ext>
+              </a:extLst>
+            </p:cNvPr>
+            <p:cNvPicPr>
+              <a:picLocks noChangeAspect="1"/>
+            </p:cNvPicPr>
+            <p:nvPr/>
+          </p:nvPicPr>
+          <p:blipFill>
+            <a:blip r:embed="rId2"/>
+            <a:stretch>
+              <a:fillRect/>
+            </a:stretch>
+          </p:blipFill>
+          <p:spPr>
+            <a:xfrm>
+              <a:off x="1781125" y="769432"/>
+              <a:ext cx="7549270" cy="5600186"/>
+            </a:xfrm>
+            <a:prstGeom prst="rect">
+              <a:avLst/>
+            </a:prstGeom>
+          </p:spPr>
+        </p:pic>
+        <p:sp>
+          <p:nvSpPr>
+            <p:cNvPr id="4" name="Rectangle 3">
+              <a:extLst>
+                <a:ext uri="{FF2B5EF4-FFF2-40B4-BE49-F238E27FC236}">
+                  <a16:creationId xmlns:a16="http://schemas.microsoft.com/office/drawing/2014/main" id="{B3379E9A-8502-4011-B2F6-9A5FE1224FFE}"/>
+                </a:ext>
+              </a:extLst>
+            </p:cNvPr>
+            <p:cNvSpPr/>
+            <p:nvPr/>
+          </p:nvSpPr>
+          <p:spPr>
+            <a:xfrm>
+              <a:off x="4909860" y="1472753"/>
+              <a:ext cx="2697947" cy="228600"/>
+            </a:xfrm>
+            <a:prstGeom prst="rect">
+              <a:avLst/>
+            </a:prstGeom>
+            <a:noFill/>
+            <a:ln w="38100">
+              <a:solidFill>
+                <a:schemeClr val="accent3">
+                  <a:lumMod val="60000"/>
+                  <a:lumOff val="40000"/>
+                </a:schemeClr>
+              </a:solidFill>
+            </a:ln>
+          </p:spPr>
+          <p:style>
+            <a:lnRef idx="2">
+              <a:schemeClr val="accent1">
+                <a:shade val="15000"/>
+              </a:schemeClr>
+            </a:lnRef>
+            <a:fillRef idx="1">
+              <a:schemeClr val="accent1"/>
+            </a:fillRef>
+            <a:effectRef idx="0">
+              <a:schemeClr val="accent1"/>
+            </a:effectRef>
+            <a:fontRef idx="minor">
+              <a:schemeClr val="lt1"/>
+            </a:fontRef>
+          </p:style>
+          <p:txBody>
+            <a:bodyPr rtlCol="0" anchor="ctr"/>
+            <a:lstStyle/>
+            <a:p>
+              <a:pPr algn="ctr"/>
+              <a:endParaRPr lang="en-US"/>
+            </a:p>
+          </p:txBody>
+        </p:sp>
+        <p:sp>
+          <p:nvSpPr>
+            <p:cNvPr id="5" name="Rectangle 4">
+              <a:extLst>
+                <a:ext uri="{FF2B5EF4-FFF2-40B4-BE49-F238E27FC236}">
+                  <a16:creationId xmlns:a16="http://schemas.microsoft.com/office/drawing/2014/main" id="{00D33A40-365E-B370-8E62-54C52E94C3D1}"/>
+                </a:ext>
+              </a:extLst>
+            </p:cNvPr>
+            <p:cNvSpPr/>
+            <p:nvPr/>
+          </p:nvSpPr>
+          <p:spPr>
+            <a:xfrm>
+              <a:off x="1781125" y="3569525"/>
+              <a:ext cx="2937179" cy="228600"/>
+            </a:xfrm>
+            <a:prstGeom prst="rect">
+              <a:avLst/>
+            </a:prstGeom>
+            <a:noFill/>
+            <a:ln w="38100">
+              <a:solidFill>
+                <a:schemeClr val="accent3">
+                  <a:lumMod val="60000"/>
+                  <a:lumOff val="40000"/>
+                </a:schemeClr>
+              </a:solidFill>
+            </a:ln>
+          </p:spPr>
+          <p:style>
+            <a:lnRef idx="2">
+              <a:schemeClr val="accent1">
+                <a:shade val="15000"/>
+              </a:schemeClr>
+            </a:lnRef>
+            <a:fillRef idx="1">
+              <a:schemeClr val="accent1"/>
+            </a:fillRef>
+            <a:effectRef idx="0">
+              <a:schemeClr val="accent1"/>
+            </a:effectRef>
+            <a:fontRef idx="minor">
+              <a:schemeClr val="lt1"/>
+            </a:fontRef>
+          </p:style>
+          <p:txBody>
+            <a:bodyPr rtlCol="0" anchor="ctr"/>
+            <a:lstStyle/>
+            <a:p>
+              <a:pPr algn="ctr"/>
+              <a:endParaRPr lang="en-US"/>
+            </a:p>
+          </p:txBody>
+        </p:sp>
+        <p:sp>
+          <p:nvSpPr>
+            <p:cNvPr id="6" name="Rectangle 5">
+              <a:extLst>
+                <a:ext uri="{FF2B5EF4-FFF2-40B4-BE49-F238E27FC236}">
+                  <a16:creationId xmlns:a16="http://schemas.microsoft.com/office/drawing/2014/main" id="{94A5635C-40FB-B06C-E48B-F2E604EC919E}"/>
+                </a:ext>
+              </a:extLst>
+            </p:cNvPr>
+            <p:cNvSpPr/>
+            <p:nvPr/>
+          </p:nvSpPr>
+          <p:spPr>
+            <a:xfrm>
+              <a:off x="1781125" y="5187826"/>
+              <a:ext cx="2489123" cy="228600"/>
+            </a:xfrm>
+            <a:prstGeom prst="rect">
+              <a:avLst/>
+            </a:prstGeom>
+            <a:noFill/>
+            <a:ln w="38100">
+              <a:solidFill>
+                <a:schemeClr val="accent3">
+                  <a:lumMod val="60000"/>
+                  <a:lumOff val="40000"/>
+                </a:schemeClr>
+              </a:solidFill>
+            </a:ln>
+          </p:spPr>
+          <p:style>
+            <a:lnRef idx="2">
+              <a:schemeClr val="accent1">
+                <a:shade val="15000"/>
+              </a:schemeClr>
+            </a:lnRef>
+            <a:fillRef idx="1">
+              <a:schemeClr val="accent1"/>
+            </a:fillRef>
+            <a:effectRef idx="0">
+              <a:schemeClr val="accent1"/>
+            </a:effectRef>
+            <a:fontRef idx="minor">
+              <a:schemeClr val="lt1"/>
+            </a:fontRef>
+          </p:style>
+          <p:txBody>
+            <a:bodyPr rtlCol="0" anchor="ctr"/>
+            <a:lstStyle/>
+            <a:p>
+              <a:pPr algn="ctr"/>
+              <a:endParaRPr lang="en-US"/>
+            </a:p>
+          </p:txBody>
+        </p:sp>
+        <p:sp>
+          <p:nvSpPr>
+            <p:cNvPr id="15" name="Rectangle 14">
+              <a:extLst>
+                <a:ext uri="{FF2B5EF4-FFF2-40B4-BE49-F238E27FC236}">
+                  <a16:creationId xmlns:a16="http://schemas.microsoft.com/office/drawing/2014/main" id="{2E6B9591-5E56-3370-D8A8-93E918A141CD}"/>
+                </a:ext>
+              </a:extLst>
+            </p:cNvPr>
+            <p:cNvSpPr/>
+            <p:nvPr/>
+          </p:nvSpPr>
+          <p:spPr>
+            <a:xfrm>
+              <a:off x="4909860" y="5187826"/>
+              <a:ext cx="2569932" cy="228600"/>
+            </a:xfrm>
+            <a:prstGeom prst="rect">
+              <a:avLst/>
+            </a:prstGeom>
+            <a:noFill/>
+            <a:ln w="38100">
+              <a:solidFill>
+                <a:schemeClr val="accent3">
+                  <a:lumMod val="60000"/>
+                  <a:lumOff val="40000"/>
+                </a:schemeClr>
+              </a:solidFill>
+            </a:ln>
+          </p:spPr>
+          <p:style>
+            <a:lnRef idx="2">
+              <a:schemeClr val="accent1">
+                <a:shade val="15000"/>
+              </a:schemeClr>
+            </a:lnRef>
+            <a:fillRef idx="1">
+              <a:schemeClr val="accent1"/>
+            </a:fillRef>
+            <a:effectRef idx="0">
+              <a:schemeClr val="accent1"/>
+            </a:effectRef>
+            <a:fontRef idx="minor">
+              <a:schemeClr val="lt1"/>
+            </a:fontRef>
+          </p:style>
+          <p:txBody>
+            <a:bodyPr rtlCol="0" anchor="ctr"/>
+            <a:lstStyle/>
+            <a:p>
+              <a:pPr algn="ctr"/>
+              <a:endParaRPr lang="en-US"/>
+            </a:p>
+          </p:txBody>
+        </p:sp>
+      </p:grpSp>
+    </p:spTree>
+    <p:extLst>
+      <p:ext uri="{BB962C8B-B14F-4D97-AF65-F5344CB8AC3E}">
+        <p14:creationId xmlns:p14="http://schemas.microsoft.com/office/powerpoint/2010/main" val="3785324374"/>
+      </p:ext>
+    </p:extLst>
+  </p:cSld>
+  <p:clrMapOvr>
+    <a:masterClrMapping/>
+  </p:clrMapOvr>
+</p:sld>
+</file>
+
+<file path=ppt/slides/slide11.xml><?xml version="1.0" encoding="utf-8"?>
+<p:sld xmlns:a="http://schemas.openxmlformats.org/drawingml/2006/main" xmlns:r="http://schemas.openxmlformats.org/officeDocument/2006/relationships" xmlns:p="http://schemas.openxmlformats.org/presentationml/2006/main">
+  <p:cSld>
+    <p:spTree>
+      <p:nvGrpSpPr>
+        <p:cNvPr id="1" name=""/>
+        <p:cNvGrpSpPr/>
+        <p:nvPr/>
+      </p:nvGrpSpPr>
+      <p:grpSpPr>
+        <a:xfrm>
+          <a:off x="0" y="0"/>
+          <a:ext cx="0" cy="0"/>
+          <a:chOff x="0" y="0"/>
+          <a:chExt cx="0" cy="0"/>
+        </a:xfrm>
+      </p:grpSpPr>
+      <p:grpSp>
+        <p:nvGrpSpPr>
+          <p:cNvPr id="8" name="Group 7">
+            <a:extLst>
+              <a:ext uri="{FF2B5EF4-FFF2-40B4-BE49-F238E27FC236}">
+                <a16:creationId xmlns:a16="http://schemas.microsoft.com/office/drawing/2014/main" id="{5DC1B483-BC18-A0C4-27EA-82949EB711B0}"/>
+              </a:ext>
+            </a:extLst>
+          </p:cNvPr>
+          <p:cNvGrpSpPr/>
+          <p:nvPr/>
+        </p:nvGrpSpPr>
+        <p:grpSpPr>
+          <a:xfrm>
+            <a:off x="2103119" y="1197372"/>
+            <a:ext cx="6941423" cy="5256735"/>
+            <a:chOff x="1426465" y="684942"/>
+            <a:chExt cx="7618078" cy="5769165"/>
+          </a:xfrm>
+        </p:grpSpPr>
+        <p:pic>
+          <p:nvPicPr>
+            <p:cNvPr id="3" name="Picture 2">
+              <a:extLst>
+                <a:ext uri="{FF2B5EF4-FFF2-40B4-BE49-F238E27FC236}">
+                  <a16:creationId xmlns:a16="http://schemas.microsoft.com/office/drawing/2014/main" id="{14642CEC-F0D4-59B8-DE66-FB4BE66135B1}"/>
+                </a:ext>
+              </a:extLst>
+            </p:cNvPr>
+            <p:cNvPicPr>
+              <a:picLocks noChangeAspect="1"/>
+            </p:cNvPicPr>
+            <p:nvPr/>
+          </p:nvPicPr>
+          <p:blipFill>
+            <a:blip r:embed="rId2"/>
+            <a:stretch>
+              <a:fillRect/>
+            </a:stretch>
+          </p:blipFill>
+          <p:spPr>
+            <a:xfrm>
+              <a:off x="1426465" y="684942"/>
+              <a:ext cx="7618078" cy="5769165"/>
+            </a:xfrm>
+            <a:prstGeom prst="rect">
+              <a:avLst/>
+            </a:prstGeom>
+          </p:spPr>
+        </p:pic>
+        <p:sp>
+          <p:nvSpPr>
+            <p:cNvPr id="4" name="Rectangle 3">
+              <a:extLst>
+                <a:ext uri="{FF2B5EF4-FFF2-40B4-BE49-F238E27FC236}">
+                  <a16:creationId xmlns:a16="http://schemas.microsoft.com/office/drawing/2014/main" id="{B3379E9A-8502-4011-B2F6-9A5FE1224FFE}"/>
+                </a:ext>
+              </a:extLst>
+            </p:cNvPr>
+            <p:cNvSpPr/>
+            <p:nvPr/>
+          </p:nvSpPr>
+          <p:spPr>
+            <a:xfrm>
+              <a:off x="4525812" y="1898634"/>
+              <a:ext cx="2697947" cy="228600"/>
+            </a:xfrm>
+            <a:prstGeom prst="rect">
+              <a:avLst/>
+            </a:prstGeom>
+            <a:noFill/>
+            <a:ln w="38100">
+              <a:solidFill>
+                <a:schemeClr val="accent3">
+                  <a:lumMod val="60000"/>
+                  <a:lumOff val="40000"/>
+                </a:schemeClr>
+              </a:solidFill>
+            </a:ln>
+          </p:spPr>
+          <p:style>
+            <a:lnRef idx="2">
+              <a:schemeClr val="accent1">
+                <a:shade val="15000"/>
+              </a:schemeClr>
+            </a:lnRef>
+            <a:fillRef idx="1">
+              <a:schemeClr val="accent1"/>
+            </a:fillRef>
+            <a:effectRef idx="0">
+              <a:schemeClr val="accent1"/>
+            </a:effectRef>
+            <a:fontRef idx="minor">
+              <a:schemeClr val="lt1"/>
+            </a:fontRef>
+          </p:style>
+          <p:txBody>
+            <a:bodyPr rtlCol="0" anchor="ctr"/>
+            <a:lstStyle/>
+            <a:p>
+              <a:pPr algn="ctr"/>
+              <a:endParaRPr lang="en-US"/>
+            </a:p>
+          </p:txBody>
+        </p:sp>
+        <p:sp>
+          <p:nvSpPr>
+            <p:cNvPr id="5" name="Rectangle 4">
+              <a:extLst>
+                <a:ext uri="{FF2B5EF4-FFF2-40B4-BE49-F238E27FC236}">
+                  <a16:creationId xmlns:a16="http://schemas.microsoft.com/office/drawing/2014/main" id="{00D33A40-365E-B370-8E62-54C52E94C3D1}"/>
+                </a:ext>
+              </a:extLst>
+            </p:cNvPr>
+            <p:cNvSpPr/>
+            <p:nvPr/>
+          </p:nvSpPr>
+          <p:spPr>
+            <a:xfrm>
+              <a:off x="1426465" y="3569524"/>
+              <a:ext cx="2981411" cy="228600"/>
+            </a:xfrm>
+            <a:prstGeom prst="rect">
+              <a:avLst/>
+            </a:prstGeom>
+            <a:noFill/>
+            <a:ln w="38100">
+              <a:solidFill>
+                <a:schemeClr val="accent3">
+                  <a:lumMod val="60000"/>
+                  <a:lumOff val="40000"/>
+                </a:schemeClr>
+              </a:solidFill>
+            </a:ln>
+          </p:spPr>
+          <p:style>
+            <a:lnRef idx="2">
+              <a:schemeClr val="accent1">
+                <a:shade val="15000"/>
+              </a:schemeClr>
+            </a:lnRef>
+            <a:fillRef idx="1">
+              <a:schemeClr val="accent1"/>
+            </a:fillRef>
+            <a:effectRef idx="0">
+              <a:schemeClr val="accent1"/>
+            </a:effectRef>
+            <a:fontRef idx="minor">
+              <a:schemeClr val="lt1"/>
+            </a:fontRef>
+          </p:style>
+          <p:txBody>
+            <a:bodyPr rtlCol="0" anchor="ctr"/>
+            <a:lstStyle/>
+            <a:p>
+              <a:pPr algn="ctr"/>
+              <a:endParaRPr lang="en-US"/>
+            </a:p>
+          </p:txBody>
+        </p:sp>
+        <p:sp>
+          <p:nvSpPr>
+            <p:cNvPr id="6" name="Rectangle 5">
+              <a:extLst>
+                <a:ext uri="{FF2B5EF4-FFF2-40B4-BE49-F238E27FC236}">
+                  <a16:creationId xmlns:a16="http://schemas.microsoft.com/office/drawing/2014/main" id="{94A5635C-40FB-B06C-E48B-F2E604EC919E}"/>
+                </a:ext>
+              </a:extLst>
+            </p:cNvPr>
+            <p:cNvSpPr/>
+            <p:nvPr/>
+          </p:nvSpPr>
+          <p:spPr>
+            <a:xfrm>
+              <a:off x="1426465" y="5709034"/>
+              <a:ext cx="2569463" cy="228600"/>
+            </a:xfrm>
+            <a:prstGeom prst="rect">
+              <a:avLst/>
+            </a:prstGeom>
+            <a:noFill/>
+            <a:ln w="38100">
+              <a:solidFill>
+                <a:schemeClr val="accent3">
+                  <a:lumMod val="60000"/>
+                  <a:lumOff val="40000"/>
+                </a:schemeClr>
+              </a:solidFill>
+            </a:ln>
+          </p:spPr>
+          <p:style>
+            <a:lnRef idx="2">
+              <a:schemeClr val="accent1">
+                <a:shade val="15000"/>
+              </a:schemeClr>
+            </a:lnRef>
+            <a:fillRef idx="1">
+              <a:schemeClr val="accent1"/>
+            </a:fillRef>
+            <a:effectRef idx="0">
+              <a:schemeClr val="accent1"/>
+            </a:effectRef>
+            <a:fontRef idx="minor">
+              <a:schemeClr val="lt1"/>
+            </a:fontRef>
+          </p:style>
+          <p:txBody>
+            <a:bodyPr rtlCol="0" anchor="ctr"/>
+            <a:lstStyle/>
+            <a:p>
+              <a:pPr algn="ctr"/>
+              <a:endParaRPr lang="en-US"/>
+            </a:p>
+          </p:txBody>
+        </p:sp>
+        <p:sp>
+          <p:nvSpPr>
+            <p:cNvPr id="15" name="Rectangle 14">
+              <a:extLst>
+                <a:ext uri="{FF2B5EF4-FFF2-40B4-BE49-F238E27FC236}">
+                  <a16:creationId xmlns:a16="http://schemas.microsoft.com/office/drawing/2014/main" id="{2E6B9591-5E56-3370-D8A8-93E918A141CD}"/>
+                </a:ext>
+              </a:extLst>
+            </p:cNvPr>
+            <p:cNvSpPr/>
+            <p:nvPr/>
+          </p:nvSpPr>
+          <p:spPr>
+            <a:xfrm>
+              <a:off x="4589819" y="5693924"/>
+              <a:ext cx="2569932" cy="228600"/>
+            </a:xfrm>
+            <a:prstGeom prst="rect">
+              <a:avLst/>
+            </a:prstGeom>
+            <a:noFill/>
+            <a:ln w="38100">
+              <a:solidFill>
+                <a:schemeClr val="accent3">
+                  <a:lumMod val="60000"/>
+                  <a:lumOff val="40000"/>
+                </a:schemeClr>
+              </a:solidFill>
+            </a:ln>
+          </p:spPr>
+          <p:style>
+            <a:lnRef idx="2">
+              <a:schemeClr val="accent1">
+                <a:shade val="15000"/>
+              </a:schemeClr>
+            </a:lnRef>
+            <a:fillRef idx="1">
+              <a:schemeClr val="accent1"/>
+            </a:fillRef>
+            <a:effectRef idx="0">
+              <a:schemeClr val="accent1"/>
+            </a:effectRef>
+            <a:fontRef idx="minor">
+              <a:schemeClr val="lt1"/>
+            </a:fontRef>
+          </p:style>
+          <p:txBody>
+            <a:bodyPr rtlCol="0" anchor="ctr"/>
+            <a:lstStyle/>
+            <a:p>
+              <a:pPr algn="ctr"/>
+              <a:endParaRPr lang="en-US"/>
+            </a:p>
+          </p:txBody>
+        </p:sp>
+      </p:grpSp>
+    </p:spTree>
+    <p:extLst>
+      <p:ext uri="{BB962C8B-B14F-4D97-AF65-F5344CB8AC3E}">
+        <p14:creationId xmlns:p14="http://schemas.microsoft.com/office/powerpoint/2010/main" val="3660958306"/>
+      </p:ext>
+    </p:extLst>
+  </p:cSld>
+  <p:clrMapOvr>
+    <a:masterClrMapping/>
+  </p:clrMapOvr>
+</p:sld>
+</file>
+
+<file path=ppt/slides/slide12.xml><?xml version="1.0" encoding="utf-8"?>
+<p:sld xmlns:a="http://schemas.openxmlformats.org/drawingml/2006/main" xmlns:r="http://schemas.openxmlformats.org/officeDocument/2006/relationships" xmlns:p="http://schemas.openxmlformats.org/presentationml/2006/main">
+  <p:cSld>
+    <p:spTree>
+      <p:nvGrpSpPr>
+        <p:cNvPr id="1" name=""/>
+        <p:cNvGrpSpPr/>
+        <p:nvPr/>
+      </p:nvGrpSpPr>
+      <p:grpSpPr>
+        <a:xfrm>
+          <a:off x="0" y="0"/>
+          <a:ext cx="0" cy="0"/>
+          <a:chOff x="0" y="0"/>
+          <a:chExt cx="0" cy="0"/>
+        </a:xfrm>
+      </p:grpSpPr>
+      <p:grpSp>
+        <p:nvGrpSpPr>
+          <p:cNvPr id="11" name="Group 10">
+            <a:extLst>
+              <a:ext uri="{FF2B5EF4-FFF2-40B4-BE49-F238E27FC236}">
+                <a16:creationId xmlns:a16="http://schemas.microsoft.com/office/drawing/2014/main" id="{1F622911-3E5A-B343-E28D-270E6E0E7CE0}"/>
+              </a:ext>
+            </a:extLst>
+          </p:cNvPr>
+          <p:cNvGrpSpPr/>
+          <p:nvPr/>
+        </p:nvGrpSpPr>
+        <p:grpSpPr>
+          <a:xfrm>
+            <a:off x="2234525" y="622301"/>
+            <a:ext cx="6664478" cy="5613398"/>
+            <a:chOff x="1297511" y="266193"/>
+            <a:chExt cx="7510052" cy="6325613"/>
+          </a:xfrm>
+        </p:grpSpPr>
+        <p:pic>
+          <p:nvPicPr>
+            <p:cNvPr id="7" name="Picture 6">
+              <a:extLst>
+                <a:ext uri="{FF2B5EF4-FFF2-40B4-BE49-F238E27FC236}">
+                  <a16:creationId xmlns:a16="http://schemas.microsoft.com/office/drawing/2014/main" id="{C8A16B3E-77FE-5622-E69A-FC0C219E7486}"/>
+                </a:ext>
+              </a:extLst>
+            </p:cNvPr>
+            <p:cNvPicPr>
+              <a:picLocks noChangeAspect="1"/>
+            </p:cNvPicPr>
+            <p:nvPr/>
+          </p:nvPicPr>
+          <p:blipFill>
+            <a:blip r:embed="rId2"/>
+            <a:stretch>
+              <a:fillRect/>
+            </a:stretch>
+          </p:blipFill>
+          <p:spPr>
+            <a:xfrm>
+              <a:off x="1298448" y="266193"/>
+              <a:ext cx="7509115" cy="6325613"/>
+            </a:xfrm>
+            <a:prstGeom prst="rect">
+              <a:avLst/>
+            </a:prstGeom>
+          </p:spPr>
+        </p:pic>
+        <p:sp>
+          <p:nvSpPr>
+            <p:cNvPr id="4" name="Rectangle 3">
+              <a:extLst>
+                <a:ext uri="{FF2B5EF4-FFF2-40B4-BE49-F238E27FC236}">
+                  <a16:creationId xmlns:a16="http://schemas.microsoft.com/office/drawing/2014/main" id="{B3379E9A-8502-4011-B2F6-9A5FE1224FFE}"/>
+                </a:ext>
+              </a:extLst>
+            </p:cNvPr>
+            <p:cNvSpPr/>
+            <p:nvPr/>
+          </p:nvSpPr>
+          <p:spPr>
+            <a:xfrm>
+              <a:off x="1297981" y="1430014"/>
+              <a:ext cx="2697947" cy="228600"/>
+            </a:xfrm>
+            <a:prstGeom prst="rect">
+              <a:avLst/>
+            </a:prstGeom>
+            <a:noFill/>
+            <a:ln w="38100">
+              <a:solidFill>
+                <a:schemeClr val="accent3">
+                  <a:lumMod val="60000"/>
+                  <a:lumOff val="40000"/>
+                </a:schemeClr>
+              </a:solidFill>
+            </a:ln>
+          </p:spPr>
+          <p:style>
+            <a:lnRef idx="2">
+              <a:schemeClr val="accent1">
+                <a:shade val="15000"/>
+              </a:schemeClr>
+            </a:lnRef>
+            <a:fillRef idx="1">
+              <a:schemeClr val="accent1"/>
+            </a:fillRef>
+            <a:effectRef idx="0">
+              <a:schemeClr val="accent1"/>
+            </a:effectRef>
+            <a:fontRef idx="minor">
+              <a:schemeClr val="lt1"/>
+            </a:fontRef>
+          </p:style>
+          <p:txBody>
+            <a:bodyPr rtlCol="0" anchor="ctr"/>
+            <a:lstStyle/>
+            <a:p>
+              <a:pPr algn="ctr"/>
+              <a:endParaRPr lang="en-US"/>
+            </a:p>
+          </p:txBody>
+        </p:sp>
+        <p:sp>
+          <p:nvSpPr>
+            <p:cNvPr id="5" name="Rectangle 4">
+              <a:extLst>
+                <a:ext uri="{FF2B5EF4-FFF2-40B4-BE49-F238E27FC236}">
+                  <a16:creationId xmlns:a16="http://schemas.microsoft.com/office/drawing/2014/main" id="{00D33A40-365E-B370-8E62-54C52E94C3D1}"/>
+                </a:ext>
+              </a:extLst>
+            </p:cNvPr>
+            <p:cNvSpPr/>
+            <p:nvPr/>
+          </p:nvSpPr>
+          <p:spPr>
+            <a:xfrm>
+              <a:off x="1297980" y="3058667"/>
+              <a:ext cx="2990555" cy="228600"/>
+            </a:xfrm>
+            <a:prstGeom prst="rect">
+              <a:avLst/>
+            </a:prstGeom>
+            <a:noFill/>
+            <a:ln w="38100">
+              <a:solidFill>
+                <a:schemeClr val="accent3">
+                  <a:lumMod val="60000"/>
+                  <a:lumOff val="40000"/>
+                </a:schemeClr>
+              </a:solidFill>
+            </a:ln>
+          </p:spPr>
+          <p:style>
+            <a:lnRef idx="2">
+              <a:schemeClr val="accent1">
+                <a:shade val="15000"/>
+              </a:schemeClr>
+            </a:lnRef>
+            <a:fillRef idx="1">
+              <a:schemeClr val="accent1"/>
+            </a:fillRef>
+            <a:effectRef idx="0">
+              <a:schemeClr val="accent1"/>
+            </a:effectRef>
+            <a:fontRef idx="minor">
+              <a:schemeClr val="lt1"/>
+            </a:fontRef>
+          </p:style>
+          <p:txBody>
+            <a:bodyPr rtlCol="0" anchor="ctr"/>
+            <a:lstStyle/>
+            <a:p>
+              <a:pPr algn="ctr"/>
+              <a:endParaRPr lang="en-US"/>
+            </a:p>
+          </p:txBody>
+        </p:sp>
+        <p:sp>
+          <p:nvSpPr>
+            <p:cNvPr id="6" name="Rectangle 5">
+              <a:extLst>
+                <a:ext uri="{FF2B5EF4-FFF2-40B4-BE49-F238E27FC236}">
+                  <a16:creationId xmlns:a16="http://schemas.microsoft.com/office/drawing/2014/main" id="{94A5635C-40FB-B06C-E48B-F2E604EC919E}"/>
+                </a:ext>
+              </a:extLst>
+            </p:cNvPr>
+            <p:cNvSpPr/>
+            <p:nvPr/>
+          </p:nvSpPr>
+          <p:spPr>
+            <a:xfrm>
+              <a:off x="1297980" y="5845175"/>
+              <a:ext cx="2569463" cy="228600"/>
+            </a:xfrm>
+            <a:prstGeom prst="rect">
+              <a:avLst/>
+            </a:prstGeom>
+            <a:noFill/>
+            <a:ln w="38100">
+              <a:solidFill>
+                <a:schemeClr val="accent3">
+                  <a:lumMod val="60000"/>
+                  <a:lumOff val="40000"/>
+                </a:schemeClr>
+              </a:solidFill>
+            </a:ln>
+          </p:spPr>
+          <p:style>
+            <a:lnRef idx="2">
+              <a:schemeClr val="accent1">
+                <a:shade val="15000"/>
+              </a:schemeClr>
+            </a:lnRef>
+            <a:fillRef idx="1">
+              <a:schemeClr val="accent1"/>
+            </a:fillRef>
+            <a:effectRef idx="0">
+              <a:schemeClr val="accent1"/>
+            </a:effectRef>
+            <a:fontRef idx="minor">
+              <a:schemeClr val="lt1"/>
+            </a:fontRef>
+          </p:style>
+          <p:txBody>
+            <a:bodyPr rtlCol="0" anchor="ctr"/>
+            <a:lstStyle/>
+            <a:p>
+              <a:pPr algn="ctr"/>
+              <a:endParaRPr lang="en-US"/>
+            </a:p>
+          </p:txBody>
+        </p:sp>
+        <p:sp>
+          <p:nvSpPr>
+            <p:cNvPr id="15" name="Rectangle 14">
+              <a:extLst>
+                <a:ext uri="{FF2B5EF4-FFF2-40B4-BE49-F238E27FC236}">
+                  <a16:creationId xmlns:a16="http://schemas.microsoft.com/office/drawing/2014/main" id="{2E6B9591-5E56-3370-D8A8-93E918A141CD}"/>
+                </a:ext>
+              </a:extLst>
+            </p:cNvPr>
+            <p:cNvSpPr/>
+            <p:nvPr/>
+          </p:nvSpPr>
+          <p:spPr>
+            <a:xfrm>
+              <a:off x="4425227" y="5845175"/>
+              <a:ext cx="2569932" cy="228600"/>
+            </a:xfrm>
+            <a:prstGeom prst="rect">
+              <a:avLst/>
+            </a:prstGeom>
+            <a:noFill/>
+            <a:ln w="38100">
+              <a:solidFill>
+                <a:schemeClr val="accent3">
+                  <a:lumMod val="60000"/>
+                  <a:lumOff val="40000"/>
+                </a:schemeClr>
+              </a:solidFill>
+            </a:ln>
+          </p:spPr>
+          <p:style>
+            <a:lnRef idx="2">
+              <a:schemeClr val="accent1">
+                <a:shade val="15000"/>
+              </a:schemeClr>
+            </a:lnRef>
+            <a:fillRef idx="1">
+              <a:schemeClr val="accent1"/>
+            </a:fillRef>
+            <a:effectRef idx="0">
+              <a:schemeClr val="accent1"/>
+            </a:effectRef>
+            <a:fontRef idx="minor">
+              <a:schemeClr val="lt1"/>
+            </a:fontRef>
+          </p:style>
+          <p:txBody>
+            <a:bodyPr rtlCol="0" anchor="ctr"/>
+            <a:lstStyle/>
+            <a:p>
+              <a:pPr algn="ctr"/>
+              <a:endParaRPr lang="en-US" dirty="0"/>
+            </a:p>
+          </p:txBody>
+        </p:sp>
+        <p:sp>
+          <p:nvSpPr>
+            <p:cNvPr id="10" name="Rectangle 9">
+              <a:extLst>
+                <a:ext uri="{FF2B5EF4-FFF2-40B4-BE49-F238E27FC236}">
+                  <a16:creationId xmlns:a16="http://schemas.microsoft.com/office/drawing/2014/main" id="{5E0A6E38-274A-2FCE-C535-591FFA61064F}"/>
+                </a:ext>
+              </a:extLst>
+            </p:cNvPr>
+            <p:cNvSpPr/>
+            <p:nvPr/>
+          </p:nvSpPr>
+          <p:spPr>
+            <a:xfrm>
+              <a:off x="1297511" y="6104190"/>
+              <a:ext cx="2569932" cy="228600"/>
+            </a:xfrm>
+            <a:prstGeom prst="rect">
+              <a:avLst/>
+            </a:prstGeom>
+            <a:noFill/>
+            <a:ln w="38100">
+              <a:solidFill>
+                <a:schemeClr val="accent3">
+                  <a:lumMod val="60000"/>
+                  <a:lumOff val="40000"/>
+                </a:schemeClr>
+              </a:solidFill>
+            </a:ln>
+          </p:spPr>
+          <p:style>
+            <a:lnRef idx="2">
+              <a:schemeClr val="accent1">
+                <a:shade val="15000"/>
+              </a:schemeClr>
+            </a:lnRef>
+            <a:fillRef idx="1">
+              <a:schemeClr val="accent1"/>
+            </a:fillRef>
+            <a:effectRef idx="0">
+              <a:schemeClr val="accent1"/>
+            </a:effectRef>
+            <a:fontRef idx="minor">
+              <a:schemeClr val="lt1"/>
+            </a:fontRef>
+          </p:style>
+          <p:txBody>
+            <a:bodyPr rtlCol="0" anchor="ctr"/>
+            <a:lstStyle/>
+            <a:p>
+              <a:pPr algn="ctr"/>
+              <a:endParaRPr lang="en-US" dirty="0"/>
+            </a:p>
+          </p:txBody>
+        </p:sp>
+      </p:grpSp>
+    </p:spTree>
+    <p:extLst>
+      <p:ext uri="{BB962C8B-B14F-4D97-AF65-F5344CB8AC3E}">
+        <p14:creationId xmlns:p14="http://schemas.microsoft.com/office/powerpoint/2010/main" val="1592986101"/>
+      </p:ext>
+    </p:extLst>
+  </p:cSld>
+  <p:clrMapOvr>
+    <a:masterClrMapping/>
+  </p:clrMapOvr>
+</p:sld>
+</file>
+
+<file path=ppt/slides/slide13.xml><?xml version="1.0" encoding="utf-8"?>
+<p:sld xmlns:a="http://schemas.openxmlformats.org/drawingml/2006/main" xmlns:r="http://schemas.openxmlformats.org/officeDocument/2006/relationships" xmlns:p="http://schemas.openxmlformats.org/presentationml/2006/main">
+  <p:cSld>
+    <p:spTree>
+      <p:nvGrpSpPr>
+        <p:cNvPr id="1" name=""/>
+        <p:cNvGrpSpPr/>
+        <p:nvPr/>
+      </p:nvGrpSpPr>
+      <p:grpSpPr>
+        <a:xfrm>
+          <a:off x="0" y="0"/>
+          <a:ext cx="0" cy="0"/>
+          <a:chOff x="0" y="0"/>
+          <a:chExt cx="0" cy="0"/>
+        </a:xfrm>
+      </p:grpSpPr>
+      <p:grpSp>
+        <p:nvGrpSpPr>
+          <p:cNvPr id="8" name="Group 7">
+            <a:extLst>
+              <a:ext uri="{FF2B5EF4-FFF2-40B4-BE49-F238E27FC236}">
+                <a16:creationId xmlns:a16="http://schemas.microsoft.com/office/drawing/2014/main" id="{00D2DB2D-58F7-5A8C-04D1-E8AE3E10AA49}"/>
+              </a:ext>
+            </a:extLst>
+          </p:cNvPr>
+          <p:cNvGrpSpPr/>
+          <p:nvPr/>
+        </p:nvGrpSpPr>
+        <p:grpSpPr>
+          <a:xfrm>
+            <a:off x="2315708" y="768096"/>
+            <a:ext cx="6819147" cy="5494613"/>
+            <a:chOff x="2101246" y="595290"/>
+            <a:chExt cx="7033610" cy="5667419"/>
+          </a:xfrm>
+        </p:grpSpPr>
+        <p:pic>
+          <p:nvPicPr>
+            <p:cNvPr id="3" name="Picture 2">
+              <a:extLst>
+                <a:ext uri="{FF2B5EF4-FFF2-40B4-BE49-F238E27FC236}">
+                  <a16:creationId xmlns:a16="http://schemas.microsoft.com/office/drawing/2014/main" id="{C2BC3B30-AD60-741F-131C-D58CA63CBA04}"/>
+                </a:ext>
+              </a:extLst>
+            </p:cNvPr>
+            <p:cNvPicPr>
+              <a:picLocks noChangeAspect="1"/>
+            </p:cNvPicPr>
+            <p:nvPr/>
+          </p:nvPicPr>
+          <p:blipFill>
+            <a:blip r:embed="rId2"/>
+            <a:stretch>
+              <a:fillRect/>
+            </a:stretch>
+          </p:blipFill>
+          <p:spPr>
+            <a:xfrm>
+              <a:off x="2120471" y="595290"/>
+              <a:ext cx="7014385" cy="5667419"/>
+            </a:xfrm>
+            <a:prstGeom prst="rect">
+              <a:avLst/>
+            </a:prstGeom>
+          </p:spPr>
+        </p:pic>
+        <p:sp>
+          <p:nvSpPr>
+            <p:cNvPr id="4" name="Rectangle 3">
+              <a:extLst>
+                <a:ext uri="{FF2B5EF4-FFF2-40B4-BE49-F238E27FC236}">
+                  <a16:creationId xmlns:a16="http://schemas.microsoft.com/office/drawing/2014/main" id="{B3379E9A-8502-4011-B2F6-9A5FE1224FFE}"/>
+                </a:ext>
+              </a:extLst>
+            </p:cNvPr>
+            <p:cNvSpPr/>
+            <p:nvPr/>
+          </p:nvSpPr>
+          <p:spPr>
+            <a:xfrm>
+              <a:off x="2101246" y="1914646"/>
+              <a:ext cx="2697947" cy="228600"/>
+            </a:xfrm>
+            <a:prstGeom prst="rect">
+              <a:avLst/>
+            </a:prstGeom>
+            <a:noFill/>
+            <a:ln w="38100">
+              <a:solidFill>
+                <a:schemeClr val="accent3">
+                  <a:lumMod val="60000"/>
+                  <a:lumOff val="40000"/>
+                </a:schemeClr>
+              </a:solidFill>
+            </a:ln>
+          </p:spPr>
+          <p:style>
+            <a:lnRef idx="2">
+              <a:schemeClr val="accent1">
+                <a:shade val="15000"/>
+              </a:schemeClr>
+            </a:lnRef>
+            <a:fillRef idx="1">
+              <a:schemeClr val="accent1"/>
+            </a:fillRef>
+            <a:effectRef idx="0">
+              <a:schemeClr val="accent1"/>
+            </a:effectRef>
+            <a:fontRef idx="minor">
+              <a:schemeClr val="lt1"/>
+            </a:fontRef>
+          </p:style>
+          <p:txBody>
+            <a:bodyPr rtlCol="0" anchor="ctr"/>
+            <a:lstStyle/>
+            <a:p>
+              <a:pPr algn="ctr"/>
+              <a:endParaRPr lang="en-US"/>
+            </a:p>
+          </p:txBody>
+        </p:sp>
+        <p:sp>
+          <p:nvSpPr>
+            <p:cNvPr id="5" name="Rectangle 4">
+              <a:extLst>
+                <a:ext uri="{FF2B5EF4-FFF2-40B4-BE49-F238E27FC236}">
+                  <a16:creationId xmlns:a16="http://schemas.microsoft.com/office/drawing/2014/main" id="{00D33A40-365E-B370-8E62-54C52E94C3D1}"/>
+                </a:ext>
+              </a:extLst>
+            </p:cNvPr>
+            <p:cNvSpPr/>
+            <p:nvPr/>
+          </p:nvSpPr>
+          <p:spPr>
+            <a:xfrm>
+              <a:off x="2120471" y="3234002"/>
+              <a:ext cx="2990555" cy="228600"/>
+            </a:xfrm>
+            <a:prstGeom prst="rect">
+              <a:avLst/>
+            </a:prstGeom>
+            <a:noFill/>
+            <a:ln w="38100">
+              <a:solidFill>
+                <a:schemeClr val="accent3">
+                  <a:lumMod val="60000"/>
+                  <a:lumOff val="40000"/>
+                </a:schemeClr>
+              </a:solidFill>
+            </a:ln>
+          </p:spPr>
+          <p:style>
+            <a:lnRef idx="2">
+              <a:schemeClr val="accent1">
+                <a:shade val="15000"/>
+              </a:schemeClr>
+            </a:lnRef>
+            <a:fillRef idx="1">
+              <a:schemeClr val="accent1"/>
+            </a:fillRef>
+            <a:effectRef idx="0">
+              <a:schemeClr val="accent1"/>
+            </a:effectRef>
+            <a:fontRef idx="minor">
+              <a:schemeClr val="lt1"/>
+            </a:fontRef>
+          </p:style>
+          <p:txBody>
+            <a:bodyPr rtlCol="0" anchor="ctr"/>
+            <a:lstStyle/>
+            <a:p>
+              <a:pPr algn="ctr"/>
+              <a:endParaRPr lang="en-US"/>
+            </a:p>
+          </p:txBody>
+        </p:sp>
+        <p:sp>
+          <p:nvSpPr>
+            <p:cNvPr id="15" name="Rectangle 14">
+              <a:extLst>
+                <a:ext uri="{FF2B5EF4-FFF2-40B4-BE49-F238E27FC236}">
+                  <a16:creationId xmlns:a16="http://schemas.microsoft.com/office/drawing/2014/main" id="{2E6B9591-5E56-3370-D8A8-93E918A141CD}"/>
+                </a:ext>
+              </a:extLst>
+            </p:cNvPr>
+            <p:cNvSpPr/>
+            <p:nvPr/>
+          </p:nvSpPr>
+          <p:spPr>
+            <a:xfrm>
+              <a:off x="5019587" y="5829153"/>
+              <a:ext cx="2569932" cy="228600"/>
+            </a:xfrm>
+            <a:prstGeom prst="rect">
+              <a:avLst/>
+            </a:prstGeom>
+            <a:noFill/>
+            <a:ln w="38100">
+              <a:solidFill>
+                <a:schemeClr val="accent3">
+                  <a:lumMod val="60000"/>
+                  <a:lumOff val="40000"/>
+                </a:schemeClr>
+              </a:solidFill>
+            </a:ln>
+          </p:spPr>
+          <p:style>
+            <a:lnRef idx="2">
+              <a:schemeClr val="accent1">
+                <a:shade val="15000"/>
+              </a:schemeClr>
+            </a:lnRef>
+            <a:fillRef idx="1">
+              <a:schemeClr val="accent1"/>
+            </a:fillRef>
+            <a:effectRef idx="0">
+              <a:schemeClr val="accent1"/>
+            </a:effectRef>
+            <a:fontRef idx="minor">
+              <a:schemeClr val="lt1"/>
+            </a:fontRef>
+          </p:style>
+          <p:txBody>
+            <a:bodyPr rtlCol="0" anchor="ctr"/>
+            <a:lstStyle/>
+            <a:p>
+              <a:pPr algn="ctr"/>
+              <a:endParaRPr lang="en-US" dirty="0"/>
+            </a:p>
+          </p:txBody>
+        </p:sp>
+        <p:sp>
+          <p:nvSpPr>
+            <p:cNvPr id="10" name="Rectangle 9">
+              <a:extLst>
+                <a:ext uri="{FF2B5EF4-FFF2-40B4-BE49-F238E27FC236}">
+                  <a16:creationId xmlns:a16="http://schemas.microsoft.com/office/drawing/2014/main" id="{5E0A6E38-274A-2FCE-C535-591FFA61064F}"/>
+                </a:ext>
+              </a:extLst>
+            </p:cNvPr>
+            <p:cNvSpPr/>
+            <p:nvPr/>
+          </p:nvSpPr>
+          <p:spPr>
+            <a:xfrm>
+              <a:off x="2101246" y="5829153"/>
+              <a:ext cx="2569932" cy="228600"/>
+            </a:xfrm>
+            <a:prstGeom prst="rect">
+              <a:avLst/>
+            </a:prstGeom>
+            <a:noFill/>
+            <a:ln w="38100">
+              <a:solidFill>
+                <a:schemeClr val="accent3">
+                  <a:lumMod val="60000"/>
+                  <a:lumOff val="40000"/>
+                </a:schemeClr>
+              </a:solidFill>
+            </a:ln>
+          </p:spPr>
+          <p:style>
+            <a:lnRef idx="2">
+              <a:schemeClr val="accent1">
+                <a:shade val="15000"/>
+              </a:schemeClr>
+            </a:lnRef>
+            <a:fillRef idx="1">
+              <a:schemeClr val="accent1"/>
+            </a:fillRef>
+            <a:effectRef idx="0">
+              <a:schemeClr val="accent1"/>
+            </a:effectRef>
+            <a:fontRef idx="minor">
+              <a:schemeClr val="lt1"/>
+            </a:fontRef>
+          </p:style>
+          <p:txBody>
+            <a:bodyPr rtlCol="0" anchor="ctr"/>
+            <a:lstStyle/>
+            <a:p>
+              <a:pPr algn="ctr"/>
+              <a:endParaRPr lang="en-US" dirty="0"/>
+            </a:p>
+          </p:txBody>
+        </p:sp>
+      </p:grpSp>
+    </p:spTree>
+    <p:extLst>
+      <p:ext uri="{BB962C8B-B14F-4D97-AF65-F5344CB8AC3E}">
+        <p14:creationId xmlns:p14="http://schemas.microsoft.com/office/powerpoint/2010/main" val="1491367013"/>
+      </p:ext>
+    </p:extLst>
+  </p:cSld>
+  <p:clrMapOvr>
+    <a:masterClrMapping/>
+  </p:clrMapOvr>
+</p:sld>
+</file>
+
+<file path=ppt/slides/slide14.xml><?xml version="1.0" encoding="utf-8"?>
+<p:sld xmlns:a="http://schemas.openxmlformats.org/drawingml/2006/main" xmlns:r="http://schemas.openxmlformats.org/officeDocument/2006/relationships" xmlns:p="http://schemas.openxmlformats.org/presentationml/2006/main">
+  <p:cSld>
+    <p:spTree>
+      <p:nvGrpSpPr>
+        <p:cNvPr id="1" name=""/>
+        <p:cNvGrpSpPr/>
+        <p:nvPr/>
+      </p:nvGrpSpPr>
+      <p:grpSpPr>
+        <a:xfrm>
+          <a:off x="0" y="0"/>
+          <a:ext cx="0" cy="0"/>
+          <a:chOff x="0" y="0"/>
+          <a:chExt cx="0" cy="0"/>
+        </a:xfrm>
+      </p:grpSpPr>
+      <p:grpSp>
+        <p:nvGrpSpPr>
+          <p:cNvPr id="7" name="Group 6">
+            <a:extLst>
+              <a:ext uri="{FF2B5EF4-FFF2-40B4-BE49-F238E27FC236}">
+                <a16:creationId xmlns:a16="http://schemas.microsoft.com/office/drawing/2014/main" id="{E7C22DBE-1F94-64EF-D3A1-F5B8BF9340FF}"/>
+              </a:ext>
+            </a:extLst>
+          </p:cNvPr>
+          <p:cNvGrpSpPr/>
+          <p:nvPr/>
+        </p:nvGrpSpPr>
+        <p:grpSpPr>
+          <a:xfrm>
+            <a:off x="2313732" y="932688"/>
+            <a:ext cx="6720343" cy="5399530"/>
+            <a:chOff x="1890934" y="592986"/>
+            <a:chExt cx="7143142" cy="5739232"/>
+          </a:xfrm>
+        </p:grpSpPr>
+        <p:pic>
+          <p:nvPicPr>
+            <p:cNvPr id="6" name="Picture 5">
+              <a:extLst>
+                <a:ext uri="{FF2B5EF4-FFF2-40B4-BE49-F238E27FC236}">
+                  <a16:creationId xmlns:a16="http://schemas.microsoft.com/office/drawing/2014/main" id="{B363DB04-86AA-F8C9-4166-998600B7E2CC}"/>
+                </a:ext>
+              </a:extLst>
+            </p:cNvPr>
+            <p:cNvPicPr>
+              <a:picLocks noChangeAspect="1"/>
+            </p:cNvPicPr>
+            <p:nvPr/>
+          </p:nvPicPr>
+          <p:blipFill>
+            <a:blip r:embed="rId2"/>
+            <a:stretch>
+              <a:fillRect/>
+            </a:stretch>
+          </p:blipFill>
+          <p:spPr>
+            <a:xfrm>
+              <a:off x="1938528" y="592986"/>
+              <a:ext cx="7095548" cy="5739232"/>
+            </a:xfrm>
+            <a:prstGeom prst="rect">
+              <a:avLst/>
+            </a:prstGeom>
+          </p:spPr>
+        </p:pic>
+        <p:sp>
+          <p:nvSpPr>
+            <p:cNvPr id="4" name="Rectangle 3">
+              <a:extLst>
+                <a:ext uri="{FF2B5EF4-FFF2-40B4-BE49-F238E27FC236}">
+                  <a16:creationId xmlns:a16="http://schemas.microsoft.com/office/drawing/2014/main" id="{B3379E9A-8502-4011-B2F6-9A5FE1224FFE}"/>
+                </a:ext>
+              </a:extLst>
+            </p:cNvPr>
+            <p:cNvSpPr/>
+            <p:nvPr/>
+          </p:nvSpPr>
+          <p:spPr>
+            <a:xfrm>
+              <a:off x="1973231" y="1393438"/>
+              <a:ext cx="2479897" cy="228600"/>
+            </a:xfrm>
+            <a:prstGeom prst="rect">
+              <a:avLst/>
+            </a:prstGeom>
+            <a:noFill/>
+            <a:ln w="38100">
+              <a:solidFill>
+                <a:schemeClr val="accent3">
+                  <a:lumMod val="60000"/>
+                  <a:lumOff val="40000"/>
+                </a:schemeClr>
+              </a:solidFill>
+            </a:ln>
+          </p:spPr>
+          <p:style>
+            <a:lnRef idx="2">
+              <a:schemeClr val="accent1">
+                <a:shade val="15000"/>
+              </a:schemeClr>
+            </a:lnRef>
+            <a:fillRef idx="1">
+              <a:schemeClr val="accent1"/>
+            </a:fillRef>
+            <a:effectRef idx="0">
+              <a:schemeClr val="accent1"/>
+            </a:effectRef>
+            <a:fontRef idx="minor">
+              <a:schemeClr val="lt1"/>
+            </a:fontRef>
+          </p:style>
+          <p:txBody>
+            <a:bodyPr rtlCol="0" anchor="ctr"/>
+            <a:lstStyle/>
+            <a:p>
+              <a:pPr algn="ctr"/>
+              <a:endParaRPr lang="en-US"/>
+            </a:p>
+          </p:txBody>
+        </p:sp>
+        <p:sp>
+          <p:nvSpPr>
+            <p:cNvPr id="5" name="Rectangle 4">
+              <a:extLst>
+                <a:ext uri="{FF2B5EF4-FFF2-40B4-BE49-F238E27FC236}">
+                  <a16:creationId xmlns:a16="http://schemas.microsoft.com/office/drawing/2014/main" id="{00D33A40-365E-B370-8E62-54C52E94C3D1}"/>
+                </a:ext>
+              </a:extLst>
+            </p:cNvPr>
+            <p:cNvSpPr/>
+            <p:nvPr/>
+          </p:nvSpPr>
+          <p:spPr>
+            <a:xfrm>
+              <a:off x="1890934" y="3096770"/>
+              <a:ext cx="2990555" cy="228600"/>
+            </a:xfrm>
+            <a:prstGeom prst="rect">
+              <a:avLst/>
+            </a:prstGeom>
+            <a:noFill/>
+            <a:ln w="38100">
+              <a:solidFill>
+                <a:schemeClr val="accent3">
+                  <a:lumMod val="60000"/>
+                  <a:lumOff val="40000"/>
+                </a:schemeClr>
+              </a:solidFill>
+            </a:ln>
+          </p:spPr>
+          <p:style>
+            <a:lnRef idx="2">
+              <a:schemeClr val="accent1">
+                <a:shade val="15000"/>
+              </a:schemeClr>
+            </a:lnRef>
+            <a:fillRef idx="1">
+              <a:schemeClr val="accent1"/>
+            </a:fillRef>
+            <a:effectRef idx="0">
+              <a:schemeClr val="accent1"/>
+            </a:effectRef>
+            <a:fontRef idx="minor">
+              <a:schemeClr val="lt1"/>
+            </a:fontRef>
+          </p:style>
+          <p:txBody>
+            <a:bodyPr rtlCol="0" anchor="ctr"/>
+            <a:lstStyle/>
+            <a:p>
+              <a:pPr algn="ctr"/>
+              <a:endParaRPr lang="en-US"/>
+            </a:p>
+          </p:txBody>
+        </p:sp>
+        <p:sp>
+          <p:nvSpPr>
+            <p:cNvPr id="15" name="Rectangle 14">
+              <a:extLst>
+                <a:ext uri="{FF2B5EF4-FFF2-40B4-BE49-F238E27FC236}">
+                  <a16:creationId xmlns:a16="http://schemas.microsoft.com/office/drawing/2014/main" id="{2E6B9591-5E56-3370-D8A8-93E918A141CD}"/>
+                </a:ext>
+              </a:extLst>
+            </p:cNvPr>
+            <p:cNvSpPr/>
+            <p:nvPr/>
+          </p:nvSpPr>
+          <p:spPr>
+            <a:xfrm>
+              <a:off x="1973231" y="5679299"/>
+              <a:ext cx="2569932" cy="228600"/>
+            </a:xfrm>
+            <a:prstGeom prst="rect">
+              <a:avLst/>
+            </a:prstGeom>
+            <a:noFill/>
+            <a:ln w="38100">
+              <a:solidFill>
+                <a:schemeClr val="accent3">
+                  <a:lumMod val="60000"/>
+                  <a:lumOff val="40000"/>
+                </a:schemeClr>
+              </a:solidFill>
+            </a:ln>
+          </p:spPr>
+          <p:style>
+            <a:lnRef idx="2">
+              <a:schemeClr val="accent1">
+                <a:shade val="15000"/>
+              </a:schemeClr>
+            </a:lnRef>
+            <a:fillRef idx="1">
+              <a:schemeClr val="accent1"/>
+            </a:fillRef>
+            <a:effectRef idx="0">
+              <a:schemeClr val="accent1"/>
+            </a:effectRef>
+            <a:fontRef idx="minor">
+              <a:schemeClr val="lt1"/>
+            </a:fontRef>
+          </p:style>
+          <p:txBody>
+            <a:bodyPr rtlCol="0" anchor="ctr"/>
+            <a:lstStyle/>
+            <a:p>
+              <a:pPr algn="ctr"/>
+              <a:endParaRPr lang="en-US" dirty="0"/>
+            </a:p>
+          </p:txBody>
+        </p:sp>
+        <p:sp>
+          <p:nvSpPr>
+            <p:cNvPr id="10" name="Rectangle 9">
+              <a:extLst>
+                <a:ext uri="{FF2B5EF4-FFF2-40B4-BE49-F238E27FC236}">
+                  <a16:creationId xmlns:a16="http://schemas.microsoft.com/office/drawing/2014/main" id="{5E0A6E38-274A-2FCE-C535-591FFA61064F}"/>
+                </a:ext>
+              </a:extLst>
+            </p:cNvPr>
+            <p:cNvSpPr/>
+            <p:nvPr/>
+          </p:nvSpPr>
+          <p:spPr>
+            <a:xfrm>
+              <a:off x="1973231" y="5450699"/>
+              <a:ext cx="2569932" cy="228600"/>
+            </a:xfrm>
+            <a:prstGeom prst="rect">
+              <a:avLst/>
+            </a:prstGeom>
+            <a:noFill/>
+            <a:ln w="38100">
+              <a:solidFill>
+                <a:schemeClr val="accent3">
+                  <a:lumMod val="60000"/>
+                  <a:lumOff val="40000"/>
+                </a:schemeClr>
+              </a:solidFill>
+            </a:ln>
+          </p:spPr>
+          <p:style>
+            <a:lnRef idx="2">
+              <a:schemeClr val="accent1">
+                <a:shade val="15000"/>
+              </a:schemeClr>
+            </a:lnRef>
+            <a:fillRef idx="1">
+              <a:schemeClr val="accent1"/>
+            </a:fillRef>
+            <a:effectRef idx="0">
+              <a:schemeClr val="accent1"/>
+            </a:effectRef>
+            <a:fontRef idx="minor">
+              <a:schemeClr val="lt1"/>
+            </a:fontRef>
+          </p:style>
+          <p:txBody>
+            <a:bodyPr rtlCol="0" anchor="ctr"/>
+            <a:lstStyle/>
+            <a:p>
+              <a:pPr algn="ctr"/>
+              <a:endParaRPr lang="en-US" dirty="0"/>
+            </a:p>
+          </p:txBody>
+        </p:sp>
+      </p:grpSp>
+    </p:spTree>
+    <p:extLst>
+      <p:ext uri="{BB962C8B-B14F-4D97-AF65-F5344CB8AC3E}">
+        <p14:creationId xmlns:p14="http://schemas.microsoft.com/office/powerpoint/2010/main" val="1714852445"/>
+      </p:ext>
+    </p:extLst>
+  </p:cSld>
+  <p:clrMapOvr>
+    <a:masterClrMapping/>
+  </p:clrMapOvr>
+</p:sld>
+</file>
+
+<file path=ppt/slides/slide15.xml><?xml version="1.0" encoding="utf-8"?>
+<p:sld xmlns:a="http://schemas.openxmlformats.org/drawingml/2006/main" xmlns:r="http://schemas.openxmlformats.org/officeDocument/2006/relationships" xmlns:p="http://schemas.openxmlformats.org/presentationml/2006/main">
+  <p:cSld>
+    <p:spTree>
+      <p:nvGrpSpPr>
+        <p:cNvPr id="1" name=""/>
+        <p:cNvGrpSpPr/>
+        <p:nvPr/>
+      </p:nvGrpSpPr>
+      <p:grpSpPr>
+        <a:xfrm>
+          <a:off x="0" y="0"/>
+          <a:ext cx="0" cy="0"/>
+          <a:chOff x="0" y="0"/>
+          <a:chExt cx="0" cy="0"/>
+        </a:xfrm>
+      </p:grpSpPr>
+      <p:grpSp>
+        <p:nvGrpSpPr>
+          <p:cNvPr id="22" name="Group 21">
+            <a:extLst>
+              <a:ext uri="{FF2B5EF4-FFF2-40B4-BE49-F238E27FC236}">
+                <a16:creationId xmlns:a16="http://schemas.microsoft.com/office/drawing/2014/main" id="{8237571E-7520-53EB-1585-359B60248876}"/>
+              </a:ext>
+            </a:extLst>
+          </p:cNvPr>
+          <p:cNvGrpSpPr/>
+          <p:nvPr/>
+        </p:nvGrpSpPr>
+        <p:grpSpPr>
+          <a:xfrm>
+            <a:off x="2191320" y="868680"/>
+            <a:ext cx="6675488" cy="5501738"/>
+            <a:chOff x="1728918" y="487582"/>
+            <a:chExt cx="7137890" cy="5882836"/>
+          </a:xfrm>
+        </p:grpSpPr>
+        <p:pic>
+          <p:nvPicPr>
+            <p:cNvPr id="8" name="Picture 7">
+              <a:extLst>
+                <a:ext uri="{FF2B5EF4-FFF2-40B4-BE49-F238E27FC236}">
+                  <a16:creationId xmlns:a16="http://schemas.microsoft.com/office/drawing/2014/main" id="{CEFAB347-AD67-0058-DFAF-5ABDED95095A}"/>
+                </a:ext>
+              </a:extLst>
+            </p:cNvPr>
+            <p:cNvPicPr>
+              <a:picLocks noChangeAspect="1"/>
+            </p:cNvPicPr>
+            <p:nvPr/>
+          </p:nvPicPr>
+          <p:blipFill>
+            <a:blip r:embed="rId2"/>
+            <a:stretch>
+              <a:fillRect/>
+            </a:stretch>
+          </p:blipFill>
+          <p:spPr>
+            <a:xfrm>
+              <a:off x="1773936" y="487582"/>
+              <a:ext cx="7092872" cy="5882836"/>
+            </a:xfrm>
+            <a:prstGeom prst="rect">
+              <a:avLst/>
+            </a:prstGeom>
+          </p:spPr>
+        </p:pic>
+        <p:sp>
+          <p:nvSpPr>
+            <p:cNvPr id="4" name="Rectangle 3">
+              <a:extLst>
+                <a:ext uri="{FF2B5EF4-FFF2-40B4-BE49-F238E27FC236}">
+                  <a16:creationId xmlns:a16="http://schemas.microsoft.com/office/drawing/2014/main" id="{B3379E9A-8502-4011-B2F6-9A5FE1224FFE}"/>
+                </a:ext>
+              </a:extLst>
+            </p:cNvPr>
+            <p:cNvSpPr/>
+            <p:nvPr/>
+          </p:nvSpPr>
+          <p:spPr>
+            <a:xfrm>
+              <a:off x="1773936" y="1113818"/>
+              <a:ext cx="2479897" cy="228600"/>
+            </a:xfrm>
+            <a:prstGeom prst="rect">
+              <a:avLst/>
+            </a:prstGeom>
+            <a:noFill/>
+            <a:ln w="38100">
+              <a:solidFill>
+                <a:schemeClr val="accent3">
+                  <a:lumMod val="60000"/>
+                  <a:lumOff val="40000"/>
+                </a:schemeClr>
+              </a:solidFill>
+            </a:ln>
+          </p:spPr>
+          <p:style>
+            <a:lnRef idx="2">
+              <a:schemeClr val="accent1">
+                <a:shade val="15000"/>
+              </a:schemeClr>
+            </a:lnRef>
+            <a:fillRef idx="1">
+              <a:schemeClr val="accent1"/>
+            </a:fillRef>
+            <a:effectRef idx="0">
+              <a:schemeClr val="accent1"/>
+            </a:effectRef>
+            <a:fontRef idx="minor">
+              <a:schemeClr val="lt1"/>
+            </a:fontRef>
+          </p:style>
+          <p:txBody>
+            <a:bodyPr rtlCol="0" anchor="ctr"/>
+            <a:lstStyle/>
+            <a:p>
+              <a:pPr algn="ctr"/>
+              <a:endParaRPr lang="en-US"/>
+            </a:p>
+          </p:txBody>
+        </p:sp>
+        <p:sp>
+          <p:nvSpPr>
+            <p:cNvPr id="5" name="Rectangle 4">
+              <a:extLst>
+                <a:ext uri="{FF2B5EF4-FFF2-40B4-BE49-F238E27FC236}">
+                  <a16:creationId xmlns:a16="http://schemas.microsoft.com/office/drawing/2014/main" id="{00D33A40-365E-B370-8E62-54C52E94C3D1}"/>
+                </a:ext>
+              </a:extLst>
+            </p:cNvPr>
+            <p:cNvSpPr/>
+            <p:nvPr/>
+          </p:nvSpPr>
+          <p:spPr>
+            <a:xfrm>
+              <a:off x="1812385" y="3086100"/>
+              <a:ext cx="2990555" cy="228600"/>
+            </a:xfrm>
+            <a:prstGeom prst="rect">
+              <a:avLst/>
+            </a:prstGeom>
+            <a:noFill/>
+            <a:ln w="38100">
+              <a:solidFill>
+                <a:schemeClr val="accent3">
+                  <a:lumMod val="60000"/>
+                  <a:lumOff val="40000"/>
+                </a:schemeClr>
+              </a:solidFill>
+            </a:ln>
+          </p:spPr>
+          <p:style>
+            <a:lnRef idx="2">
+              <a:schemeClr val="accent1">
+                <a:shade val="15000"/>
+              </a:schemeClr>
+            </a:lnRef>
+            <a:fillRef idx="1">
+              <a:schemeClr val="accent1"/>
+            </a:fillRef>
+            <a:effectRef idx="0">
+              <a:schemeClr val="accent1"/>
+            </a:effectRef>
+            <a:fontRef idx="minor">
+              <a:schemeClr val="lt1"/>
+            </a:fontRef>
+          </p:style>
+          <p:txBody>
+            <a:bodyPr rtlCol="0" anchor="ctr"/>
+            <a:lstStyle/>
+            <a:p>
+              <a:pPr algn="ctr"/>
+              <a:endParaRPr lang="en-US"/>
+            </a:p>
+          </p:txBody>
+        </p:sp>
+        <p:sp>
+          <p:nvSpPr>
+            <p:cNvPr id="15" name="Rectangle 14">
+              <a:extLst>
+                <a:ext uri="{FF2B5EF4-FFF2-40B4-BE49-F238E27FC236}">
+                  <a16:creationId xmlns:a16="http://schemas.microsoft.com/office/drawing/2014/main" id="{2E6B9591-5E56-3370-D8A8-93E918A141CD}"/>
+                </a:ext>
+              </a:extLst>
+            </p:cNvPr>
+            <p:cNvSpPr/>
+            <p:nvPr/>
+          </p:nvSpPr>
+          <p:spPr>
+            <a:xfrm>
+              <a:off x="1773936" y="5515582"/>
+              <a:ext cx="2569932" cy="228600"/>
+            </a:xfrm>
+            <a:prstGeom prst="rect">
+              <a:avLst/>
+            </a:prstGeom>
+            <a:noFill/>
+            <a:ln w="38100">
+              <a:solidFill>
+                <a:schemeClr val="accent3">
+                  <a:lumMod val="60000"/>
+                  <a:lumOff val="40000"/>
+                </a:schemeClr>
+              </a:solidFill>
+            </a:ln>
+          </p:spPr>
+          <p:style>
+            <a:lnRef idx="2">
+              <a:schemeClr val="accent1">
+                <a:shade val="15000"/>
+              </a:schemeClr>
+            </a:lnRef>
+            <a:fillRef idx="1">
+              <a:schemeClr val="accent1"/>
+            </a:fillRef>
+            <a:effectRef idx="0">
+              <a:schemeClr val="accent1"/>
+            </a:effectRef>
+            <a:fontRef idx="minor">
+              <a:schemeClr val="lt1"/>
+            </a:fontRef>
+          </p:style>
+          <p:txBody>
+            <a:bodyPr rtlCol="0" anchor="ctr"/>
+            <a:lstStyle/>
+            <a:p>
+              <a:pPr algn="ctr"/>
+              <a:endParaRPr lang="en-US" dirty="0"/>
+            </a:p>
+          </p:txBody>
+        </p:sp>
+        <p:sp>
+          <p:nvSpPr>
+            <p:cNvPr id="10" name="Rectangle 9">
+              <a:extLst>
+                <a:ext uri="{FF2B5EF4-FFF2-40B4-BE49-F238E27FC236}">
+                  <a16:creationId xmlns:a16="http://schemas.microsoft.com/office/drawing/2014/main" id="{5E0A6E38-274A-2FCE-C535-591FFA61064F}"/>
+                </a:ext>
+              </a:extLst>
+            </p:cNvPr>
+            <p:cNvSpPr/>
+            <p:nvPr/>
+          </p:nvSpPr>
+          <p:spPr>
+            <a:xfrm>
+              <a:off x="1728918" y="5304395"/>
+              <a:ext cx="2569932" cy="228600"/>
+            </a:xfrm>
+            <a:prstGeom prst="rect">
+              <a:avLst/>
+            </a:prstGeom>
+            <a:noFill/>
+            <a:ln w="38100">
+              <a:solidFill>
+                <a:schemeClr val="accent3">
+                  <a:lumMod val="60000"/>
+                  <a:lumOff val="40000"/>
+                </a:schemeClr>
+              </a:solidFill>
+            </a:ln>
+          </p:spPr>
+          <p:style>
+            <a:lnRef idx="2">
+              <a:schemeClr val="accent1">
+                <a:shade val="15000"/>
+              </a:schemeClr>
+            </a:lnRef>
+            <a:fillRef idx="1">
+              <a:schemeClr val="accent1"/>
+            </a:fillRef>
+            <a:effectRef idx="0">
+              <a:schemeClr val="accent1"/>
+            </a:effectRef>
+            <a:fontRef idx="minor">
+              <a:schemeClr val="lt1"/>
+            </a:fontRef>
+          </p:style>
+          <p:txBody>
+            <a:bodyPr rtlCol="0" anchor="ctr"/>
+            <a:lstStyle/>
+            <a:p>
+              <a:pPr algn="ctr"/>
+              <a:endParaRPr lang="en-US" dirty="0"/>
+            </a:p>
+          </p:txBody>
+        </p:sp>
+        <p:sp>
+          <p:nvSpPr>
+            <p:cNvPr id="21" name="Rectangle 20">
+              <a:extLst>
+                <a:ext uri="{FF2B5EF4-FFF2-40B4-BE49-F238E27FC236}">
+                  <a16:creationId xmlns:a16="http://schemas.microsoft.com/office/drawing/2014/main" id="{302BCCA2-8E47-C9C6-5262-EFCFAFB41763}"/>
+                </a:ext>
+              </a:extLst>
+            </p:cNvPr>
+            <p:cNvSpPr/>
+            <p:nvPr/>
+          </p:nvSpPr>
+          <p:spPr>
+            <a:xfrm>
+              <a:off x="4672584" y="5304395"/>
+              <a:ext cx="2569932" cy="228600"/>
+            </a:xfrm>
+            <a:prstGeom prst="rect">
+              <a:avLst/>
+            </a:prstGeom>
+            <a:noFill/>
+            <a:ln w="38100">
+              <a:solidFill>
+                <a:schemeClr val="accent3">
+                  <a:lumMod val="60000"/>
+                  <a:lumOff val="40000"/>
+                </a:schemeClr>
+              </a:solidFill>
+            </a:ln>
+          </p:spPr>
+          <p:style>
+            <a:lnRef idx="2">
+              <a:schemeClr val="accent1">
+                <a:shade val="15000"/>
+              </a:schemeClr>
+            </a:lnRef>
+            <a:fillRef idx="1">
+              <a:schemeClr val="accent1"/>
+            </a:fillRef>
+            <a:effectRef idx="0">
+              <a:schemeClr val="accent1"/>
+            </a:effectRef>
+            <a:fontRef idx="minor">
+              <a:schemeClr val="lt1"/>
+            </a:fontRef>
+          </p:style>
+          <p:txBody>
+            <a:bodyPr rtlCol="0" anchor="ctr"/>
+            <a:lstStyle/>
+            <a:p>
+              <a:pPr algn="ctr"/>
+              <a:endParaRPr lang="en-US" dirty="0"/>
+            </a:p>
+          </p:txBody>
+        </p:sp>
+      </p:grpSp>
+    </p:spTree>
+    <p:extLst>
+      <p:ext uri="{BB962C8B-B14F-4D97-AF65-F5344CB8AC3E}">
+        <p14:creationId xmlns:p14="http://schemas.microsoft.com/office/powerpoint/2010/main" val="2991421730"/>
+      </p:ext>
+    </p:extLst>
+  </p:cSld>
+  <p:clrMapOvr>
+    <a:masterClrMapping/>
+  </p:clrMapOvr>
+</p:sld>
+</file>
+
+<file path=ppt/slides/slide16.xml><?xml version="1.0" encoding="utf-8"?>
+<p:sld xmlns:a="http://schemas.openxmlformats.org/drawingml/2006/main" xmlns:r="http://schemas.openxmlformats.org/officeDocument/2006/relationships" xmlns:p="http://schemas.openxmlformats.org/presentationml/2006/main">
+  <p:cSld>
+    <p:spTree>
+      <p:nvGrpSpPr>
+        <p:cNvPr id="1" name=""/>
+        <p:cNvGrpSpPr/>
+        <p:nvPr/>
+      </p:nvGrpSpPr>
+      <p:grpSpPr>
+        <a:xfrm>
+          <a:off x="0" y="0"/>
+          <a:ext cx="0" cy="0"/>
+          <a:chOff x="0" y="0"/>
+          <a:chExt cx="0" cy="0"/>
+        </a:xfrm>
+      </p:grpSpPr>
+      <p:grpSp>
+        <p:nvGrpSpPr>
+          <p:cNvPr id="6" name="Group 5">
+            <a:extLst>
+              <a:ext uri="{FF2B5EF4-FFF2-40B4-BE49-F238E27FC236}">
+                <a16:creationId xmlns:a16="http://schemas.microsoft.com/office/drawing/2014/main" id="{463666AE-1C9C-5C53-755D-C903160E6B7C}"/>
+              </a:ext>
+            </a:extLst>
+          </p:cNvPr>
+          <p:cNvGrpSpPr/>
+          <p:nvPr/>
+        </p:nvGrpSpPr>
+        <p:grpSpPr>
+          <a:xfrm>
+            <a:off x="2683654" y="714698"/>
+            <a:ext cx="6824692" cy="4993379"/>
+            <a:chOff x="1591758" y="310896"/>
+            <a:chExt cx="7464070" cy="5461189"/>
+          </a:xfrm>
+        </p:grpSpPr>
+        <p:pic>
+          <p:nvPicPr>
+            <p:cNvPr id="3" name="Picture 2">
+              <a:extLst>
+                <a:ext uri="{FF2B5EF4-FFF2-40B4-BE49-F238E27FC236}">
+                  <a16:creationId xmlns:a16="http://schemas.microsoft.com/office/drawing/2014/main" id="{098D685A-72C6-F248-AE18-59B48595A4D2}"/>
+                </a:ext>
+              </a:extLst>
+            </p:cNvPr>
+            <p:cNvPicPr>
+              <a:picLocks noChangeAspect="1"/>
+            </p:cNvPicPr>
+            <p:nvPr/>
+          </p:nvPicPr>
+          <p:blipFill>
+            <a:blip r:embed="rId2"/>
+            <a:stretch>
+              <a:fillRect/>
+            </a:stretch>
+          </p:blipFill>
+          <p:spPr>
+            <a:xfrm>
+              <a:off x="1591758" y="310896"/>
+              <a:ext cx="7464070" cy="5461189"/>
+            </a:xfrm>
+            <a:prstGeom prst="rect">
+              <a:avLst/>
+            </a:prstGeom>
+          </p:spPr>
+        </p:pic>
+        <p:sp>
+          <p:nvSpPr>
+            <p:cNvPr id="4" name="Rectangle 3">
+              <a:extLst>
+                <a:ext uri="{FF2B5EF4-FFF2-40B4-BE49-F238E27FC236}">
+                  <a16:creationId xmlns:a16="http://schemas.microsoft.com/office/drawing/2014/main" id="{B3379E9A-8502-4011-B2F6-9A5FE1224FFE}"/>
+                </a:ext>
+              </a:extLst>
+            </p:cNvPr>
+            <p:cNvSpPr/>
+            <p:nvPr/>
+          </p:nvSpPr>
+          <p:spPr>
+            <a:xfrm>
+              <a:off x="4717601" y="1096404"/>
+              <a:ext cx="2524915" cy="311771"/>
+            </a:xfrm>
+            <a:prstGeom prst="rect">
+              <a:avLst/>
+            </a:prstGeom>
+            <a:noFill/>
+            <a:ln w="38100">
+              <a:solidFill>
+                <a:schemeClr val="accent3">
+                  <a:lumMod val="60000"/>
+                  <a:lumOff val="40000"/>
+                </a:schemeClr>
+              </a:solidFill>
+            </a:ln>
+          </p:spPr>
+          <p:style>
+            <a:lnRef idx="2">
+              <a:schemeClr val="accent1">
+                <a:shade val="15000"/>
+              </a:schemeClr>
+            </a:lnRef>
+            <a:fillRef idx="1">
+              <a:schemeClr val="accent1"/>
+            </a:fillRef>
+            <a:effectRef idx="0">
+              <a:schemeClr val="accent1"/>
+            </a:effectRef>
+            <a:fontRef idx="minor">
+              <a:schemeClr val="lt1"/>
+            </a:fontRef>
+          </p:style>
+          <p:txBody>
+            <a:bodyPr rtlCol="0" anchor="ctr"/>
+            <a:lstStyle/>
+            <a:p>
+              <a:pPr algn="ctr"/>
+              <a:endParaRPr lang="en-US"/>
+            </a:p>
+          </p:txBody>
+        </p:sp>
+        <p:sp>
+          <p:nvSpPr>
+            <p:cNvPr id="5" name="Rectangle 4">
+              <a:extLst>
+                <a:ext uri="{FF2B5EF4-FFF2-40B4-BE49-F238E27FC236}">
+                  <a16:creationId xmlns:a16="http://schemas.microsoft.com/office/drawing/2014/main" id="{00D33A40-365E-B370-8E62-54C52E94C3D1}"/>
+                </a:ext>
+              </a:extLst>
+            </p:cNvPr>
+            <p:cNvSpPr/>
+            <p:nvPr/>
+          </p:nvSpPr>
+          <p:spPr>
+            <a:xfrm>
+              <a:off x="1619191" y="2927190"/>
+              <a:ext cx="2888802" cy="309786"/>
+            </a:xfrm>
+            <a:prstGeom prst="rect">
+              <a:avLst/>
+            </a:prstGeom>
+            <a:noFill/>
+            <a:ln w="38100">
+              <a:solidFill>
+                <a:schemeClr val="accent3">
+                  <a:lumMod val="60000"/>
+                  <a:lumOff val="40000"/>
+                </a:schemeClr>
+              </a:solidFill>
+            </a:ln>
+          </p:spPr>
+          <p:style>
+            <a:lnRef idx="2">
+              <a:schemeClr val="accent1">
+                <a:shade val="15000"/>
+              </a:schemeClr>
+            </a:lnRef>
+            <a:fillRef idx="1">
+              <a:schemeClr val="accent1"/>
+            </a:fillRef>
+            <a:effectRef idx="0">
+              <a:schemeClr val="accent1"/>
+            </a:effectRef>
+            <a:fontRef idx="minor">
+              <a:schemeClr val="lt1"/>
+            </a:fontRef>
+          </p:style>
+          <p:txBody>
+            <a:bodyPr rtlCol="0" anchor="ctr"/>
+            <a:lstStyle/>
+            <a:p>
+              <a:pPr algn="ctr"/>
+              <a:endParaRPr lang="en-US"/>
+            </a:p>
+          </p:txBody>
+        </p:sp>
+        <p:sp>
+          <p:nvSpPr>
+            <p:cNvPr id="15" name="Rectangle 14">
+              <a:extLst>
+                <a:ext uri="{FF2B5EF4-FFF2-40B4-BE49-F238E27FC236}">
+                  <a16:creationId xmlns:a16="http://schemas.microsoft.com/office/drawing/2014/main" id="{2E6B9591-5E56-3370-D8A8-93E918A141CD}"/>
+                </a:ext>
+              </a:extLst>
+            </p:cNvPr>
+            <p:cNvSpPr/>
+            <p:nvPr/>
+          </p:nvSpPr>
+          <p:spPr>
+            <a:xfrm>
+              <a:off x="1619191" y="4774043"/>
+              <a:ext cx="2569932" cy="228600"/>
+            </a:xfrm>
+            <a:prstGeom prst="rect">
+              <a:avLst/>
+            </a:prstGeom>
+            <a:noFill/>
+            <a:ln w="38100">
+              <a:solidFill>
+                <a:schemeClr val="accent3">
+                  <a:lumMod val="60000"/>
+                  <a:lumOff val="40000"/>
+                </a:schemeClr>
+              </a:solidFill>
+            </a:ln>
+          </p:spPr>
+          <p:style>
+            <a:lnRef idx="2">
+              <a:schemeClr val="accent1">
+                <a:shade val="15000"/>
+              </a:schemeClr>
+            </a:lnRef>
+            <a:fillRef idx="1">
+              <a:schemeClr val="accent1"/>
+            </a:fillRef>
+            <a:effectRef idx="0">
+              <a:schemeClr val="accent1"/>
+            </a:effectRef>
+            <a:fontRef idx="minor">
+              <a:schemeClr val="lt1"/>
+            </a:fontRef>
+          </p:style>
+          <p:txBody>
+            <a:bodyPr rtlCol="0" anchor="ctr"/>
+            <a:lstStyle/>
+            <a:p>
+              <a:pPr algn="ctr"/>
+              <a:endParaRPr lang="en-US" dirty="0"/>
+            </a:p>
+          </p:txBody>
+        </p:sp>
+        <p:sp>
+          <p:nvSpPr>
+            <p:cNvPr id="10" name="Rectangle 9">
+              <a:extLst>
+                <a:ext uri="{FF2B5EF4-FFF2-40B4-BE49-F238E27FC236}">
+                  <a16:creationId xmlns:a16="http://schemas.microsoft.com/office/drawing/2014/main" id="{5E0A6E38-274A-2FCE-C535-591FFA61064F}"/>
+                </a:ext>
+              </a:extLst>
+            </p:cNvPr>
+            <p:cNvSpPr/>
+            <p:nvPr/>
+          </p:nvSpPr>
+          <p:spPr>
+            <a:xfrm>
+              <a:off x="1591758" y="4545443"/>
+              <a:ext cx="2569932" cy="228600"/>
+            </a:xfrm>
+            <a:prstGeom prst="rect">
+              <a:avLst/>
+            </a:prstGeom>
+            <a:noFill/>
+            <a:ln w="38100">
+              <a:solidFill>
+                <a:schemeClr val="accent3">
+                  <a:lumMod val="60000"/>
+                  <a:lumOff val="40000"/>
+                </a:schemeClr>
+              </a:solidFill>
+            </a:ln>
+          </p:spPr>
+          <p:style>
+            <a:lnRef idx="2">
+              <a:schemeClr val="accent1">
+                <a:shade val="15000"/>
+              </a:schemeClr>
+            </a:lnRef>
+            <a:fillRef idx="1">
+              <a:schemeClr val="accent1"/>
+            </a:fillRef>
+            <a:effectRef idx="0">
+              <a:schemeClr val="accent1"/>
+            </a:effectRef>
+            <a:fontRef idx="minor">
+              <a:schemeClr val="lt1"/>
+            </a:fontRef>
+          </p:style>
+          <p:txBody>
+            <a:bodyPr rtlCol="0" anchor="ctr"/>
+            <a:lstStyle/>
+            <a:p>
+              <a:pPr algn="ctr"/>
+              <a:endParaRPr lang="en-US" dirty="0"/>
+            </a:p>
+          </p:txBody>
+        </p:sp>
+        <p:sp>
+          <p:nvSpPr>
+            <p:cNvPr id="21" name="Rectangle 20">
+              <a:extLst>
+                <a:ext uri="{FF2B5EF4-FFF2-40B4-BE49-F238E27FC236}">
+                  <a16:creationId xmlns:a16="http://schemas.microsoft.com/office/drawing/2014/main" id="{302BCCA2-8E47-C9C6-5262-EFCFAFB41763}"/>
+                </a:ext>
+              </a:extLst>
+            </p:cNvPr>
+            <p:cNvSpPr/>
+            <p:nvPr/>
+          </p:nvSpPr>
+          <p:spPr>
+            <a:xfrm>
+              <a:off x="4672584" y="4774043"/>
+              <a:ext cx="2569932" cy="228600"/>
+            </a:xfrm>
+            <a:prstGeom prst="rect">
+              <a:avLst/>
+            </a:prstGeom>
+            <a:noFill/>
+            <a:ln w="38100">
+              <a:solidFill>
+                <a:schemeClr val="accent3">
+                  <a:lumMod val="60000"/>
+                  <a:lumOff val="40000"/>
+                </a:schemeClr>
+              </a:solidFill>
+            </a:ln>
+          </p:spPr>
+          <p:style>
+            <a:lnRef idx="2">
+              <a:schemeClr val="accent1">
+                <a:shade val="15000"/>
+              </a:schemeClr>
+            </a:lnRef>
+            <a:fillRef idx="1">
+              <a:schemeClr val="accent1"/>
+            </a:fillRef>
+            <a:effectRef idx="0">
+              <a:schemeClr val="accent1"/>
+            </a:effectRef>
+            <a:fontRef idx="minor">
+              <a:schemeClr val="lt1"/>
+            </a:fontRef>
+          </p:style>
+          <p:txBody>
+            <a:bodyPr rtlCol="0" anchor="ctr"/>
+            <a:lstStyle/>
+            <a:p>
+              <a:pPr algn="ctr"/>
+              <a:endParaRPr lang="en-US" dirty="0"/>
+            </a:p>
+          </p:txBody>
+        </p:sp>
+      </p:grpSp>
+    </p:spTree>
+    <p:extLst>
+      <p:ext uri="{BB962C8B-B14F-4D97-AF65-F5344CB8AC3E}">
+        <p14:creationId xmlns:p14="http://schemas.microsoft.com/office/powerpoint/2010/main" val="3924892762"/>
       </p:ext>
     </p:extLst>
   </p:cSld>
@@ -11527,1504 +13814,6 @@
           </p:txBody>
         </p:sp>
       </p:grpSp>
-      <p:grpSp>
-        <p:nvGrpSpPr>
-          <p:cNvPr id="69" name="Group 68">
-            <a:extLst>
-              <a:ext uri="{FF2B5EF4-FFF2-40B4-BE49-F238E27FC236}">
-                <a16:creationId xmlns:a16="http://schemas.microsoft.com/office/drawing/2014/main" id="{A68A496D-7B23-3822-1B7A-8B06E81398A6}"/>
-              </a:ext>
-            </a:extLst>
-          </p:cNvPr>
-          <p:cNvGrpSpPr/>
-          <p:nvPr/>
-        </p:nvGrpSpPr>
-        <p:grpSpPr>
-          <a:xfrm>
-            <a:off x="5271027" y="146455"/>
-            <a:ext cx="6656423" cy="6893779"/>
-            <a:chOff x="5254503" y="230671"/>
-            <a:chExt cx="6656423" cy="6893779"/>
-          </a:xfrm>
-        </p:grpSpPr>
-        <p:grpSp>
-          <p:nvGrpSpPr>
-            <p:cNvPr id="26" name="Group 25">
-              <a:extLst>
-                <a:ext uri="{FF2B5EF4-FFF2-40B4-BE49-F238E27FC236}">
-                  <a16:creationId xmlns:a16="http://schemas.microsoft.com/office/drawing/2014/main" id="{90067362-BEB0-BF1E-0ABC-066AAB60CDFE}"/>
-                </a:ext>
-              </a:extLst>
-            </p:cNvPr>
-            <p:cNvGrpSpPr/>
-            <p:nvPr/>
-          </p:nvGrpSpPr>
-          <p:grpSpPr>
-            <a:xfrm>
-              <a:off x="8476488" y="230671"/>
-              <a:ext cx="3429000" cy="1071848"/>
-              <a:chOff x="8412480" y="375382"/>
-              <a:chExt cx="3429000" cy="1071848"/>
-            </a:xfrm>
-          </p:grpSpPr>
-          <p:sp>
-            <p:nvSpPr>
-              <p:cNvPr id="27" name="TextBox 26">
-                <a:extLst>
-                  <a:ext uri="{FF2B5EF4-FFF2-40B4-BE49-F238E27FC236}">
-                    <a16:creationId xmlns:a16="http://schemas.microsoft.com/office/drawing/2014/main" id="{BC01F2D1-A1E6-6CB8-66EE-3D7154434767}"/>
-                  </a:ext>
-                </a:extLst>
-              </p:cNvPr>
-              <p:cNvSpPr txBox="1">
-                <a:spLocks noGrp="1" noRot="1" noMove="1" noResize="1" noEditPoints="1" noAdjustHandles="1" noChangeArrowheads="1" noChangeShapeType="1"/>
-              </p:cNvSpPr>
-              <p:nvPr/>
-            </p:nvSpPr>
-            <p:spPr>
-              <a:xfrm>
-                <a:off x="8511593" y="474538"/>
-                <a:ext cx="3160022" cy="954107"/>
-              </a:xfrm>
-              <a:prstGeom prst="rect">
-                <a:avLst/>
-              </a:prstGeom>
-              <a:noFill/>
-            </p:spPr>
-            <p:txBody>
-              <a:bodyPr wrap="square" rtlCol="0">
-                <a:spAutoFit/>
-              </a:bodyPr>
-              <a:lstStyle/>
-              <a:p>
-                <a:pPr algn="ctr"/>
-                <a:r>
-                  <a:rPr lang="en-US" sz="1400" dirty="0">
-                    <a:latin typeface="Times New Roman" panose="02020603050405020304" pitchFamily="18" charset="0"/>
-                    <a:cs typeface="Times New Roman" panose="02020603050405020304" pitchFamily="18" charset="0"/>
-                  </a:rPr>
-                  <a:t>Checking the </a:t>
-                </a:r>
-                <a:r>
-                  <a:rPr lang="en-US" sz="1400" dirty="0">
-                    <a:solidFill>
-                      <a:schemeClr val="accent5"/>
-                    </a:solidFill>
-                    <a:latin typeface="Times New Roman" panose="02020603050405020304" pitchFamily="18" charset="0"/>
-                    <a:cs typeface="Times New Roman" panose="02020603050405020304" pitchFamily="18" charset="0"/>
-                  </a:rPr>
-                  <a:t>vehicle No. and Indexes, ahead and Behind the Required Vehicles </a:t>
-                </a:r>
-                <a:r>
-                  <a:rPr lang="en-US" sz="1400" dirty="0">
-                    <a:latin typeface="Times New Roman" panose="02020603050405020304" pitchFamily="18" charset="0"/>
-                    <a:cs typeface="Times New Roman" panose="02020603050405020304" pitchFamily="18" charset="0"/>
-                  </a:rPr>
-                  <a:t>to be Removed and stored in two separate list</a:t>
-                </a:r>
-              </a:p>
-            </p:txBody>
-          </p:sp>
-          <p:sp>
-            <p:nvSpPr>
-              <p:cNvPr id="28" name="Rectangle: Rounded Corners 27">
-                <a:extLst>
-                  <a:ext uri="{FF2B5EF4-FFF2-40B4-BE49-F238E27FC236}">
-                    <a16:creationId xmlns:a16="http://schemas.microsoft.com/office/drawing/2014/main" id="{DDE84212-CB65-30AC-D3CC-A14C2067A9EC}"/>
-                  </a:ext>
-                </a:extLst>
-              </p:cNvPr>
-              <p:cNvSpPr/>
-              <p:nvPr/>
-            </p:nvSpPr>
-            <p:spPr>
-              <a:xfrm>
-                <a:off x="8412480" y="375382"/>
-                <a:ext cx="3429000" cy="1071848"/>
-              </a:xfrm>
-              <a:prstGeom prst="roundRect">
-                <a:avLst/>
-              </a:prstGeom>
-              <a:noFill/>
-            </p:spPr>
-            <p:style>
-              <a:lnRef idx="2">
-                <a:schemeClr val="accent1">
-                  <a:shade val="15000"/>
-                </a:schemeClr>
-              </a:lnRef>
-              <a:fillRef idx="1">
-                <a:schemeClr val="accent1"/>
-              </a:fillRef>
-              <a:effectRef idx="0">
-                <a:schemeClr val="accent1"/>
-              </a:effectRef>
-              <a:fontRef idx="minor">
-                <a:schemeClr val="lt1"/>
-              </a:fontRef>
-            </p:style>
-            <p:txBody>
-              <a:bodyPr rtlCol="0" anchor="ctr"/>
-              <a:lstStyle/>
-              <a:p>
-                <a:pPr algn="ctr"/>
-                <a:endParaRPr lang="en-US">
-                  <a:latin typeface="Times New Roman" panose="02020603050405020304" pitchFamily="18" charset="0"/>
-                  <a:cs typeface="Times New Roman" panose="02020603050405020304" pitchFamily="18" charset="0"/>
-                </a:endParaRPr>
-              </a:p>
-            </p:txBody>
-          </p:sp>
-        </p:grpSp>
-        <p:grpSp>
-          <p:nvGrpSpPr>
-            <p:cNvPr id="29" name="Group 28">
-              <a:extLst>
-                <a:ext uri="{FF2B5EF4-FFF2-40B4-BE49-F238E27FC236}">
-                  <a16:creationId xmlns:a16="http://schemas.microsoft.com/office/drawing/2014/main" id="{AA5DA134-4F83-B666-262E-B9EDA5A819B5}"/>
-                </a:ext>
-              </a:extLst>
-            </p:cNvPr>
-            <p:cNvGrpSpPr/>
-            <p:nvPr/>
-          </p:nvGrpSpPr>
-          <p:grpSpPr>
-            <a:xfrm>
-              <a:off x="8460872" y="1561765"/>
-              <a:ext cx="3429000" cy="787339"/>
-              <a:chOff x="8412480" y="1722204"/>
-              <a:chExt cx="3429000" cy="697374"/>
-            </a:xfrm>
-          </p:grpSpPr>
-          <p:sp>
-            <p:nvSpPr>
-              <p:cNvPr id="30" name="TextBox 29">
-                <a:extLst>
-                  <a:ext uri="{FF2B5EF4-FFF2-40B4-BE49-F238E27FC236}">
-                    <a16:creationId xmlns:a16="http://schemas.microsoft.com/office/drawing/2014/main" id="{13F8586D-11CA-7FB0-9882-653C6A19A356}"/>
-                  </a:ext>
-                </a:extLst>
-              </p:cNvPr>
-              <p:cNvSpPr txBox="1"/>
-              <p:nvPr/>
-            </p:nvSpPr>
-            <p:spPr>
-              <a:xfrm>
-                <a:off x="8628498" y="1765317"/>
-                <a:ext cx="3094110" cy="654261"/>
-              </a:xfrm>
-              <a:prstGeom prst="rect">
-                <a:avLst/>
-              </a:prstGeom>
-              <a:noFill/>
-            </p:spPr>
-            <p:txBody>
-              <a:bodyPr wrap="square" rtlCol="0">
-                <a:spAutoFit/>
-              </a:bodyPr>
-              <a:lstStyle/>
-              <a:p>
-                <a:r>
-                  <a:rPr lang="en-US" sz="1400" dirty="0">
-                    <a:latin typeface="Times New Roman" panose="02020603050405020304" pitchFamily="18" charset="0"/>
-                    <a:cs typeface="Times New Roman" panose="02020603050405020304" pitchFamily="18" charset="0"/>
-                  </a:rPr>
-                  <a:t>Checking the </a:t>
-                </a:r>
-                <a:r>
-                  <a:rPr lang="en-US" sz="1400" dirty="0">
-                    <a:solidFill>
-                      <a:schemeClr val="accent5"/>
-                    </a:solidFill>
-                    <a:latin typeface="Times New Roman" panose="02020603050405020304" pitchFamily="18" charset="0"/>
-                    <a:cs typeface="Times New Roman" panose="02020603050405020304" pitchFamily="18" charset="0"/>
-                  </a:rPr>
-                  <a:t>Exit Vehicle’s Index is equal to the First Index for Parking1 and last Index for Parking2</a:t>
-                </a:r>
-              </a:p>
-            </p:txBody>
-          </p:sp>
-          <p:sp>
-            <p:nvSpPr>
-              <p:cNvPr id="31" name="Rectangle: Rounded Corners 30">
-                <a:extLst>
-                  <a:ext uri="{FF2B5EF4-FFF2-40B4-BE49-F238E27FC236}">
-                    <a16:creationId xmlns:a16="http://schemas.microsoft.com/office/drawing/2014/main" id="{65D8A8C3-4EAF-F021-C0C0-891C7A2B968A}"/>
-                  </a:ext>
-                </a:extLst>
-              </p:cNvPr>
-              <p:cNvSpPr/>
-              <p:nvPr/>
-            </p:nvSpPr>
-            <p:spPr>
-              <a:xfrm>
-                <a:off x="8412480" y="1722204"/>
-                <a:ext cx="3429000" cy="661441"/>
-              </a:xfrm>
-              <a:prstGeom prst="roundRect">
-                <a:avLst/>
-              </a:prstGeom>
-              <a:noFill/>
-            </p:spPr>
-            <p:style>
-              <a:lnRef idx="2">
-                <a:schemeClr val="accent1">
-                  <a:shade val="15000"/>
-                </a:schemeClr>
-              </a:lnRef>
-              <a:fillRef idx="1">
-                <a:schemeClr val="accent1"/>
-              </a:fillRef>
-              <a:effectRef idx="0">
-                <a:schemeClr val="accent1"/>
-              </a:effectRef>
-              <a:fontRef idx="minor">
-                <a:schemeClr val="lt1"/>
-              </a:fontRef>
-            </p:style>
-            <p:txBody>
-              <a:bodyPr rtlCol="0" anchor="ctr"/>
-              <a:lstStyle/>
-              <a:p>
-                <a:pPr algn="ctr"/>
-                <a:endParaRPr lang="en-US">
-                  <a:latin typeface="Times New Roman" panose="02020603050405020304" pitchFamily="18" charset="0"/>
-                  <a:cs typeface="Times New Roman" panose="02020603050405020304" pitchFamily="18" charset="0"/>
-                </a:endParaRPr>
-              </a:p>
-            </p:txBody>
-          </p:sp>
-        </p:grpSp>
-        <p:grpSp>
-          <p:nvGrpSpPr>
-            <p:cNvPr id="32" name="Group 31">
-              <a:extLst>
-                <a:ext uri="{FF2B5EF4-FFF2-40B4-BE49-F238E27FC236}">
-                  <a16:creationId xmlns:a16="http://schemas.microsoft.com/office/drawing/2014/main" id="{89342852-5791-4F48-8776-B23EF2B6170E}"/>
-                </a:ext>
-              </a:extLst>
-            </p:cNvPr>
-            <p:cNvGrpSpPr/>
-            <p:nvPr/>
-          </p:nvGrpSpPr>
-          <p:grpSpPr>
-            <a:xfrm>
-              <a:off x="8476487" y="2678935"/>
-              <a:ext cx="3429000" cy="809444"/>
-              <a:chOff x="8407086" y="2471779"/>
-              <a:chExt cx="3429000" cy="604371"/>
-            </a:xfrm>
-          </p:grpSpPr>
-          <p:sp>
-            <p:nvSpPr>
-              <p:cNvPr id="33" name="TextBox 32">
-                <a:extLst>
-                  <a:ext uri="{FF2B5EF4-FFF2-40B4-BE49-F238E27FC236}">
-                    <a16:creationId xmlns:a16="http://schemas.microsoft.com/office/drawing/2014/main" id="{1875CEEC-E10E-8794-2884-18519BE2BFC6}"/>
-                  </a:ext>
-                </a:extLst>
-              </p:cNvPr>
-              <p:cNvSpPr txBox="1"/>
-              <p:nvPr/>
-            </p:nvSpPr>
-            <p:spPr>
-              <a:xfrm>
-                <a:off x="8659414" y="2524626"/>
-                <a:ext cx="2853592" cy="551524"/>
-              </a:xfrm>
-              <a:prstGeom prst="rect">
-                <a:avLst/>
-              </a:prstGeom>
-              <a:noFill/>
-            </p:spPr>
-            <p:txBody>
-              <a:bodyPr wrap="square" rtlCol="0">
-                <a:spAutoFit/>
-              </a:bodyPr>
-              <a:lstStyle/>
-              <a:p>
-                <a:pPr algn="ctr"/>
-                <a:r>
-                  <a:rPr lang="en-US" sz="1400" dirty="0">
-                    <a:latin typeface="Times New Roman" panose="02020603050405020304" pitchFamily="18" charset="0"/>
-                    <a:cs typeface="Times New Roman" panose="02020603050405020304" pitchFamily="18" charset="0"/>
-                  </a:rPr>
-                  <a:t>Iteration Over the length of </a:t>
-                </a:r>
-                <a:r>
-                  <a:rPr lang="en-US" sz="1400" dirty="0">
-                    <a:highlight>
-                      <a:srgbClr val="FFFF00"/>
-                    </a:highlight>
-                    <a:latin typeface="Times New Roman" panose="02020603050405020304" pitchFamily="18" charset="0"/>
-                    <a:cs typeface="Times New Roman" panose="02020603050405020304" pitchFamily="18" charset="0"/>
-                  </a:rPr>
-                  <a:t>Vehicle list Behind</a:t>
-                </a:r>
-                <a:r>
-                  <a:rPr lang="en-US" sz="1400" dirty="0">
-                    <a:latin typeface="Times New Roman" panose="02020603050405020304" pitchFamily="18" charset="0"/>
-                    <a:cs typeface="Times New Roman" panose="02020603050405020304" pitchFamily="18" charset="0"/>
-                  </a:rPr>
-                  <a:t> in Case of Parking2</a:t>
-                </a:r>
-              </a:p>
-              <a:p>
-                <a:pPr algn="ctr"/>
-                <a:r>
-                  <a:rPr lang="en-US" sz="1400" dirty="0" err="1">
-                    <a:latin typeface="Times New Roman" panose="02020603050405020304" pitchFamily="18" charset="0"/>
-                    <a:cs typeface="Times New Roman" panose="02020603050405020304" pitchFamily="18" charset="0"/>
-                  </a:rPr>
-                  <a:t>e.g</a:t>
-                </a:r>
-                <a:r>
-                  <a:rPr lang="en-US" sz="1400" dirty="0">
-                    <a:latin typeface="Times New Roman" panose="02020603050405020304" pitchFamily="18" charset="0"/>
-                    <a:cs typeface="Times New Roman" panose="02020603050405020304" pitchFamily="18" charset="0"/>
-                  </a:rPr>
-                  <a:t> car16 and car14 </a:t>
-                </a:r>
-              </a:p>
-            </p:txBody>
-          </p:sp>
-          <p:sp>
-            <p:nvSpPr>
-              <p:cNvPr id="34" name="Rectangle: Rounded Corners 33">
-                <a:extLst>
-                  <a:ext uri="{FF2B5EF4-FFF2-40B4-BE49-F238E27FC236}">
-                    <a16:creationId xmlns:a16="http://schemas.microsoft.com/office/drawing/2014/main" id="{81EBB69E-51D7-689A-7DEA-C4FFEC6D2270}"/>
-                  </a:ext>
-                </a:extLst>
-              </p:cNvPr>
-              <p:cNvSpPr/>
-              <p:nvPr/>
-            </p:nvSpPr>
-            <p:spPr>
-              <a:xfrm>
-                <a:off x="8407086" y="2471779"/>
-                <a:ext cx="3429000" cy="584775"/>
-              </a:xfrm>
-              <a:prstGeom prst="roundRect">
-                <a:avLst/>
-              </a:prstGeom>
-              <a:noFill/>
-            </p:spPr>
-            <p:style>
-              <a:lnRef idx="2">
-                <a:schemeClr val="accent1">
-                  <a:shade val="15000"/>
-                </a:schemeClr>
-              </a:lnRef>
-              <a:fillRef idx="1">
-                <a:schemeClr val="accent1"/>
-              </a:fillRef>
-              <a:effectRef idx="0">
-                <a:schemeClr val="accent1"/>
-              </a:effectRef>
-              <a:fontRef idx="minor">
-                <a:schemeClr val="lt1"/>
-              </a:fontRef>
-            </p:style>
-            <p:txBody>
-              <a:bodyPr rtlCol="0" anchor="ctr"/>
-              <a:lstStyle/>
-              <a:p>
-                <a:pPr algn="ctr"/>
-                <a:endParaRPr lang="en-US">
-                  <a:latin typeface="Times New Roman" panose="02020603050405020304" pitchFamily="18" charset="0"/>
-                  <a:cs typeface="Times New Roman" panose="02020603050405020304" pitchFamily="18" charset="0"/>
-                </a:endParaRPr>
-              </a:p>
-            </p:txBody>
-          </p:sp>
-        </p:grpSp>
-        <p:grpSp>
-          <p:nvGrpSpPr>
-            <p:cNvPr id="35" name="Group 34">
-              <a:extLst>
-                <a:ext uri="{FF2B5EF4-FFF2-40B4-BE49-F238E27FC236}">
-                  <a16:creationId xmlns:a16="http://schemas.microsoft.com/office/drawing/2014/main" id="{148E3C6C-2D0B-A334-7DBF-5BA486B61D6A}"/>
-                </a:ext>
-              </a:extLst>
-            </p:cNvPr>
-            <p:cNvGrpSpPr/>
-            <p:nvPr/>
-          </p:nvGrpSpPr>
-          <p:grpSpPr>
-            <a:xfrm>
-              <a:off x="8476487" y="3803890"/>
-              <a:ext cx="3429000" cy="661441"/>
-              <a:chOff x="8412480" y="3297141"/>
-              <a:chExt cx="3429000" cy="661441"/>
-            </a:xfrm>
-          </p:grpSpPr>
-          <p:sp>
-            <p:nvSpPr>
-              <p:cNvPr id="36" name="TextBox 35">
-                <a:extLst>
-                  <a:ext uri="{FF2B5EF4-FFF2-40B4-BE49-F238E27FC236}">
-                    <a16:creationId xmlns:a16="http://schemas.microsoft.com/office/drawing/2014/main" id="{0D774FC9-3CBA-A6E8-7A65-2E5509AF457D}"/>
-                  </a:ext>
-                </a:extLst>
-              </p:cNvPr>
-              <p:cNvSpPr txBox="1"/>
-              <p:nvPr/>
-            </p:nvSpPr>
-            <p:spPr>
-              <a:xfrm>
-                <a:off x="8595541" y="3329027"/>
-                <a:ext cx="3160024" cy="523220"/>
-              </a:xfrm>
-              <a:prstGeom prst="rect">
-                <a:avLst/>
-              </a:prstGeom>
-              <a:noFill/>
-            </p:spPr>
-            <p:txBody>
-              <a:bodyPr wrap="square" rtlCol="0">
-                <a:spAutoFit/>
-              </a:bodyPr>
-              <a:lstStyle/>
-              <a:p>
-                <a:pPr algn="ctr"/>
-                <a:r>
-                  <a:rPr lang="en-US" sz="1400" dirty="0">
-                    <a:latin typeface="Times New Roman" panose="02020603050405020304" pitchFamily="18" charset="0"/>
-                    <a:cs typeface="Times New Roman" panose="02020603050405020304" pitchFamily="18" charset="0"/>
-                  </a:rPr>
-                  <a:t>Iterate and </a:t>
-                </a:r>
-                <a:r>
-                  <a:rPr lang="en-US" sz="1400" dirty="0">
-                    <a:solidFill>
-                      <a:schemeClr val="accent5"/>
-                    </a:solidFill>
-                    <a:latin typeface="Times New Roman" panose="02020603050405020304" pitchFamily="18" charset="0"/>
-                    <a:cs typeface="Times New Roman" panose="02020603050405020304" pitchFamily="18" charset="0"/>
-                  </a:rPr>
-                  <a:t>Checking the Empty Slots </a:t>
-                </a:r>
-                <a:r>
-                  <a:rPr lang="en-US" sz="1400" dirty="0">
-                    <a:latin typeface="Times New Roman" panose="02020603050405020304" pitchFamily="18" charset="0"/>
-                    <a:cs typeface="Times New Roman" panose="02020603050405020304" pitchFamily="18" charset="0"/>
-                  </a:rPr>
-                  <a:t>in parking2 Rows </a:t>
-                </a:r>
-              </a:p>
-            </p:txBody>
-          </p:sp>
-          <p:sp>
-            <p:nvSpPr>
-              <p:cNvPr id="37" name="Rectangle: Rounded Corners 36">
-                <a:extLst>
-                  <a:ext uri="{FF2B5EF4-FFF2-40B4-BE49-F238E27FC236}">
-                    <a16:creationId xmlns:a16="http://schemas.microsoft.com/office/drawing/2014/main" id="{1A59695A-B034-A1F4-BBB8-B2A4061DA31D}"/>
-                  </a:ext>
-                </a:extLst>
-              </p:cNvPr>
-              <p:cNvSpPr/>
-              <p:nvPr/>
-            </p:nvSpPr>
-            <p:spPr>
-              <a:xfrm>
-                <a:off x="8412480" y="3297141"/>
-                <a:ext cx="3429000" cy="661441"/>
-              </a:xfrm>
-              <a:prstGeom prst="roundRect">
-                <a:avLst/>
-              </a:prstGeom>
-              <a:noFill/>
-            </p:spPr>
-            <p:style>
-              <a:lnRef idx="2">
-                <a:schemeClr val="accent1">
-                  <a:shade val="15000"/>
-                </a:schemeClr>
-              </a:lnRef>
-              <a:fillRef idx="1">
-                <a:schemeClr val="accent1"/>
-              </a:fillRef>
-              <a:effectRef idx="0">
-                <a:schemeClr val="accent1"/>
-              </a:effectRef>
-              <a:fontRef idx="minor">
-                <a:schemeClr val="lt1"/>
-              </a:fontRef>
-            </p:style>
-            <p:txBody>
-              <a:bodyPr rtlCol="0" anchor="ctr"/>
-              <a:lstStyle/>
-              <a:p>
-                <a:pPr algn="ctr"/>
-                <a:endParaRPr lang="en-US">
-                  <a:latin typeface="Times New Roman" panose="02020603050405020304" pitchFamily="18" charset="0"/>
-                  <a:cs typeface="Times New Roman" panose="02020603050405020304" pitchFamily="18" charset="0"/>
-                </a:endParaRPr>
-              </a:p>
-            </p:txBody>
-          </p:sp>
-        </p:grpSp>
-        <p:grpSp>
-          <p:nvGrpSpPr>
-            <p:cNvPr id="38" name="Group 37">
-              <a:extLst>
-                <a:ext uri="{FF2B5EF4-FFF2-40B4-BE49-F238E27FC236}">
-                  <a16:creationId xmlns:a16="http://schemas.microsoft.com/office/drawing/2014/main" id="{4BB408EE-4592-EF19-3241-4C8CC83DD1A7}"/>
-                </a:ext>
-              </a:extLst>
-            </p:cNvPr>
-            <p:cNvGrpSpPr/>
-            <p:nvPr/>
-          </p:nvGrpSpPr>
-          <p:grpSpPr>
-            <a:xfrm>
-              <a:off x="8476487" y="4738520"/>
-              <a:ext cx="3429000" cy="904187"/>
-              <a:chOff x="8412481" y="4182206"/>
-              <a:chExt cx="3429000" cy="941265"/>
-            </a:xfrm>
-          </p:grpSpPr>
-          <p:sp>
-            <p:nvSpPr>
-              <p:cNvPr id="39" name="TextBox 38">
-                <a:extLst>
-                  <a:ext uri="{FF2B5EF4-FFF2-40B4-BE49-F238E27FC236}">
-                    <a16:creationId xmlns:a16="http://schemas.microsoft.com/office/drawing/2014/main" id="{17FA455A-E8F6-00A5-EE69-4B98301940C9}"/>
-                  </a:ext>
-                </a:extLst>
-              </p:cNvPr>
-              <p:cNvSpPr txBox="1"/>
-              <p:nvPr/>
-            </p:nvSpPr>
-            <p:spPr>
-              <a:xfrm>
-                <a:off x="8562584" y="4256678"/>
-                <a:ext cx="3160024" cy="768954"/>
-              </a:xfrm>
-              <a:prstGeom prst="rect">
-                <a:avLst/>
-              </a:prstGeom>
-              <a:noFill/>
-            </p:spPr>
-            <p:txBody>
-              <a:bodyPr wrap="square">
-                <a:spAutoFit/>
-              </a:bodyPr>
-              <a:lstStyle/>
-              <a:p>
-                <a:pPr lvl="0" algn="ctr"/>
-                <a:r>
-                  <a:rPr lang="en-US" sz="1400" dirty="0">
-                    <a:solidFill>
-                      <a:schemeClr val="accent5"/>
-                    </a:solidFill>
-                    <a:latin typeface="Times New Roman" panose="02020603050405020304" pitchFamily="18" charset="0"/>
-                    <a:cs typeface="Times New Roman" panose="02020603050405020304" pitchFamily="18" charset="0"/>
-                  </a:rPr>
-                  <a:t>Inserting the vehicles </a:t>
-                </a:r>
-                <a:r>
-                  <a:rPr lang="en-US" sz="1400" dirty="0">
-                    <a:latin typeface="Times New Roman" panose="02020603050405020304" pitchFamily="18" charset="0"/>
-                    <a:cs typeface="Times New Roman" panose="02020603050405020304" pitchFamily="18" charset="0"/>
-                  </a:rPr>
-                  <a:t>in the </a:t>
-                </a:r>
-                <a:r>
-                  <a:rPr lang="en-US" sz="1400" dirty="0">
-                    <a:highlight>
-                      <a:srgbClr val="FFFF00"/>
-                    </a:highlight>
-                    <a:latin typeface="Times New Roman" panose="02020603050405020304" pitchFamily="18" charset="0"/>
-                    <a:cs typeface="Times New Roman" panose="02020603050405020304" pitchFamily="18" charset="0"/>
-                  </a:rPr>
-                  <a:t>Vehicle list Behind </a:t>
-                </a:r>
-                <a:r>
-                  <a:rPr lang="en-US" sz="1400" dirty="0">
-                    <a:latin typeface="Times New Roman" panose="02020603050405020304" pitchFamily="18" charset="0"/>
-                    <a:cs typeface="Times New Roman" panose="02020603050405020304" pitchFamily="18" charset="0"/>
-                  </a:rPr>
-                  <a:t>into the available Empty slots found in the previous step</a:t>
-                </a:r>
-              </a:p>
-            </p:txBody>
-          </p:sp>
-          <p:sp>
-            <p:nvSpPr>
-              <p:cNvPr id="40" name="Rectangle: Rounded Corners 39">
-                <a:extLst>
-                  <a:ext uri="{FF2B5EF4-FFF2-40B4-BE49-F238E27FC236}">
-                    <a16:creationId xmlns:a16="http://schemas.microsoft.com/office/drawing/2014/main" id="{CE0631AA-FB2C-E237-49CD-4B9071F568B0}"/>
-                  </a:ext>
-                </a:extLst>
-              </p:cNvPr>
-              <p:cNvSpPr/>
-              <p:nvPr/>
-            </p:nvSpPr>
-            <p:spPr>
-              <a:xfrm>
-                <a:off x="8412481" y="4182206"/>
-                <a:ext cx="3429000" cy="941265"/>
-              </a:xfrm>
-              <a:prstGeom prst="roundRect">
-                <a:avLst/>
-              </a:prstGeom>
-              <a:noFill/>
-            </p:spPr>
-            <p:style>
-              <a:lnRef idx="2">
-                <a:schemeClr val="accent1">
-                  <a:shade val="15000"/>
-                </a:schemeClr>
-              </a:lnRef>
-              <a:fillRef idx="1">
-                <a:schemeClr val="accent1"/>
-              </a:fillRef>
-              <a:effectRef idx="0">
-                <a:schemeClr val="accent1"/>
-              </a:effectRef>
-              <a:fontRef idx="minor">
-                <a:schemeClr val="lt1"/>
-              </a:fontRef>
-            </p:style>
-            <p:txBody>
-              <a:bodyPr rtlCol="0" anchor="ctr"/>
-              <a:lstStyle/>
-              <a:p>
-                <a:pPr algn="ctr"/>
-                <a:endParaRPr lang="en-US">
-                  <a:latin typeface="Times New Roman" panose="02020603050405020304" pitchFamily="18" charset="0"/>
-                  <a:cs typeface="Times New Roman" panose="02020603050405020304" pitchFamily="18" charset="0"/>
-                </a:endParaRPr>
-              </a:p>
-            </p:txBody>
-          </p:sp>
-        </p:grpSp>
-        <p:sp>
-          <p:nvSpPr>
-            <p:cNvPr id="41" name="Arrow: Down 40">
-              <a:extLst>
-                <a:ext uri="{FF2B5EF4-FFF2-40B4-BE49-F238E27FC236}">
-                  <a16:creationId xmlns:a16="http://schemas.microsoft.com/office/drawing/2014/main" id="{4B3EC483-B896-E967-19FD-DAC7C7DB3B42}"/>
-                </a:ext>
-              </a:extLst>
-            </p:cNvPr>
-            <p:cNvSpPr/>
-            <p:nvPr/>
-          </p:nvSpPr>
-          <p:spPr>
-            <a:xfrm>
-              <a:off x="9841344" y="1302519"/>
-              <a:ext cx="628536" cy="259245"/>
-            </a:xfrm>
-            <a:prstGeom prst="downArrow">
-              <a:avLst/>
-            </a:prstGeom>
-          </p:spPr>
-          <p:style>
-            <a:lnRef idx="2">
-              <a:schemeClr val="accent1">
-                <a:shade val="15000"/>
-              </a:schemeClr>
-            </a:lnRef>
-            <a:fillRef idx="1">
-              <a:schemeClr val="accent1"/>
-            </a:fillRef>
-            <a:effectRef idx="0">
-              <a:schemeClr val="accent1"/>
-            </a:effectRef>
-            <a:fontRef idx="minor">
-              <a:schemeClr val="lt1"/>
-            </a:fontRef>
-          </p:style>
-          <p:txBody>
-            <a:bodyPr rtlCol="0" anchor="ctr"/>
-            <a:lstStyle/>
-            <a:p>
-              <a:pPr algn="ctr"/>
-              <a:endParaRPr lang="en-US">
-                <a:latin typeface="Times New Roman" panose="02020603050405020304" pitchFamily="18" charset="0"/>
-                <a:cs typeface="Times New Roman" panose="02020603050405020304" pitchFamily="18" charset="0"/>
-              </a:endParaRPr>
-            </a:p>
-          </p:txBody>
-        </p:sp>
-        <p:sp>
-          <p:nvSpPr>
-            <p:cNvPr id="42" name="Arrow: Down 41">
-              <a:extLst>
-                <a:ext uri="{FF2B5EF4-FFF2-40B4-BE49-F238E27FC236}">
-                  <a16:creationId xmlns:a16="http://schemas.microsoft.com/office/drawing/2014/main" id="{6F248264-6CB9-BDF9-231A-44BD8205098C}"/>
-                </a:ext>
-              </a:extLst>
-            </p:cNvPr>
-            <p:cNvSpPr/>
-            <p:nvPr/>
-          </p:nvSpPr>
-          <p:spPr>
-            <a:xfrm>
-              <a:off x="9861104" y="2318002"/>
-              <a:ext cx="628536" cy="349537"/>
-            </a:xfrm>
-            <a:prstGeom prst="downArrow">
-              <a:avLst/>
-            </a:prstGeom>
-          </p:spPr>
-          <p:style>
-            <a:lnRef idx="2">
-              <a:schemeClr val="accent1">
-                <a:shade val="15000"/>
-              </a:schemeClr>
-            </a:lnRef>
-            <a:fillRef idx="1">
-              <a:schemeClr val="accent1"/>
-            </a:fillRef>
-            <a:effectRef idx="0">
-              <a:schemeClr val="accent1"/>
-            </a:effectRef>
-            <a:fontRef idx="minor">
-              <a:schemeClr val="lt1"/>
-            </a:fontRef>
-          </p:style>
-          <p:txBody>
-            <a:bodyPr rtlCol="0" anchor="ctr"/>
-            <a:lstStyle/>
-            <a:p>
-              <a:pPr algn="ctr"/>
-              <a:endParaRPr lang="en-US">
-                <a:latin typeface="Times New Roman" panose="02020603050405020304" pitchFamily="18" charset="0"/>
-                <a:cs typeface="Times New Roman" panose="02020603050405020304" pitchFamily="18" charset="0"/>
-              </a:endParaRPr>
-            </a:p>
-          </p:txBody>
-        </p:sp>
-        <p:sp>
-          <p:nvSpPr>
-            <p:cNvPr id="43" name="Arrow: Down 42">
-              <a:extLst>
-                <a:ext uri="{FF2B5EF4-FFF2-40B4-BE49-F238E27FC236}">
-                  <a16:creationId xmlns:a16="http://schemas.microsoft.com/office/drawing/2014/main" id="{572BF4C1-5F2A-2229-7B28-7B81103AB416}"/>
-                </a:ext>
-              </a:extLst>
-            </p:cNvPr>
-            <p:cNvSpPr/>
-            <p:nvPr/>
-          </p:nvSpPr>
-          <p:spPr>
-            <a:xfrm>
-              <a:off x="9870984" y="3481409"/>
-              <a:ext cx="608776" cy="290928"/>
-            </a:xfrm>
-            <a:prstGeom prst="downArrow">
-              <a:avLst/>
-            </a:prstGeom>
-          </p:spPr>
-          <p:style>
-            <a:lnRef idx="2">
-              <a:schemeClr val="accent1">
-                <a:shade val="15000"/>
-              </a:schemeClr>
-            </a:lnRef>
-            <a:fillRef idx="1">
-              <a:schemeClr val="accent1"/>
-            </a:fillRef>
-            <a:effectRef idx="0">
-              <a:schemeClr val="accent1"/>
-            </a:effectRef>
-            <a:fontRef idx="minor">
-              <a:schemeClr val="lt1"/>
-            </a:fontRef>
-          </p:style>
-          <p:txBody>
-            <a:bodyPr rtlCol="0" anchor="ctr"/>
-            <a:lstStyle/>
-            <a:p>
-              <a:pPr algn="ctr"/>
-              <a:endParaRPr lang="en-US">
-                <a:latin typeface="Times New Roman" panose="02020603050405020304" pitchFamily="18" charset="0"/>
-                <a:cs typeface="Times New Roman" panose="02020603050405020304" pitchFamily="18" charset="0"/>
-              </a:endParaRPr>
-            </a:p>
-          </p:txBody>
-        </p:sp>
-        <p:sp>
-          <p:nvSpPr>
-            <p:cNvPr id="44" name="Arrow: Down 43">
-              <a:extLst>
-                <a:ext uri="{FF2B5EF4-FFF2-40B4-BE49-F238E27FC236}">
-                  <a16:creationId xmlns:a16="http://schemas.microsoft.com/office/drawing/2014/main" id="{AC7EAA3D-1F70-66BC-CD8C-FEC2D94D707A}"/>
-                </a:ext>
-              </a:extLst>
-            </p:cNvPr>
-            <p:cNvSpPr/>
-            <p:nvPr/>
-          </p:nvSpPr>
-          <p:spPr>
-            <a:xfrm>
-              <a:off x="9894273" y="4472191"/>
-              <a:ext cx="608776" cy="240654"/>
-            </a:xfrm>
-            <a:prstGeom prst="downArrow">
-              <a:avLst/>
-            </a:prstGeom>
-          </p:spPr>
-          <p:style>
-            <a:lnRef idx="2">
-              <a:schemeClr val="accent1">
-                <a:shade val="15000"/>
-              </a:schemeClr>
-            </a:lnRef>
-            <a:fillRef idx="1">
-              <a:schemeClr val="accent1"/>
-            </a:fillRef>
-            <a:effectRef idx="0">
-              <a:schemeClr val="accent1"/>
-            </a:effectRef>
-            <a:fontRef idx="minor">
-              <a:schemeClr val="lt1"/>
-            </a:fontRef>
-          </p:style>
-          <p:txBody>
-            <a:bodyPr rtlCol="0" anchor="ctr"/>
-            <a:lstStyle/>
-            <a:p>
-              <a:pPr algn="ctr"/>
-              <a:endParaRPr lang="en-US" dirty="0">
-                <a:latin typeface="Times New Roman" panose="02020603050405020304" pitchFamily="18" charset="0"/>
-                <a:cs typeface="Times New Roman" panose="02020603050405020304" pitchFamily="18" charset="0"/>
-              </a:endParaRPr>
-            </a:p>
-          </p:txBody>
-        </p:sp>
-        <p:sp>
-          <p:nvSpPr>
-            <p:cNvPr id="45" name="Arrow: Right 44">
-              <a:extLst>
-                <a:ext uri="{FF2B5EF4-FFF2-40B4-BE49-F238E27FC236}">
-                  <a16:creationId xmlns:a16="http://schemas.microsoft.com/office/drawing/2014/main" id="{EF51D9A6-5DBA-227A-64C5-FDF7B522FB23}"/>
-                </a:ext>
-              </a:extLst>
-            </p:cNvPr>
-            <p:cNvSpPr/>
-            <p:nvPr/>
-          </p:nvSpPr>
-          <p:spPr>
-            <a:xfrm flipH="1">
-              <a:off x="7610580" y="1823247"/>
-              <a:ext cx="832104" cy="408338"/>
-            </a:xfrm>
-            <a:prstGeom prst="rightArrow">
-              <a:avLst/>
-            </a:prstGeom>
-          </p:spPr>
-          <p:style>
-            <a:lnRef idx="2">
-              <a:schemeClr val="accent1">
-                <a:shade val="15000"/>
-              </a:schemeClr>
-            </a:lnRef>
-            <a:fillRef idx="1">
-              <a:schemeClr val="accent1"/>
-            </a:fillRef>
-            <a:effectRef idx="0">
-              <a:schemeClr val="accent1"/>
-            </a:effectRef>
-            <a:fontRef idx="minor">
-              <a:schemeClr val="lt1"/>
-            </a:fontRef>
-          </p:style>
-          <p:txBody>
-            <a:bodyPr rtlCol="0" anchor="ctr"/>
-            <a:lstStyle/>
-            <a:p>
-              <a:pPr algn="ctr"/>
-              <a:endParaRPr lang="en-US">
-                <a:latin typeface="Times New Roman" panose="02020603050405020304" pitchFamily="18" charset="0"/>
-                <a:cs typeface="Times New Roman" panose="02020603050405020304" pitchFamily="18" charset="0"/>
-              </a:endParaRPr>
-            </a:p>
-          </p:txBody>
-        </p:sp>
-        <p:grpSp>
-          <p:nvGrpSpPr>
-            <p:cNvPr id="46" name="Group 45">
-              <a:extLst>
-                <a:ext uri="{FF2B5EF4-FFF2-40B4-BE49-F238E27FC236}">
-                  <a16:creationId xmlns:a16="http://schemas.microsoft.com/office/drawing/2014/main" id="{A940D993-CF87-1571-3389-F0190931711B}"/>
-                </a:ext>
-              </a:extLst>
-            </p:cNvPr>
-            <p:cNvGrpSpPr/>
-            <p:nvPr/>
-          </p:nvGrpSpPr>
-          <p:grpSpPr>
-            <a:xfrm>
-              <a:off x="5336417" y="1913516"/>
-              <a:ext cx="2255976" cy="639540"/>
-              <a:chOff x="8412480" y="2509948"/>
-              <a:chExt cx="3429000" cy="922765"/>
-            </a:xfrm>
-          </p:grpSpPr>
-          <p:sp>
-            <p:nvSpPr>
-              <p:cNvPr id="47" name="TextBox 46">
-                <a:extLst>
-                  <a:ext uri="{FF2B5EF4-FFF2-40B4-BE49-F238E27FC236}">
-                    <a16:creationId xmlns:a16="http://schemas.microsoft.com/office/drawing/2014/main" id="{64B6BBB6-A660-C02E-3863-10F9529B5A65}"/>
-                  </a:ext>
-                </a:extLst>
-              </p:cNvPr>
-              <p:cNvSpPr txBox="1"/>
-              <p:nvPr/>
-            </p:nvSpPr>
-            <p:spPr>
-              <a:xfrm>
-                <a:off x="8869016" y="2588966"/>
-                <a:ext cx="2853592" cy="843747"/>
-              </a:xfrm>
-              <a:prstGeom prst="rect">
-                <a:avLst/>
-              </a:prstGeom>
-              <a:noFill/>
-            </p:spPr>
-            <p:txBody>
-              <a:bodyPr wrap="square" rtlCol="0">
-                <a:spAutoFit/>
-              </a:bodyPr>
-              <a:lstStyle/>
-              <a:p>
-                <a:pPr algn="ctr"/>
-                <a:r>
-                  <a:rPr lang="en-US" sz="1400" dirty="0">
-                    <a:latin typeface="Times New Roman" panose="02020603050405020304" pitchFamily="18" charset="0"/>
-                    <a:cs typeface="Times New Roman" panose="02020603050405020304" pitchFamily="18" charset="0"/>
-                  </a:rPr>
-                  <a:t>Re</a:t>
-                </a:r>
-                <a:r>
-                  <a:rPr lang="en-US" sz="1400" dirty="0">
-                    <a:solidFill>
-                      <a:schemeClr val="accent5"/>
-                    </a:solidFill>
-                    <a:latin typeface="Times New Roman" panose="02020603050405020304" pitchFamily="18" charset="0"/>
-                    <a:cs typeface="Times New Roman" panose="02020603050405020304" pitchFamily="18" charset="0"/>
-                  </a:rPr>
-                  <a:t>mov</a:t>
-                </a:r>
-                <a:r>
-                  <a:rPr lang="en-US" sz="1400" dirty="0">
-                    <a:latin typeface="Times New Roman" panose="02020603050405020304" pitchFamily="18" charset="0"/>
-                    <a:cs typeface="Times New Roman" panose="02020603050405020304" pitchFamily="18" charset="0"/>
-                  </a:rPr>
-                  <a:t>e the Vehicle</a:t>
-                </a:r>
-              </a:p>
-              <a:p>
-                <a:endParaRPr lang="en-US" dirty="0">
-                  <a:latin typeface="Times New Roman" panose="02020603050405020304" pitchFamily="18" charset="0"/>
-                  <a:cs typeface="Times New Roman" panose="02020603050405020304" pitchFamily="18" charset="0"/>
-                </a:endParaRPr>
-              </a:p>
-            </p:txBody>
-          </p:sp>
-          <p:sp>
-            <p:nvSpPr>
-              <p:cNvPr id="48" name="Rectangle: Rounded Corners 47">
-                <a:extLst>
-                  <a:ext uri="{FF2B5EF4-FFF2-40B4-BE49-F238E27FC236}">
-                    <a16:creationId xmlns:a16="http://schemas.microsoft.com/office/drawing/2014/main" id="{21928FC3-33F7-3792-35C8-5355462390B9}"/>
-                  </a:ext>
-                </a:extLst>
-              </p:cNvPr>
-              <p:cNvSpPr/>
-              <p:nvPr/>
-            </p:nvSpPr>
-            <p:spPr>
-              <a:xfrm>
-                <a:off x="8412480" y="2509948"/>
-                <a:ext cx="3429000" cy="584775"/>
-              </a:xfrm>
-              <a:prstGeom prst="roundRect">
-                <a:avLst/>
-              </a:prstGeom>
-              <a:noFill/>
-            </p:spPr>
-            <p:style>
-              <a:lnRef idx="2">
-                <a:schemeClr val="accent1">
-                  <a:shade val="15000"/>
-                </a:schemeClr>
-              </a:lnRef>
-              <a:fillRef idx="1">
-                <a:schemeClr val="accent1"/>
-              </a:fillRef>
-              <a:effectRef idx="0">
-                <a:schemeClr val="accent1"/>
-              </a:effectRef>
-              <a:fontRef idx="minor">
-                <a:schemeClr val="lt1"/>
-              </a:fontRef>
-            </p:style>
-            <p:txBody>
-              <a:bodyPr rtlCol="0" anchor="ctr"/>
-              <a:lstStyle/>
-              <a:p>
-                <a:pPr algn="ctr"/>
-                <a:endParaRPr lang="en-US">
-                  <a:latin typeface="Times New Roman" panose="02020603050405020304" pitchFamily="18" charset="0"/>
-                  <a:cs typeface="Times New Roman" panose="02020603050405020304" pitchFamily="18" charset="0"/>
-                </a:endParaRPr>
-              </a:p>
-            </p:txBody>
-          </p:sp>
-        </p:grpSp>
-        <p:sp>
-          <p:nvSpPr>
-            <p:cNvPr id="50" name="Arrow: Down 49">
-              <a:extLst>
-                <a:ext uri="{FF2B5EF4-FFF2-40B4-BE49-F238E27FC236}">
-                  <a16:creationId xmlns:a16="http://schemas.microsoft.com/office/drawing/2014/main" id="{ECFE1B25-DF78-5C2A-7A03-7335FC1169B5}"/>
-                </a:ext>
-              </a:extLst>
-            </p:cNvPr>
-            <p:cNvSpPr/>
-            <p:nvPr/>
-          </p:nvSpPr>
-          <p:spPr>
-            <a:xfrm>
-              <a:off x="6115772" y="2340259"/>
-              <a:ext cx="628536" cy="425594"/>
-            </a:xfrm>
-            <a:prstGeom prst="downArrow">
-              <a:avLst/>
-            </a:prstGeom>
-          </p:spPr>
-          <p:style>
-            <a:lnRef idx="2">
-              <a:schemeClr val="accent1">
-                <a:shade val="15000"/>
-              </a:schemeClr>
-            </a:lnRef>
-            <a:fillRef idx="1">
-              <a:schemeClr val="accent1"/>
-            </a:fillRef>
-            <a:effectRef idx="0">
-              <a:schemeClr val="accent1"/>
-            </a:effectRef>
-            <a:fontRef idx="minor">
-              <a:schemeClr val="lt1"/>
-            </a:fontRef>
-          </p:style>
-          <p:txBody>
-            <a:bodyPr rtlCol="0" anchor="ctr"/>
-            <a:lstStyle/>
-            <a:p>
-              <a:pPr algn="ctr"/>
-              <a:endParaRPr lang="en-US">
-                <a:latin typeface="Times New Roman" panose="02020603050405020304" pitchFamily="18" charset="0"/>
-                <a:cs typeface="Times New Roman" panose="02020603050405020304" pitchFamily="18" charset="0"/>
-              </a:endParaRPr>
-            </a:p>
-          </p:txBody>
-        </p:sp>
-        <p:grpSp>
-          <p:nvGrpSpPr>
-            <p:cNvPr id="51" name="Group 50">
-              <a:extLst>
-                <a:ext uri="{FF2B5EF4-FFF2-40B4-BE49-F238E27FC236}">
-                  <a16:creationId xmlns:a16="http://schemas.microsoft.com/office/drawing/2014/main" id="{CCB4B1F7-D051-EC32-5848-04C0E793E6BE}"/>
-                </a:ext>
-              </a:extLst>
-            </p:cNvPr>
-            <p:cNvGrpSpPr/>
-            <p:nvPr/>
-          </p:nvGrpSpPr>
-          <p:grpSpPr>
-            <a:xfrm>
-              <a:off x="5254503" y="2806126"/>
-              <a:ext cx="2303526" cy="1228174"/>
-              <a:chOff x="8340206" y="2509948"/>
-              <a:chExt cx="3501274" cy="2077367"/>
-            </a:xfrm>
-          </p:grpSpPr>
-          <p:sp>
-            <p:nvSpPr>
-              <p:cNvPr id="52" name="TextBox 51">
-                <a:extLst>
-                  <a:ext uri="{FF2B5EF4-FFF2-40B4-BE49-F238E27FC236}">
-                    <a16:creationId xmlns:a16="http://schemas.microsoft.com/office/drawing/2014/main" id="{CA7CAF5F-9363-DA9F-B842-9FA35D242082}"/>
-                  </a:ext>
-                </a:extLst>
-              </p:cNvPr>
-              <p:cNvSpPr txBox="1"/>
-              <p:nvPr/>
-            </p:nvSpPr>
-            <p:spPr>
-              <a:xfrm>
-                <a:off x="8340206" y="2588966"/>
-                <a:ext cx="3501274" cy="1978210"/>
-              </a:xfrm>
-              <a:prstGeom prst="rect">
-                <a:avLst/>
-              </a:prstGeom>
-              <a:noFill/>
-            </p:spPr>
-            <p:txBody>
-              <a:bodyPr wrap="square" rtlCol="0">
-                <a:spAutoFit/>
-              </a:bodyPr>
-              <a:lstStyle/>
-              <a:p>
-                <a:pPr algn="ctr"/>
-                <a:r>
-                  <a:rPr lang="en-US" sz="1400" dirty="0">
-                    <a:solidFill>
-                      <a:schemeClr val="accent5"/>
-                    </a:solidFill>
-                    <a:latin typeface="Times New Roman" panose="02020603050405020304" pitchFamily="18" charset="0"/>
-                    <a:cs typeface="Times New Roman" panose="02020603050405020304" pitchFamily="18" charset="0"/>
-                  </a:rPr>
-                  <a:t>Moving the Remaining vehicle in that Row one step </a:t>
-                </a:r>
-                <a:r>
-                  <a:rPr lang="en-US" sz="1400" dirty="0">
-                    <a:latin typeface="Times New Roman" panose="02020603050405020304" pitchFamily="18" charset="0"/>
-                    <a:cs typeface="Times New Roman" panose="02020603050405020304" pitchFamily="18" charset="0"/>
-                  </a:rPr>
-                  <a:t>Behind in case of Parking2 </a:t>
-                </a:r>
-              </a:p>
-              <a:p>
-                <a:pPr algn="ctr"/>
-                <a:r>
-                  <a:rPr lang="en-US" sz="1400" dirty="0">
-                    <a:latin typeface="Times New Roman" panose="02020603050405020304" pitchFamily="18" charset="0"/>
-                    <a:cs typeface="Times New Roman" panose="02020603050405020304" pitchFamily="18" charset="0"/>
-                  </a:rPr>
-                  <a:t>and In case of Parking1, one step ahead</a:t>
-                </a:r>
-              </a:p>
-            </p:txBody>
-          </p:sp>
-          <p:sp>
-            <p:nvSpPr>
-              <p:cNvPr id="53" name="Rectangle: Rounded Corners 52">
-                <a:extLst>
-                  <a:ext uri="{FF2B5EF4-FFF2-40B4-BE49-F238E27FC236}">
-                    <a16:creationId xmlns:a16="http://schemas.microsoft.com/office/drawing/2014/main" id="{91F21272-D2B4-0D00-2936-1AF6DC529907}"/>
-                  </a:ext>
-                </a:extLst>
-              </p:cNvPr>
-              <p:cNvSpPr/>
-              <p:nvPr/>
-            </p:nvSpPr>
-            <p:spPr>
-              <a:xfrm>
-                <a:off x="8412480" y="2509948"/>
-                <a:ext cx="3429000" cy="2077367"/>
-              </a:xfrm>
-              <a:prstGeom prst="roundRect">
-                <a:avLst/>
-              </a:prstGeom>
-              <a:noFill/>
-            </p:spPr>
-            <p:style>
-              <a:lnRef idx="2">
-                <a:schemeClr val="accent1">
-                  <a:shade val="15000"/>
-                </a:schemeClr>
-              </a:lnRef>
-              <a:fillRef idx="1">
-                <a:schemeClr val="accent1"/>
-              </a:fillRef>
-              <a:effectRef idx="0">
-                <a:schemeClr val="accent1"/>
-              </a:effectRef>
-              <a:fontRef idx="minor">
-                <a:schemeClr val="lt1"/>
-              </a:fontRef>
-            </p:style>
-            <p:txBody>
-              <a:bodyPr rtlCol="0" anchor="ctr"/>
-              <a:lstStyle/>
-              <a:p>
-                <a:pPr algn="ctr"/>
-                <a:endParaRPr lang="en-US">
-                  <a:latin typeface="Times New Roman" panose="02020603050405020304" pitchFamily="18" charset="0"/>
-                  <a:cs typeface="Times New Roman" panose="02020603050405020304" pitchFamily="18" charset="0"/>
-                </a:endParaRPr>
-              </a:p>
-            </p:txBody>
-          </p:sp>
-        </p:grpSp>
-        <p:sp>
-          <p:nvSpPr>
-            <p:cNvPr id="54" name="TextBox 53">
-              <a:extLst>
-                <a:ext uri="{FF2B5EF4-FFF2-40B4-BE49-F238E27FC236}">
-                  <a16:creationId xmlns:a16="http://schemas.microsoft.com/office/drawing/2014/main" id="{4A385494-81C3-AD26-295C-4DFF3DF85F40}"/>
-                </a:ext>
-              </a:extLst>
-            </p:cNvPr>
-            <p:cNvSpPr txBox="1"/>
-            <p:nvPr/>
-          </p:nvSpPr>
-          <p:spPr>
-            <a:xfrm>
-              <a:off x="7808411" y="1610439"/>
-              <a:ext cx="530260" cy="369332"/>
-            </a:xfrm>
-            <a:prstGeom prst="rect">
-              <a:avLst/>
-            </a:prstGeom>
-            <a:noFill/>
-          </p:spPr>
-          <p:txBody>
-            <a:bodyPr wrap="square" rtlCol="0">
-              <a:spAutoFit/>
-            </a:bodyPr>
-            <a:lstStyle/>
-            <a:p>
-              <a:r>
-                <a:rPr lang="en-US" dirty="0">
-                  <a:latin typeface="Times New Roman" panose="02020603050405020304" pitchFamily="18" charset="0"/>
-                  <a:cs typeface="Times New Roman" panose="02020603050405020304" pitchFamily="18" charset="0"/>
-                </a:rPr>
-                <a:t>Yes</a:t>
-              </a:r>
-            </a:p>
-          </p:txBody>
-        </p:sp>
-        <p:sp>
-          <p:nvSpPr>
-            <p:cNvPr id="64" name="TextBox 63">
-              <a:extLst>
-                <a:ext uri="{FF2B5EF4-FFF2-40B4-BE49-F238E27FC236}">
-                  <a16:creationId xmlns:a16="http://schemas.microsoft.com/office/drawing/2014/main" id="{6CA83E84-DE88-F6E1-326E-3D3740EE4C7B}"/>
-                </a:ext>
-              </a:extLst>
-            </p:cNvPr>
-            <p:cNvSpPr txBox="1"/>
-            <p:nvPr/>
-          </p:nvSpPr>
-          <p:spPr>
-            <a:xfrm>
-              <a:off x="10415343" y="2327605"/>
-              <a:ext cx="530260" cy="369332"/>
-            </a:xfrm>
-            <a:prstGeom prst="rect">
-              <a:avLst/>
-            </a:prstGeom>
-            <a:noFill/>
-          </p:spPr>
-          <p:txBody>
-            <a:bodyPr wrap="square" rtlCol="0">
-              <a:spAutoFit/>
-            </a:bodyPr>
-            <a:lstStyle/>
-            <a:p>
-              <a:r>
-                <a:rPr lang="en-US" dirty="0">
-                  <a:latin typeface="Times New Roman" panose="02020603050405020304" pitchFamily="18" charset="0"/>
-                  <a:cs typeface="Times New Roman" panose="02020603050405020304" pitchFamily="18" charset="0"/>
-                </a:rPr>
-                <a:t>No</a:t>
-              </a:r>
-            </a:p>
-          </p:txBody>
-        </p:sp>
-        <p:sp>
-          <p:nvSpPr>
-            <p:cNvPr id="65" name="Arrow: Down 64">
-              <a:extLst>
-                <a:ext uri="{FF2B5EF4-FFF2-40B4-BE49-F238E27FC236}">
-                  <a16:creationId xmlns:a16="http://schemas.microsoft.com/office/drawing/2014/main" id="{C2A6460C-0A77-C961-BCFA-89B7FAC045AA}"/>
-                </a:ext>
-              </a:extLst>
-            </p:cNvPr>
-            <p:cNvSpPr/>
-            <p:nvPr/>
-          </p:nvSpPr>
-          <p:spPr>
-            <a:xfrm>
-              <a:off x="9935172" y="5642707"/>
-              <a:ext cx="608776" cy="240654"/>
-            </a:xfrm>
-            <a:prstGeom prst="downArrow">
-              <a:avLst/>
-            </a:prstGeom>
-          </p:spPr>
-          <p:style>
-            <a:lnRef idx="2">
-              <a:schemeClr val="accent1">
-                <a:shade val="15000"/>
-              </a:schemeClr>
-            </a:lnRef>
-            <a:fillRef idx="1">
-              <a:schemeClr val="accent1"/>
-            </a:fillRef>
-            <a:effectRef idx="0">
-              <a:schemeClr val="accent1"/>
-            </a:effectRef>
-            <a:fontRef idx="minor">
-              <a:schemeClr val="lt1"/>
-            </a:fontRef>
-          </p:style>
-          <p:txBody>
-            <a:bodyPr rtlCol="0" anchor="ctr"/>
-            <a:lstStyle/>
-            <a:p>
-              <a:pPr algn="ctr"/>
-              <a:endParaRPr lang="en-US" dirty="0">
-                <a:latin typeface="Times New Roman" panose="02020603050405020304" pitchFamily="18" charset="0"/>
-                <a:cs typeface="Times New Roman" panose="02020603050405020304" pitchFamily="18" charset="0"/>
-              </a:endParaRPr>
-            </a:p>
-          </p:txBody>
-        </p:sp>
-        <p:sp>
-          <p:nvSpPr>
-            <p:cNvPr id="67" name="TextBox 66">
-              <a:extLst>
-                <a:ext uri="{FF2B5EF4-FFF2-40B4-BE49-F238E27FC236}">
-                  <a16:creationId xmlns:a16="http://schemas.microsoft.com/office/drawing/2014/main" id="{7FC9D983-ABBF-67A2-7F2A-71C5F0EED781}"/>
-                </a:ext>
-              </a:extLst>
-            </p:cNvPr>
-            <p:cNvSpPr txBox="1"/>
-            <p:nvPr/>
-          </p:nvSpPr>
-          <p:spPr>
-            <a:xfrm>
-              <a:off x="8575601" y="5954899"/>
-              <a:ext cx="3160022" cy="1169551"/>
-            </a:xfrm>
-            <a:prstGeom prst="rect">
-              <a:avLst/>
-            </a:prstGeom>
-            <a:noFill/>
-          </p:spPr>
-          <p:txBody>
-            <a:bodyPr wrap="square">
-              <a:spAutoFit/>
-            </a:bodyPr>
-            <a:lstStyle/>
-            <a:p>
-              <a:pPr marL="285750" indent="-285750" algn="ctr">
-                <a:buFont typeface="Arial" panose="020B0604020202020204" pitchFamily="34" charset="0"/>
-                <a:buChar char="•"/>
-              </a:pPr>
-              <a:r>
-                <a:rPr lang="en-US" sz="1400" dirty="0">
-                  <a:solidFill>
-                    <a:schemeClr val="accent5"/>
-                  </a:solidFill>
-                  <a:latin typeface="Times New Roman" panose="02020603050405020304" pitchFamily="18" charset="0"/>
-                  <a:cs typeface="Times New Roman" panose="02020603050405020304" pitchFamily="18" charset="0"/>
-                </a:rPr>
-                <a:t>Moving the Remaining </a:t>
-              </a:r>
-              <a:r>
-                <a:rPr lang="en-US" sz="1400" dirty="0">
-                  <a:latin typeface="Times New Roman" panose="02020603050405020304" pitchFamily="18" charset="0"/>
-                  <a:cs typeface="Times New Roman" panose="02020603050405020304" pitchFamily="18" charset="0"/>
-                </a:rPr>
-                <a:t>vehicle in that Row in case of Parking2 </a:t>
-              </a:r>
-            </a:p>
-            <a:p>
-              <a:pPr marL="285750" indent="-285750" algn="ctr">
-                <a:buFont typeface="Arial" panose="020B0604020202020204" pitchFamily="34" charset="0"/>
-                <a:buChar char="•"/>
-              </a:pPr>
-              <a:r>
-                <a:rPr lang="en-US" sz="1400" dirty="0">
-                  <a:solidFill>
-                    <a:schemeClr val="accent5"/>
-                  </a:solidFill>
-                  <a:latin typeface="Times New Roman" panose="02020603050405020304" pitchFamily="18" charset="0"/>
-                  <a:cs typeface="Times New Roman" panose="02020603050405020304" pitchFamily="18" charset="0"/>
-                </a:rPr>
-                <a:t>Remove/Exit </a:t>
-              </a:r>
-              <a:r>
-                <a:rPr lang="en-US" sz="1400" dirty="0">
-                  <a:latin typeface="Times New Roman" panose="02020603050405020304" pitchFamily="18" charset="0"/>
-                  <a:cs typeface="Times New Roman" panose="02020603050405020304" pitchFamily="18" charset="0"/>
-                </a:rPr>
-                <a:t>the Vehicle</a:t>
-              </a:r>
-            </a:p>
-            <a:p>
-              <a:pPr algn="ctr"/>
-              <a:endParaRPr lang="en-US" sz="1400" dirty="0">
-                <a:latin typeface="Times New Roman" panose="02020603050405020304" pitchFamily="18" charset="0"/>
-                <a:cs typeface="Times New Roman" panose="02020603050405020304" pitchFamily="18" charset="0"/>
-              </a:endParaRPr>
-            </a:p>
-            <a:p>
-              <a:pPr lvl="0" algn="ctr"/>
-              <a:endParaRPr lang="en-US" sz="1400" dirty="0">
-                <a:latin typeface="Times New Roman" panose="02020603050405020304" pitchFamily="18" charset="0"/>
-                <a:cs typeface="Times New Roman" panose="02020603050405020304" pitchFamily="18" charset="0"/>
-              </a:endParaRPr>
-            </a:p>
-          </p:txBody>
-        </p:sp>
-        <p:sp>
-          <p:nvSpPr>
-            <p:cNvPr id="68" name="Rectangle: Rounded Corners 67">
-              <a:extLst>
-                <a:ext uri="{FF2B5EF4-FFF2-40B4-BE49-F238E27FC236}">
-                  <a16:creationId xmlns:a16="http://schemas.microsoft.com/office/drawing/2014/main" id="{778975AC-3D03-462F-42D5-078D9A5922C7}"/>
-                </a:ext>
-              </a:extLst>
-            </p:cNvPr>
-            <p:cNvSpPr/>
-            <p:nvPr/>
-          </p:nvSpPr>
-          <p:spPr>
-            <a:xfrm>
-              <a:off x="8481926" y="5883361"/>
-              <a:ext cx="3429000" cy="904187"/>
-            </a:xfrm>
-            <a:prstGeom prst="roundRect">
-              <a:avLst/>
-            </a:prstGeom>
-            <a:noFill/>
-          </p:spPr>
-          <p:style>
-            <a:lnRef idx="2">
-              <a:schemeClr val="accent1">
-                <a:shade val="15000"/>
-              </a:schemeClr>
-            </a:lnRef>
-            <a:fillRef idx="1">
-              <a:schemeClr val="accent1"/>
-            </a:fillRef>
-            <a:effectRef idx="0">
-              <a:schemeClr val="accent1"/>
-            </a:effectRef>
-            <a:fontRef idx="minor">
-              <a:schemeClr val="lt1"/>
-            </a:fontRef>
-          </p:style>
-          <p:txBody>
-            <a:bodyPr rtlCol="0" anchor="ctr"/>
-            <a:lstStyle/>
-            <a:p>
-              <a:pPr algn="ctr"/>
-              <a:endParaRPr lang="en-US">
-                <a:latin typeface="Times New Roman" panose="02020603050405020304" pitchFamily="18" charset="0"/>
-                <a:cs typeface="Times New Roman" panose="02020603050405020304" pitchFamily="18" charset="0"/>
-              </a:endParaRPr>
-            </a:p>
-          </p:txBody>
-        </p:sp>
-      </p:grpSp>
       <p:sp>
         <p:nvSpPr>
           <p:cNvPr id="70" name="TextBox 69">
@@ -13066,44 +13855,1646 @@
           </a:p>
         </p:txBody>
       </p:sp>
-      <p:sp>
-        <p:nvSpPr>
-          <p:cNvPr id="71" name="TextBox 70">
+      <p:grpSp>
+        <p:nvGrpSpPr>
+          <p:cNvPr id="43" name="Group 42">
             <a:extLst>
               <a:ext uri="{FF2B5EF4-FFF2-40B4-BE49-F238E27FC236}">
-                <a16:creationId xmlns:a16="http://schemas.microsoft.com/office/drawing/2014/main" id="{B9537E58-DCB5-8763-16D3-794139B1D4C8}"/>
+                <a16:creationId xmlns:a16="http://schemas.microsoft.com/office/drawing/2014/main" id="{77822E85-427B-8064-B528-7D6E9F090BD2}"/>
               </a:ext>
             </a:extLst>
           </p:cNvPr>
-          <p:cNvSpPr txBox="1"/>
+          <p:cNvGrpSpPr/>
           <p:nvPr/>
-        </p:nvSpPr>
-        <p:spPr>
+        </p:nvGrpSpPr>
+        <p:grpSpPr>
           <a:xfrm>
-            <a:off x="4858439" y="6551589"/>
-            <a:ext cx="3806456" cy="276999"/>
+            <a:off x="4849321" y="121718"/>
+            <a:ext cx="7382978" cy="6675566"/>
+            <a:chOff x="4758730" y="109282"/>
+            <a:chExt cx="7382978" cy="6675566"/>
           </a:xfrm>
-          <a:prstGeom prst="rect">
-            <a:avLst/>
-          </a:prstGeom>
-          <a:noFill/>
-        </p:spPr>
-        <p:txBody>
-          <a:bodyPr wrap="square" rtlCol="0">
-            <a:spAutoFit/>
-          </a:bodyPr>
-          <a:lstStyle/>
-          <a:p>
-            <a:r>
-              <a:rPr lang="en-US" sz="1200" dirty="0">
+        </p:grpSpPr>
+        <p:grpSp>
+          <p:nvGrpSpPr>
+            <p:cNvPr id="41" name="Group 40">
+              <a:extLst>
+                <a:ext uri="{FF2B5EF4-FFF2-40B4-BE49-F238E27FC236}">
+                  <a16:creationId xmlns:a16="http://schemas.microsoft.com/office/drawing/2014/main" id="{1DCCFE41-9982-4C0F-D3D4-3BD0C6290793}"/>
+                </a:ext>
+              </a:extLst>
+            </p:cNvPr>
+            <p:cNvGrpSpPr/>
+            <p:nvPr/>
+          </p:nvGrpSpPr>
+          <p:grpSpPr>
+            <a:xfrm>
+              <a:off x="4758730" y="109282"/>
+              <a:ext cx="7382978" cy="6675566"/>
+              <a:chOff x="4810690" y="97435"/>
+              <a:chExt cx="7382978" cy="6675566"/>
+            </a:xfrm>
+          </p:grpSpPr>
+          <p:grpSp>
+            <p:nvGrpSpPr>
+              <p:cNvPr id="26" name="Group 25">
+                <a:extLst>
+                  <a:ext uri="{FF2B5EF4-FFF2-40B4-BE49-F238E27FC236}">
+                    <a16:creationId xmlns:a16="http://schemas.microsoft.com/office/drawing/2014/main" id="{90067362-BEB0-BF1E-0ABC-066AAB60CDFE}"/>
+                  </a:ext>
+                </a:extLst>
+              </p:cNvPr>
+              <p:cNvGrpSpPr/>
+              <p:nvPr/>
+            </p:nvGrpSpPr>
+            <p:grpSpPr>
+              <a:xfrm>
+                <a:off x="8573074" y="97435"/>
+                <a:ext cx="3562630" cy="1113619"/>
+                <a:chOff x="8412480" y="375382"/>
+                <a:chExt cx="3429000" cy="1071848"/>
+              </a:xfrm>
+            </p:grpSpPr>
+            <p:sp>
+              <p:nvSpPr>
+                <p:cNvPr id="27" name="TextBox 26">
+                  <a:extLst>
+                    <a:ext uri="{FF2B5EF4-FFF2-40B4-BE49-F238E27FC236}">
+                      <a16:creationId xmlns:a16="http://schemas.microsoft.com/office/drawing/2014/main" id="{BC01F2D1-A1E6-6CB8-66EE-3D7154434767}"/>
+                    </a:ext>
+                  </a:extLst>
+                </p:cNvPr>
+                <p:cNvSpPr txBox="1">
+                  <a:spLocks noGrp="1" noRot="1" noMove="1" noResize="1" noEditPoints="1" noAdjustHandles="1" noChangeArrowheads="1" noChangeShapeType="1"/>
+                </p:cNvSpPr>
+                <p:nvPr/>
+              </p:nvSpPr>
+              <p:spPr>
+                <a:xfrm>
+                  <a:off x="8511593" y="474538"/>
+                  <a:ext cx="3160022" cy="622088"/>
+                </a:xfrm>
+                <a:prstGeom prst="rect">
+                  <a:avLst/>
+                </a:prstGeom>
+                <a:noFill/>
+              </p:spPr>
+              <p:txBody>
+                <a:bodyPr wrap="square" rtlCol="0">
+                  <a:spAutoFit/>
+                </a:bodyPr>
+                <a:lstStyle/>
+                <a:p>
+                  <a:pPr algn="ctr"/>
+                  <a:r>
+                    <a:rPr lang="en-US" sz="1200" dirty="0">
+                      <a:latin typeface="Times New Roman" panose="02020603050405020304" pitchFamily="18" charset="0"/>
+                      <a:cs typeface="Times New Roman" panose="02020603050405020304" pitchFamily="18" charset="0"/>
+                    </a:rPr>
+                    <a:t>Checking the </a:t>
+                  </a:r>
+                  <a:r>
+                    <a:rPr lang="en-US" sz="1200" dirty="0">
+                      <a:solidFill>
+                        <a:schemeClr val="accent5"/>
+                      </a:solidFill>
+                      <a:latin typeface="Times New Roman" panose="02020603050405020304" pitchFamily="18" charset="0"/>
+                      <a:cs typeface="Times New Roman" panose="02020603050405020304" pitchFamily="18" charset="0"/>
+                    </a:rPr>
+                    <a:t>vehicle No. and Indexes, ahead and Behind the Required Vehicles </a:t>
+                  </a:r>
+                  <a:r>
+                    <a:rPr lang="en-US" sz="1200" dirty="0">
+                      <a:latin typeface="Times New Roman" panose="02020603050405020304" pitchFamily="18" charset="0"/>
+                      <a:cs typeface="Times New Roman" panose="02020603050405020304" pitchFamily="18" charset="0"/>
+                    </a:rPr>
+                    <a:t>to be Removed and stored in two separate list</a:t>
+                  </a:r>
+                </a:p>
+              </p:txBody>
+            </p:sp>
+            <p:sp>
+              <p:nvSpPr>
+                <p:cNvPr id="28" name="Rectangle: Rounded Corners 27">
+                  <a:extLst>
+                    <a:ext uri="{FF2B5EF4-FFF2-40B4-BE49-F238E27FC236}">
+                      <a16:creationId xmlns:a16="http://schemas.microsoft.com/office/drawing/2014/main" id="{DDE84212-CB65-30AC-D3CC-A14C2067A9EC}"/>
+                    </a:ext>
+                  </a:extLst>
+                </p:cNvPr>
+                <p:cNvSpPr/>
+                <p:nvPr/>
+              </p:nvSpPr>
+              <p:spPr>
+                <a:xfrm>
+                  <a:off x="8412480" y="375382"/>
+                  <a:ext cx="3429000" cy="1071848"/>
+                </a:xfrm>
+                <a:prstGeom prst="roundRect">
+                  <a:avLst/>
+                </a:prstGeom>
+                <a:noFill/>
+              </p:spPr>
+              <p:style>
+                <a:lnRef idx="2">
+                  <a:schemeClr val="accent1">
+                    <a:shade val="15000"/>
+                  </a:schemeClr>
+                </a:lnRef>
+                <a:fillRef idx="1">
+                  <a:schemeClr val="accent1"/>
+                </a:fillRef>
+                <a:effectRef idx="0">
+                  <a:schemeClr val="accent1"/>
+                </a:effectRef>
+                <a:fontRef idx="minor">
+                  <a:schemeClr val="lt1"/>
+                </a:fontRef>
+              </p:style>
+              <p:txBody>
+                <a:bodyPr rtlCol="0" anchor="ctr"/>
+                <a:lstStyle/>
+                <a:p>
+                  <a:pPr algn="ctr"/>
+                  <a:endParaRPr lang="en-US" sz="1200">
+                    <a:latin typeface="Times New Roman" panose="02020603050405020304" pitchFamily="18" charset="0"/>
+                    <a:cs typeface="Times New Roman" panose="02020603050405020304" pitchFamily="18" charset="0"/>
+                  </a:endParaRPr>
+                </a:p>
+              </p:txBody>
+            </p:sp>
+          </p:grpSp>
+          <p:grpSp>
+            <p:nvGrpSpPr>
+              <p:cNvPr id="29" name="Group 28">
+                <a:extLst>
+                  <a:ext uri="{FF2B5EF4-FFF2-40B4-BE49-F238E27FC236}">
+                    <a16:creationId xmlns:a16="http://schemas.microsoft.com/office/drawing/2014/main" id="{AA5DA134-4F83-B666-262E-B9EDA5A819B5}"/>
+                  </a:ext>
+                </a:extLst>
+              </p:cNvPr>
+              <p:cNvGrpSpPr/>
+              <p:nvPr/>
+            </p:nvGrpSpPr>
+            <p:grpSpPr>
+              <a:xfrm>
+                <a:off x="8557458" y="1439616"/>
+                <a:ext cx="3562630" cy="775872"/>
+                <a:chOff x="8412480" y="1722204"/>
+                <a:chExt cx="3429000" cy="661441"/>
+              </a:xfrm>
+            </p:grpSpPr>
+            <p:sp>
+              <p:nvSpPr>
+                <p:cNvPr id="30" name="TextBox 29">
+                  <a:extLst>
+                    <a:ext uri="{FF2B5EF4-FFF2-40B4-BE49-F238E27FC236}">
+                      <a16:creationId xmlns:a16="http://schemas.microsoft.com/office/drawing/2014/main" id="{13F8586D-11CA-7FB0-9882-653C6A19A356}"/>
+                    </a:ext>
+                  </a:extLst>
+                </p:cNvPr>
+                <p:cNvSpPr txBox="1"/>
+                <p:nvPr/>
+              </p:nvSpPr>
+              <p:spPr>
+                <a:xfrm>
+                  <a:off x="8628498" y="1765317"/>
+                  <a:ext cx="3094110" cy="551005"/>
+                </a:xfrm>
+                <a:prstGeom prst="rect">
+                  <a:avLst/>
+                </a:prstGeom>
+                <a:noFill/>
+              </p:spPr>
+              <p:txBody>
+                <a:bodyPr wrap="square" rtlCol="0">
+                  <a:spAutoFit/>
+                </a:bodyPr>
+                <a:lstStyle/>
+                <a:p>
+                  <a:r>
+                    <a:rPr lang="en-US" sz="1200" dirty="0">
+                      <a:latin typeface="Times New Roman" panose="02020603050405020304" pitchFamily="18" charset="0"/>
+                      <a:cs typeface="Times New Roman" panose="02020603050405020304" pitchFamily="18" charset="0"/>
+                    </a:rPr>
+                    <a:t>Checking the </a:t>
+                  </a:r>
+                  <a:r>
+                    <a:rPr lang="en-US" sz="1200" dirty="0">
+                      <a:solidFill>
+                        <a:schemeClr val="accent5"/>
+                      </a:solidFill>
+                      <a:latin typeface="Times New Roman" panose="02020603050405020304" pitchFamily="18" charset="0"/>
+                      <a:cs typeface="Times New Roman" panose="02020603050405020304" pitchFamily="18" charset="0"/>
+                    </a:rPr>
+                    <a:t>Exit Vehicle’s Index is equal to the First Index for Parking1 and last Index for Parking2</a:t>
+                  </a:r>
+                </a:p>
+              </p:txBody>
+            </p:sp>
+            <p:sp>
+              <p:nvSpPr>
+                <p:cNvPr id="31" name="Rectangle: Rounded Corners 30">
+                  <a:extLst>
+                    <a:ext uri="{FF2B5EF4-FFF2-40B4-BE49-F238E27FC236}">
+                      <a16:creationId xmlns:a16="http://schemas.microsoft.com/office/drawing/2014/main" id="{65D8A8C3-4EAF-F021-C0C0-891C7A2B968A}"/>
+                    </a:ext>
+                  </a:extLst>
+                </p:cNvPr>
+                <p:cNvSpPr/>
+                <p:nvPr/>
+              </p:nvSpPr>
+              <p:spPr>
+                <a:xfrm>
+                  <a:off x="8412480" y="1722204"/>
+                  <a:ext cx="3429000" cy="661441"/>
+                </a:xfrm>
+                <a:prstGeom prst="roundRect">
+                  <a:avLst/>
+                </a:prstGeom>
+                <a:noFill/>
+              </p:spPr>
+              <p:style>
+                <a:lnRef idx="2">
+                  <a:schemeClr val="accent1">
+                    <a:shade val="15000"/>
+                  </a:schemeClr>
+                </a:lnRef>
+                <a:fillRef idx="1">
+                  <a:schemeClr val="accent1"/>
+                </a:fillRef>
+                <a:effectRef idx="0">
+                  <a:schemeClr val="accent1"/>
+                </a:effectRef>
+                <a:fontRef idx="minor">
+                  <a:schemeClr val="lt1"/>
+                </a:fontRef>
+              </p:style>
+              <p:txBody>
+                <a:bodyPr rtlCol="0" anchor="ctr"/>
+                <a:lstStyle/>
+                <a:p>
+                  <a:pPr algn="ctr"/>
+                  <a:endParaRPr lang="en-US" sz="1200">
+                    <a:latin typeface="Times New Roman" panose="02020603050405020304" pitchFamily="18" charset="0"/>
+                    <a:cs typeface="Times New Roman" panose="02020603050405020304" pitchFamily="18" charset="0"/>
+                  </a:endParaRPr>
+                </a:p>
+              </p:txBody>
+            </p:sp>
+          </p:grpSp>
+          <p:grpSp>
+            <p:nvGrpSpPr>
+              <p:cNvPr id="32" name="Group 31">
+                <a:extLst>
+                  <a:ext uri="{FF2B5EF4-FFF2-40B4-BE49-F238E27FC236}">
+                    <a16:creationId xmlns:a16="http://schemas.microsoft.com/office/drawing/2014/main" id="{89342852-5791-4F48-8776-B23EF2B6170E}"/>
+                  </a:ext>
+                </a:extLst>
+              </p:cNvPr>
+              <p:cNvGrpSpPr/>
+              <p:nvPr/>
+            </p:nvGrpSpPr>
+            <p:grpSpPr>
+              <a:xfrm>
+                <a:off x="8573073" y="2520767"/>
+                <a:ext cx="3620595" cy="1993833"/>
+                <a:chOff x="8407086" y="1789029"/>
+                <a:chExt cx="3484791" cy="1432856"/>
+              </a:xfrm>
+            </p:grpSpPr>
+            <p:sp>
+              <p:nvSpPr>
+                <p:cNvPr id="33" name="TextBox 32">
+                  <a:extLst>
+                    <a:ext uri="{FF2B5EF4-FFF2-40B4-BE49-F238E27FC236}">
+                      <a16:creationId xmlns:a16="http://schemas.microsoft.com/office/drawing/2014/main" id="{1875CEEC-E10E-8794-2884-18519BE2BFC6}"/>
+                    </a:ext>
+                  </a:extLst>
+                </p:cNvPr>
+                <p:cNvSpPr txBox="1"/>
+                <p:nvPr/>
+              </p:nvSpPr>
+              <p:spPr>
+                <a:xfrm>
+                  <a:off x="8659413" y="2673554"/>
+                  <a:ext cx="2909383" cy="464482"/>
+                </a:xfrm>
+                <a:prstGeom prst="rect">
+                  <a:avLst/>
+                </a:prstGeom>
+                <a:noFill/>
+              </p:spPr>
+              <p:txBody>
+                <a:bodyPr wrap="square" rtlCol="0">
+                  <a:spAutoFit/>
+                </a:bodyPr>
+                <a:lstStyle/>
+                <a:p>
+                  <a:pPr algn="ctr"/>
+                  <a:r>
+                    <a:rPr lang="en-US" sz="1200" dirty="0">
+                      <a:latin typeface="Times New Roman" panose="02020603050405020304" pitchFamily="18" charset="0"/>
+                      <a:cs typeface="Times New Roman" panose="02020603050405020304" pitchFamily="18" charset="0"/>
+                    </a:rPr>
+                    <a:t>Iteration Over the length of </a:t>
+                  </a:r>
+                  <a:r>
+                    <a:rPr lang="en-US" sz="1200" dirty="0">
+                      <a:highlight>
+                        <a:srgbClr val="FFFF00"/>
+                      </a:highlight>
+                      <a:latin typeface="Times New Roman" panose="02020603050405020304" pitchFamily="18" charset="0"/>
+                      <a:cs typeface="Times New Roman" panose="02020603050405020304" pitchFamily="18" charset="0"/>
+                    </a:rPr>
+                    <a:t>Vehicle list Behind</a:t>
+                  </a:r>
+                  <a:r>
+                    <a:rPr lang="en-US" sz="1200" dirty="0">
+                      <a:latin typeface="Times New Roman" panose="02020603050405020304" pitchFamily="18" charset="0"/>
+                      <a:cs typeface="Times New Roman" panose="02020603050405020304" pitchFamily="18" charset="0"/>
+                    </a:rPr>
+                    <a:t> in Case of Parking2</a:t>
+                  </a:r>
+                </a:p>
+                <a:p>
+                  <a:pPr algn="ctr"/>
+                  <a:r>
+                    <a:rPr lang="en-US" sz="1200" dirty="0" err="1">
+                      <a:latin typeface="Times New Roman" panose="02020603050405020304" pitchFamily="18" charset="0"/>
+                      <a:cs typeface="Times New Roman" panose="02020603050405020304" pitchFamily="18" charset="0"/>
+                    </a:rPr>
+                    <a:t>e.g</a:t>
+                  </a:r>
+                  <a:r>
+                    <a:rPr lang="en-US" sz="1200" dirty="0">
+                      <a:latin typeface="Times New Roman" panose="02020603050405020304" pitchFamily="18" charset="0"/>
+                      <a:cs typeface="Times New Roman" panose="02020603050405020304" pitchFamily="18" charset="0"/>
+                    </a:rPr>
+                    <a:t> car16 and car14 </a:t>
+                  </a:r>
+                </a:p>
+              </p:txBody>
+            </p:sp>
+            <p:sp>
+              <p:nvSpPr>
+                <p:cNvPr id="34" name="Rectangle: Rounded Corners 33">
+                  <a:extLst>
+                    <a:ext uri="{FF2B5EF4-FFF2-40B4-BE49-F238E27FC236}">
+                      <a16:creationId xmlns:a16="http://schemas.microsoft.com/office/drawing/2014/main" id="{81EBB69E-51D7-689A-7DEA-C4FFEC6D2270}"/>
+                    </a:ext>
+                  </a:extLst>
+                </p:cNvPr>
+                <p:cNvSpPr/>
+                <p:nvPr/>
+              </p:nvSpPr>
+              <p:spPr>
+                <a:xfrm>
+                  <a:off x="8407086" y="2637110"/>
+                  <a:ext cx="3429000" cy="584775"/>
+                </a:xfrm>
+                <a:prstGeom prst="roundRect">
+                  <a:avLst/>
+                </a:prstGeom>
+                <a:noFill/>
+              </p:spPr>
+              <p:style>
+                <a:lnRef idx="2">
+                  <a:schemeClr val="accent1">
+                    <a:shade val="15000"/>
+                  </a:schemeClr>
+                </a:lnRef>
+                <a:fillRef idx="1">
+                  <a:schemeClr val="accent1"/>
+                </a:fillRef>
+                <a:effectRef idx="0">
+                  <a:schemeClr val="accent1"/>
+                </a:effectRef>
+                <a:fontRef idx="minor">
+                  <a:schemeClr val="lt1"/>
+                </a:fontRef>
+              </p:style>
+              <p:txBody>
+                <a:bodyPr rtlCol="0" anchor="ctr"/>
+                <a:lstStyle/>
+                <a:p>
+                  <a:pPr algn="ctr"/>
+                  <a:endParaRPr lang="en-US" sz="1200">
+                    <a:latin typeface="Times New Roman" panose="02020603050405020304" pitchFamily="18" charset="0"/>
+                    <a:cs typeface="Times New Roman" panose="02020603050405020304" pitchFamily="18" charset="0"/>
+                  </a:endParaRPr>
+                </a:p>
+              </p:txBody>
+            </p:sp>
+            <p:sp>
+              <p:nvSpPr>
+                <p:cNvPr id="2" name="TextBox 1">
+                  <a:extLst>
+                    <a:ext uri="{FF2B5EF4-FFF2-40B4-BE49-F238E27FC236}">
+                      <a16:creationId xmlns:a16="http://schemas.microsoft.com/office/drawing/2014/main" id="{EA8DD060-AAA7-0054-B9B3-EF82257437CC}"/>
+                    </a:ext>
+                  </a:extLst>
+                </p:cNvPr>
+                <p:cNvSpPr txBox="1"/>
+                <p:nvPr/>
+              </p:nvSpPr>
+              <p:spPr>
+                <a:xfrm>
+                  <a:off x="8715205" y="1841876"/>
+                  <a:ext cx="2853592" cy="331773"/>
+                </a:xfrm>
+                <a:prstGeom prst="rect">
+                  <a:avLst/>
+                </a:prstGeom>
+                <a:noFill/>
+              </p:spPr>
+              <p:txBody>
+                <a:bodyPr wrap="square" rtlCol="0">
+                  <a:spAutoFit/>
+                </a:bodyPr>
+                <a:lstStyle/>
+                <a:p>
+                  <a:pPr algn="ctr"/>
+                  <a:r>
+                    <a:rPr lang="en-US" sz="1200" dirty="0">
+                      <a:latin typeface="Times New Roman" panose="02020603050405020304" pitchFamily="18" charset="0"/>
+                      <a:cs typeface="Times New Roman" panose="02020603050405020304" pitchFamily="18" charset="0"/>
+                    </a:rPr>
+                    <a:t>Finding the Location of Vehicle. i.e., Parking lot No, Row No, and Column No </a:t>
+                  </a:r>
+                </a:p>
+              </p:txBody>
+            </p:sp>
+            <p:sp>
+              <p:nvSpPr>
+                <p:cNvPr id="49" name="Rectangle: Rounded Corners 48">
+                  <a:extLst>
+                    <a:ext uri="{FF2B5EF4-FFF2-40B4-BE49-F238E27FC236}">
+                      <a16:creationId xmlns:a16="http://schemas.microsoft.com/office/drawing/2014/main" id="{8B95B330-CB83-4487-1229-3E587D3C81C4}"/>
+                    </a:ext>
+                  </a:extLst>
+                </p:cNvPr>
+                <p:cNvSpPr/>
+                <p:nvPr/>
+              </p:nvSpPr>
+              <p:spPr>
+                <a:xfrm>
+                  <a:off x="8462877" y="1789029"/>
+                  <a:ext cx="3429000" cy="584775"/>
+                </a:xfrm>
+                <a:prstGeom prst="roundRect">
+                  <a:avLst/>
+                </a:prstGeom>
+                <a:noFill/>
+              </p:spPr>
+              <p:style>
+                <a:lnRef idx="2">
+                  <a:schemeClr val="accent1">
+                    <a:shade val="15000"/>
+                  </a:schemeClr>
+                </a:lnRef>
+                <a:fillRef idx="1">
+                  <a:schemeClr val="accent1"/>
+                </a:fillRef>
+                <a:effectRef idx="0">
+                  <a:schemeClr val="accent1"/>
+                </a:effectRef>
+                <a:fontRef idx="minor">
+                  <a:schemeClr val="lt1"/>
+                </a:fontRef>
+              </p:style>
+              <p:txBody>
+                <a:bodyPr rtlCol="0" anchor="ctr"/>
+                <a:lstStyle/>
+                <a:p>
+                  <a:pPr algn="ctr"/>
+                  <a:endParaRPr lang="en-US" sz="1200">
+                    <a:latin typeface="Times New Roman" panose="02020603050405020304" pitchFamily="18" charset="0"/>
+                    <a:cs typeface="Times New Roman" panose="02020603050405020304" pitchFamily="18" charset="0"/>
+                  </a:endParaRPr>
+                </a:p>
+              </p:txBody>
+            </p:sp>
+          </p:grpSp>
+          <p:grpSp>
+            <p:nvGrpSpPr>
+              <p:cNvPr id="35" name="Group 34">
+                <a:extLst>
+                  <a:ext uri="{FF2B5EF4-FFF2-40B4-BE49-F238E27FC236}">
+                    <a16:creationId xmlns:a16="http://schemas.microsoft.com/office/drawing/2014/main" id="{148E3C6C-2D0B-A334-7DBF-5BA486B61D6A}"/>
+                  </a:ext>
+                </a:extLst>
+              </p:cNvPr>
+              <p:cNvGrpSpPr/>
+              <p:nvPr/>
+            </p:nvGrpSpPr>
+            <p:grpSpPr>
+              <a:xfrm>
+                <a:off x="8573073" y="4793029"/>
+                <a:ext cx="3562630" cy="687218"/>
+                <a:chOff x="8412480" y="3297141"/>
+                <a:chExt cx="3429000" cy="661441"/>
+              </a:xfrm>
+            </p:grpSpPr>
+            <p:sp>
+              <p:nvSpPr>
+                <p:cNvPr id="36" name="TextBox 35">
+                  <a:extLst>
+                    <a:ext uri="{FF2B5EF4-FFF2-40B4-BE49-F238E27FC236}">
+                      <a16:creationId xmlns:a16="http://schemas.microsoft.com/office/drawing/2014/main" id="{0D774FC9-3CBA-A6E8-7A65-2E5509AF457D}"/>
+                    </a:ext>
+                  </a:extLst>
+                </p:cNvPr>
+                <p:cNvSpPr txBox="1"/>
+                <p:nvPr/>
+              </p:nvSpPr>
+              <p:spPr>
+                <a:xfrm>
+                  <a:off x="8595541" y="3376991"/>
+                  <a:ext cx="3160024" cy="444348"/>
+                </a:xfrm>
+                <a:prstGeom prst="rect">
+                  <a:avLst/>
+                </a:prstGeom>
+                <a:noFill/>
+              </p:spPr>
+              <p:txBody>
+                <a:bodyPr wrap="square" rtlCol="0">
+                  <a:spAutoFit/>
+                </a:bodyPr>
+                <a:lstStyle/>
+                <a:p>
+                  <a:pPr algn="ctr"/>
+                  <a:r>
+                    <a:rPr lang="en-US" sz="1200" dirty="0">
+                      <a:latin typeface="Times New Roman" panose="02020603050405020304" pitchFamily="18" charset="0"/>
+                      <a:cs typeface="Times New Roman" panose="02020603050405020304" pitchFamily="18" charset="0"/>
+                    </a:rPr>
+                    <a:t>Finding the  Nearest Empty position. i.e., Parking lot No. , and Row No</a:t>
+                  </a:r>
+                </a:p>
+              </p:txBody>
+            </p:sp>
+            <p:sp>
+              <p:nvSpPr>
+                <p:cNvPr id="37" name="Rectangle: Rounded Corners 36">
+                  <a:extLst>
+                    <a:ext uri="{FF2B5EF4-FFF2-40B4-BE49-F238E27FC236}">
+                      <a16:creationId xmlns:a16="http://schemas.microsoft.com/office/drawing/2014/main" id="{1A59695A-B034-A1F4-BBB8-B2A4061DA31D}"/>
+                    </a:ext>
+                  </a:extLst>
+                </p:cNvPr>
+                <p:cNvSpPr/>
+                <p:nvPr/>
+              </p:nvSpPr>
+              <p:spPr>
+                <a:xfrm>
+                  <a:off x="8412480" y="3297141"/>
+                  <a:ext cx="3429000" cy="661441"/>
+                </a:xfrm>
+                <a:prstGeom prst="roundRect">
+                  <a:avLst/>
+                </a:prstGeom>
+                <a:noFill/>
+              </p:spPr>
+              <p:style>
+                <a:lnRef idx="2">
+                  <a:schemeClr val="accent1">
+                    <a:shade val="15000"/>
+                  </a:schemeClr>
+                </a:lnRef>
+                <a:fillRef idx="1">
+                  <a:schemeClr val="accent1"/>
+                </a:fillRef>
+                <a:effectRef idx="0">
+                  <a:schemeClr val="accent1"/>
+                </a:effectRef>
+                <a:fontRef idx="minor">
+                  <a:schemeClr val="lt1"/>
+                </a:fontRef>
+              </p:style>
+              <p:txBody>
+                <a:bodyPr rtlCol="0" anchor="ctr"/>
+                <a:lstStyle/>
+                <a:p>
+                  <a:pPr algn="ctr"/>
+                  <a:endParaRPr lang="en-US" sz="1200">
+                    <a:latin typeface="Times New Roman" panose="02020603050405020304" pitchFamily="18" charset="0"/>
+                    <a:cs typeface="Times New Roman" panose="02020603050405020304" pitchFamily="18" charset="0"/>
+                  </a:endParaRPr>
+                </a:p>
+              </p:txBody>
+            </p:sp>
+          </p:grpSp>
+          <p:grpSp>
+            <p:nvGrpSpPr>
+              <p:cNvPr id="38" name="Group 37">
+                <a:extLst>
+                  <a:ext uri="{FF2B5EF4-FFF2-40B4-BE49-F238E27FC236}">
+                    <a16:creationId xmlns:a16="http://schemas.microsoft.com/office/drawing/2014/main" id="{4BB408EE-4592-EF19-3241-4C8CC83DD1A7}"/>
+                  </a:ext>
+                </a:extLst>
+              </p:cNvPr>
+              <p:cNvGrpSpPr/>
+              <p:nvPr/>
+            </p:nvGrpSpPr>
+            <p:grpSpPr>
+              <a:xfrm>
+                <a:off x="8573073" y="5706866"/>
+                <a:ext cx="3562630" cy="939424"/>
+                <a:chOff x="8412481" y="4182206"/>
+                <a:chExt cx="3429000" cy="941265"/>
+              </a:xfrm>
+            </p:grpSpPr>
+            <p:sp>
+              <p:nvSpPr>
+                <p:cNvPr id="39" name="TextBox 38">
+                  <a:extLst>
+                    <a:ext uri="{FF2B5EF4-FFF2-40B4-BE49-F238E27FC236}">
+                      <a16:creationId xmlns:a16="http://schemas.microsoft.com/office/drawing/2014/main" id="{17FA455A-E8F6-00A5-EE69-4B98301940C9}"/>
+                    </a:ext>
+                  </a:extLst>
+                </p:cNvPr>
+                <p:cNvSpPr txBox="1"/>
+                <p:nvPr/>
+              </p:nvSpPr>
+              <p:spPr>
+                <a:xfrm>
+                  <a:off x="8562584" y="4256678"/>
+                  <a:ext cx="3160024" cy="647598"/>
+                </a:xfrm>
+                <a:prstGeom prst="rect">
+                  <a:avLst/>
+                </a:prstGeom>
+                <a:noFill/>
+              </p:spPr>
+              <p:txBody>
+                <a:bodyPr wrap="square">
+                  <a:spAutoFit/>
+                </a:bodyPr>
+                <a:lstStyle/>
+                <a:p>
+                  <a:pPr lvl="0" algn="ctr"/>
+                  <a:r>
+                    <a:rPr lang="en-US" sz="1200" dirty="0">
+                      <a:solidFill>
+                        <a:schemeClr val="accent5"/>
+                      </a:solidFill>
+                      <a:latin typeface="Times New Roman" panose="02020603050405020304" pitchFamily="18" charset="0"/>
+                      <a:cs typeface="Times New Roman" panose="02020603050405020304" pitchFamily="18" charset="0"/>
+                    </a:rPr>
+                    <a:t>Inserting the vehicles </a:t>
+                  </a:r>
+                  <a:r>
+                    <a:rPr lang="en-US" sz="1200" dirty="0">
+                      <a:latin typeface="Times New Roman" panose="02020603050405020304" pitchFamily="18" charset="0"/>
+                      <a:cs typeface="Times New Roman" panose="02020603050405020304" pitchFamily="18" charset="0"/>
+                    </a:rPr>
+                    <a:t>in the </a:t>
+                  </a:r>
+                  <a:r>
+                    <a:rPr lang="en-US" sz="1200" dirty="0">
+                      <a:highlight>
+                        <a:srgbClr val="FFFF00"/>
+                      </a:highlight>
+                      <a:latin typeface="Times New Roman" panose="02020603050405020304" pitchFamily="18" charset="0"/>
+                      <a:cs typeface="Times New Roman" panose="02020603050405020304" pitchFamily="18" charset="0"/>
+                    </a:rPr>
+                    <a:t>Vehicle list Behind </a:t>
+                  </a:r>
+                  <a:r>
+                    <a:rPr lang="en-US" sz="1200" dirty="0">
+                      <a:latin typeface="Times New Roman" panose="02020603050405020304" pitchFamily="18" charset="0"/>
+                      <a:cs typeface="Times New Roman" panose="02020603050405020304" pitchFamily="18" charset="0"/>
+                    </a:rPr>
+                    <a:t>into the available Empty slots found in the previous step</a:t>
+                  </a:r>
+                </a:p>
+              </p:txBody>
+            </p:sp>
+            <p:sp>
+              <p:nvSpPr>
+                <p:cNvPr id="40" name="Rectangle: Rounded Corners 39">
+                  <a:extLst>
+                    <a:ext uri="{FF2B5EF4-FFF2-40B4-BE49-F238E27FC236}">
+                      <a16:creationId xmlns:a16="http://schemas.microsoft.com/office/drawing/2014/main" id="{CE0631AA-FB2C-E237-49CD-4B9071F568B0}"/>
+                    </a:ext>
+                  </a:extLst>
+                </p:cNvPr>
+                <p:cNvSpPr/>
+                <p:nvPr/>
+              </p:nvSpPr>
+              <p:spPr>
+                <a:xfrm>
+                  <a:off x="8412481" y="4182206"/>
+                  <a:ext cx="3429000" cy="941265"/>
+                </a:xfrm>
+                <a:prstGeom prst="roundRect">
+                  <a:avLst/>
+                </a:prstGeom>
+                <a:noFill/>
+              </p:spPr>
+              <p:style>
+                <a:lnRef idx="2">
+                  <a:schemeClr val="accent1">
+                    <a:shade val="15000"/>
+                  </a:schemeClr>
+                </a:lnRef>
+                <a:fillRef idx="1">
+                  <a:schemeClr val="accent1"/>
+                </a:fillRef>
+                <a:effectRef idx="0">
+                  <a:schemeClr val="accent1"/>
+                </a:effectRef>
+                <a:fontRef idx="minor">
+                  <a:schemeClr val="lt1"/>
+                </a:fontRef>
+              </p:style>
+              <p:txBody>
+                <a:bodyPr rtlCol="0" anchor="ctr"/>
+                <a:lstStyle/>
+                <a:p>
+                  <a:pPr algn="ctr"/>
+                  <a:endParaRPr lang="en-US" sz="1200">
+                    <a:latin typeface="Times New Roman" panose="02020603050405020304" pitchFamily="18" charset="0"/>
+                    <a:cs typeface="Times New Roman" panose="02020603050405020304" pitchFamily="18" charset="0"/>
+                  </a:endParaRPr>
+                </a:p>
+              </p:txBody>
+            </p:sp>
+          </p:grpSp>
+          <p:sp>
+            <p:nvSpPr>
+              <p:cNvPr id="42" name="Arrow: Down 41">
+                <a:extLst>
+                  <a:ext uri="{FF2B5EF4-FFF2-40B4-BE49-F238E27FC236}">
+                    <a16:creationId xmlns:a16="http://schemas.microsoft.com/office/drawing/2014/main" id="{6F248264-6CB9-BDF9-231A-44BD8205098C}"/>
+                  </a:ext>
+                </a:extLst>
+              </p:cNvPr>
+              <p:cNvSpPr/>
+              <p:nvPr/>
+            </p:nvSpPr>
+            <p:spPr>
+              <a:xfrm>
+                <a:off x="10161181" y="2212916"/>
+                <a:ext cx="311615" cy="318710"/>
+              </a:xfrm>
+              <a:prstGeom prst="downArrow">
+                <a:avLst/>
+              </a:prstGeom>
+            </p:spPr>
+            <p:style>
+              <a:lnRef idx="2">
+                <a:schemeClr val="accent1">
+                  <a:shade val="15000"/>
+                </a:schemeClr>
+              </a:lnRef>
+              <a:fillRef idx="1">
+                <a:schemeClr val="accent1"/>
+              </a:fillRef>
+              <a:effectRef idx="0">
+                <a:schemeClr val="accent1"/>
+              </a:effectRef>
+              <a:fontRef idx="minor">
+                <a:schemeClr val="lt1"/>
+              </a:fontRef>
+            </p:style>
+            <p:txBody>
+              <a:bodyPr rtlCol="0" anchor="ctr"/>
+              <a:lstStyle/>
+              <a:p>
+                <a:pPr algn="ctr"/>
+                <a:endParaRPr lang="en-US" sz="1200">
+                  <a:latin typeface="Times New Roman" panose="02020603050405020304" pitchFamily="18" charset="0"/>
+                  <a:cs typeface="Times New Roman" panose="02020603050405020304" pitchFamily="18" charset="0"/>
+                </a:endParaRPr>
+              </a:p>
+            </p:txBody>
+          </p:sp>
+          <p:sp>
+            <p:nvSpPr>
+              <p:cNvPr id="45" name="Arrow: Right 44">
+                <a:extLst>
+                  <a:ext uri="{FF2B5EF4-FFF2-40B4-BE49-F238E27FC236}">
+                    <a16:creationId xmlns:a16="http://schemas.microsoft.com/office/drawing/2014/main" id="{EF51D9A6-5DBA-227A-64C5-FDF7B522FB23}"/>
+                  </a:ext>
+                </a:extLst>
+              </p:cNvPr>
+              <p:cNvSpPr/>
+              <p:nvPr/>
+            </p:nvSpPr>
+            <p:spPr>
+              <a:xfrm flipH="1">
+                <a:off x="7627104" y="1739031"/>
+                <a:ext cx="832104" cy="408338"/>
+              </a:xfrm>
+              <a:prstGeom prst="rightArrow">
+                <a:avLst/>
+              </a:prstGeom>
+            </p:spPr>
+            <p:style>
+              <a:lnRef idx="2">
+                <a:schemeClr val="accent1">
+                  <a:shade val="15000"/>
+                </a:schemeClr>
+              </a:lnRef>
+              <a:fillRef idx="1">
+                <a:schemeClr val="accent1"/>
+              </a:fillRef>
+              <a:effectRef idx="0">
+                <a:schemeClr val="accent1"/>
+              </a:effectRef>
+              <a:fontRef idx="minor">
+                <a:schemeClr val="lt1"/>
+              </a:fontRef>
+            </p:style>
+            <p:txBody>
+              <a:bodyPr rtlCol="0" anchor="ctr"/>
+              <a:lstStyle/>
+              <a:p>
+                <a:pPr algn="ctr"/>
+                <a:endParaRPr lang="en-US">
+                  <a:latin typeface="Times New Roman" panose="02020603050405020304" pitchFamily="18" charset="0"/>
+                  <a:cs typeface="Times New Roman" panose="02020603050405020304" pitchFamily="18" charset="0"/>
+                </a:endParaRPr>
+              </a:p>
+            </p:txBody>
+          </p:sp>
+          <p:grpSp>
+            <p:nvGrpSpPr>
+              <p:cNvPr id="46" name="Group 45">
+                <a:extLst>
+                  <a:ext uri="{FF2B5EF4-FFF2-40B4-BE49-F238E27FC236}">
+                    <a16:creationId xmlns:a16="http://schemas.microsoft.com/office/drawing/2014/main" id="{A940D993-CF87-1571-3389-F0190931711B}"/>
+                  </a:ext>
+                </a:extLst>
+              </p:cNvPr>
+              <p:cNvGrpSpPr/>
+              <p:nvPr/>
+            </p:nvGrpSpPr>
+            <p:grpSpPr>
+              <a:xfrm>
+                <a:off x="5352941" y="1829300"/>
+                <a:ext cx="2255976" cy="639540"/>
+                <a:chOff x="8412480" y="2509948"/>
+                <a:chExt cx="3429000" cy="922765"/>
+              </a:xfrm>
+            </p:grpSpPr>
+            <p:sp>
+              <p:nvSpPr>
+                <p:cNvPr id="47" name="TextBox 46">
+                  <a:extLst>
+                    <a:ext uri="{FF2B5EF4-FFF2-40B4-BE49-F238E27FC236}">
+                      <a16:creationId xmlns:a16="http://schemas.microsoft.com/office/drawing/2014/main" id="{64B6BBB6-A660-C02E-3863-10F9529B5A65}"/>
+                    </a:ext>
+                  </a:extLst>
+                </p:cNvPr>
+                <p:cNvSpPr txBox="1"/>
+                <p:nvPr/>
+              </p:nvSpPr>
+              <p:spPr>
+                <a:xfrm>
+                  <a:off x="8869016" y="2588966"/>
+                  <a:ext cx="2853592" cy="843747"/>
+                </a:xfrm>
+                <a:prstGeom prst="rect">
+                  <a:avLst/>
+                </a:prstGeom>
+                <a:noFill/>
+              </p:spPr>
+              <p:txBody>
+                <a:bodyPr wrap="square" rtlCol="0">
+                  <a:spAutoFit/>
+                </a:bodyPr>
+                <a:lstStyle/>
+                <a:p>
+                  <a:pPr algn="ctr"/>
+                  <a:r>
+                    <a:rPr lang="en-US" sz="1400" dirty="0">
+                      <a:latin typeface="Times New Roman" panose="02020603050405020304" pitchFamily="18" charset="0"/>
+                      <a:cs typeface="Times New Roman" panose="02020603050405020304" pitchFamily="18" charset="0"/>
+                    </a:rPr>
+                    <a:t>Re</a:t>
+                  </a:r>
+                  <a:r>
+                    <a:rPr lang="en-US" sz="1400" dirty="0">
+                      <a:solidFill>
+                        <a:schemeClr val="accent5"/>
+                      </a:solidFill>
+                      <a:latin typeface="Times New Roman" panose="02020603050405020304" pitchFamily="18" charset="0"/>
+                      <a:cs typeface="Times New Roman" panose="02020603050405020304" pitchFamily="18" charset="0"/>
+                    </a:rPr>
+                    <a:t>mov</a:t>
+                  </a:r>
+                  <a:r>
+                    <a:rPr lang="en-US" sz="1400" dirty="0">
+                      <a:latin typeface="Times New Roman" panose="02020603050405020304" pitchFamily="18" charset="0"/>
+                      <a:cs typeface="Times New Roman" panose="02020603050405020304" pitchFamily="18" charset="0"/>
+                    </a:rPr>
+                    <a:t>e the Vehicle</a:t>
+                  </a:r>
+                </a:p>
+                <a:p>
+                  <a:endParaRPr lang="en-US" dirty="0">
+                    <a:latin typeface="Times New Roman" panose="02020603050405020304" pitchFamily="18" charset="0"/>
+                    <a:cs typeface="Times New Roman" panose="02020603050405020304" pitchFamily="18" charset="0"/>
+                  </a:endParaRPr>
+                </a:p>
+              </p:txBody>
+            </p:sp>
+            <p:sp>
+              <p:nvSpPr>
+                <p:cNvPr id="48" name="Rectangle: Rounded Corners 47">
+                  <a:extLst>
+                    <a:ext uri="{FF2B5EF4-FFF2-40B4-BE49-F238E27FC236}">
+                      <a16:creationId xmlns:a16="http://schemas.microsoft.com/office/drawing/2014/main" id="{21928FC3-33F7-3792-35C8-5355462390B9}"/>
+                    </a:ext>
+                  </a:extLst>
+                </p:cNvPr>
+                <p:cNvSpPr/>
+                <p:nvPr/>
+              </p:nvSpPr>
+              <p:spPr>
+                <a:xfrm>
+                  <a:off x="8412480" y="2509948"/>
+                  <a:ext cx="3429000" cy="584775"/>
+                </a:xfrm>
+                <a:prstGeom prst="roundRect">
+                  <a:avLst/>
+                </a:prstGeom>
+                <a:noFill/>
+              </p:spPr>
+              <p:style>
+                <a:lnRef idx="2">
+                  <a:schemeClr val="accent1">
+                    <a:shade val="15000"/>
+                  </a:schemeClr>
+                </a:lnRef>
+                <a:fillRef idx="1">
+                  <a:schemeClr val="accent1"/>
+                </a:fillRef>
+                <a:effectRef idx="0">
+                  <a:schemeClr val="accent1"/>
+                </a:effectRef>
+                <a:fontRef idx="minor">
+                  <a:schemeClr val="lt1"/>
+                </a:fontRef>
+              </p:style>
+              <p:txBody>
+                <a:bodyPr rtlCol="0" anchor="ctr"/>
+                <a:lstStyle/>
+                <a:p>
+                  <a:pPr algn="ctr"/>
+                  <a:endParaRPr lang="en-US">
+                    <a:latin typeface="Times New Roman" panose="02020603050405020304" pitchFamily="18" charset="0"/>
+                    <a:cs typeface="Times New Roman" panose="02020603050405020304" pitchFamily="18" charset="0"/>
+                  </a:endParaRPr>
+                </a:p>
+              </p:txBody>
+            </p:sp>
+          </p:grpSp>
+          <p:sp>
+            <p:nvSpPr>
+              <p:cNvPr id="50" name="Arrow: Down 49">
+                <a:extLst>
+                  <a:ext uri="{FF2B5EF4-FFF2-40B4-BE49-F238E27FC236}">
+                    <a16:creationId xmlns:a16="http://schemas.microsoft.com/office/drawing/2014/main" id="{ECFE1B25-DF78-5C2A-7A03-7335FC1169B5}"/>
+                  </a:ext>
+                </a:extLst>
+              </p:cNvPr>
+              <p:cNvSpPr/>
+              <p:nvPr/>
+            </p:nvSpPr>
+            <p:spPr>
+              <a:xfrm>
+                <a:off x="6132296" y="2256043"/>
+                <a:ext cx="628536" cy="425594"/>
+              </a:xfrm>
+              <a:prstGeom prst="downArrow">
+                <a:avLst/>
+              </a:prstGeom>
+            </p:spPr>
+            <p:style>
+              <a:lnRef idx="2">
+                <a:schemeClr val="accent1">
+                  <a:shade val="15000"/>
+                </a:schemeClr>
+              </a:lnRef>
+              <a:fillRef idx="1">
+                <a:schemeClr val="accent1"/>
+              </a:fillRef>
+              <a:effectRef idx="0">
+                <a:schemeClr val="accent1"/>
+              </a:effectRef>
+              <a:fontRef idx="minor">
+                <a:schemeClr val="lt1"/>
+              </a:fontRef>
+            </p:style>
+            <p:txBody>
+              <a:bodyPr rtlCol="0" anchor="ctr"/>
+              <a:lstStyle/>
+              <a:p>
+                <a:pPr algn="ctr"/>
+                <a:endParaRPr lang="en-US">
+                  <a:latin typeface="Times New Roman" panose="02020603050405020304" pitchFamily="18" charset="0"/>
+                  <a:cs typeface="Times New Roman" panose="02020603050405020304" pitchFamily="18" charset="0"/>
+                </a:endParaRPr>
+              </a:p>
+            </p:txBody>
+          </p:sp>
+          <p:grpSp>
+            <p:nvGrpSpPr>
+              <p:cNvPr id="51" name="Group 50">
+                <a:extLst>
+                  <a:ext uri="{FF2B5EF4-FFF2-40B4-BE49-F238E27FC236}">
+                    <a16:creationId xmlns:a16="http://schemas.microsoft.com/office/drawing/2014/main" id="{CCB4B1F7-D051-EC32-5848-04C0E793E6BE}"/>
+                  </a:ext>
+                </a:extLst>
+              </p:cNvPr>
+              <p:cNvGrpSpPr/>
+              <p:nvPr/>
+            </p:nvGrpSpPr>
+            <p:grpSpPr>
+              <a:xfrm>
+                <a:off x="5271027" y="2721910"/>
+                <a:ext cx="2303526" cy="1228174"/>
+                <a:chOff x="8340206" y="2509948"/>
+                <a:chExt cx="3501274" cy="2077367"/>
+              </a:xfrm>
+            </p:grpSpPr>
+            <p:sp>
+              <p:nvSpPr>
+                <p:cNvPr id="52" name="TextBox 51">
+                  <a:extLst>
+                    <a:ext uri="{FF2B5EF4-FFF2-40B4-BE49-F238E27FC236}">
+                      <a16:creationId xmlns:a16="http://schemas.microsoft.com/office/drawing/2014/main" id="{CA7CAF5F-9363-DA9F-B842-9FA35D242082}"/>
+                    </a:ext>
+                  </a:extLst>
+                </p:cNvPr>
+                <p:cNvSpPr txBox="1"/>
+                <p:nvPr/>
+              </p:nvSpPr>
+              <p:spPr>
+                <a:xfrm>
+                  <a:off x="8340206" y="2588966"/>
+                  <a:ext cx="3501274" cy="1978210"/>
+                </a:xfrm>
+                <a:prstGeom prst="rect">
+                  <a:avLst/>
+                </a:prstGeom>
+                <a:noFill/>
+              </p:spPr>
+              <p:txBody>
+                <a:bodyPr wrap="square" rtlCol="0">
+                  <a:spAutoFit/>
+                </a:bodyPr>
+                <a:lstStyle/>
+                <a:p>
+                  <a:pPr algn="ctr"/>
+                  <a:r>
+                    <a:rPr lang="en-US" sz="1400" dirty="0">
+                      <a:solidFill>
+                        <a:schemeClr val="accent5"/>
+                      </a:solidFill>
+                      <a:latin typeface="Times New Roman" panose="02020603050405020304" pitchFamily="18" charset="0"/>
+                      <a:cs typeface="Times New Roman" panose="02020603050405020304" pitchFamily="18" charset="0"/>
+                    </a:rPr>
+                    <a:t>Moving the Remaining vehicle in that Row one step </a:t>
+                  </a:r>
+                  <a:r>
+                    <a:rPr lang="en-US" sz="1400" dirty="0">
+                      <a:latin typeface="Times New Roman" panose="02020603050405020304" pitchFamily="18" charset="0"/>
+                      <a:cs typeface="Times New Roman" panose="02020603050405020304" pitchFamily="18" charset="0"/>
+                    </a:rPr>
+                    <a:t>Behind in case of Parking2 </a:t>
+                  </a:r>
+                </a:p>
+                <a:p>
+                  <a:pPr algn="ctr"/>
+                  <a:r>
+                    <a:rPr lang="en-US" sz="1400" dirty="0">
+                      <a:latin typeface="Times New Roman" panose="02020603050405020304" pitchFamily="18" charset="0"/>
+                      <a:cs typeface="Times New Roman" panose="02020603050405020304" pitchFamily="18" charset="0"/>
+                    </a:rPr>
+                    <a:t>and In case of Parking1, one step ahead</a:t>
+                  </a:r>
+                </a:p>
+              </p:txBody>
+            </p:sp>
+            <p:sp>
+              <p:nvSpPr>
+                <p:cNvPr id="53" name="Rectangle: Rounded Corners 52">
+                  <a:extLst>
+                    <a:ext uri="{FF2B5EF4-FFF2-40B4-BE49-F238E27FC236}">
+                      <a16:creationId xmlns:a16="http://schemas.microsoft.com/office/drawing/2014/main" id="{91F21272-D2B4-0D00-2936-1AF6DC529907}"/>
+                    </a:ext>
+                  </a:extLst>
+                </p:cNvPr>
+                <p:cNvSpPr/>
+                <p:nvPr/>
+              </p:nvSpPr>
+              <p:spPr>
+                <a:xfrm>
+                  <a:off x="8412480" y="2509948"/>
+                  <a:ext cx="3429000" cy="2077367"/>
+                </a:xfrm>
+                <a:prstGeom prst="roundRect">
+                  <a:avLst/>
+                </a:prstGeom>
+                <a:noFill/>
+              </p:spPr>
+              <p:style>
+                <a:lnRef idx="2">
+                  <a:schemeClr val="accent1">
+                    <a:shade val="15000"/>
+                  </a:schemeClr>
+                </a:lnRef>
+                <a:fillRef idx="1">
+                  <a:schemeClr val="accent1"/>
+                </a:fillRef>
+                <a:effectRef idx="0">
+                  <a:schemeClr val="accent1"/>
+                </a:effectRef>
+                <a:fontRef idx="minor">
+                  <a:schemeClr val="lt1"/>
+                </a:fontRef>
+              </p:style>
+              <p:txBody>
+                <a:bodyPr rtlCol="0" anchor="ctr"/>
+                <a:lstStyle/>
+                <a:p>
+                  <a:pPr algn="ctr"/>
+                  <a:endParaRPr lang="en-US">
+                    <a:latin typeface="Times New Roman" panose="02020603050405020304" pitchFamily="18" charset="0"/>
+                    <a:cs typeface="Times New Roman" panose="02020603050405020304" pitchFamily="18" charset="0"/>
+                  </a:endParaRPr>
+                </a:p>
+              </p:txBody>
+            </p:sp>
+          </p:grpSp>
+          <p:sp>
+            <p:nvSpPr>
+              <p:cNvPr id="54" name="TextBox 53">
+                <a:extLst>
+                  <a:ext uri="{FF2B5EF4-FFF2-40B4-BE49-F238E27FC236}">
+                    <a16:creationId xmlns:a16="http://schemas.microsoft.com/office/drawing/2014/main" id="{4A385494-81C3-AD26-295C-4DFF3DF85F40}"/>
+                  </a:ext>
+                </a:extLst>
+              </p:cNvPr>
+              <p:cNvSpPr txBox="1"/>
+              <p:nvPr/>
+            </p:nvSpPr>
+            <p:spPr>
+              <a:xfrm>
+                <a:off x="7824935" y="1526223"/>
+                <a:ext cx="530260" cy="369332"/>
+              </a:xfrm>
+              <a:prstGeom prst="rect">
+                <a:avLst/>
+              </a:prstGeom>
+              <a:noFill/>
+            </p:spPr>
+            <p:txBody>
+              <a:bodyPr wrap="square" rtlCol="0">
+                <a:spAutoFit/>
+              </a:bodyPr>
+              <a:lstStyle/>
+              <a:p>
+                <a:r>
+                  <a:rPr lang="en-US" dirty="0">
+                    <a:latin typeface="Times New Roman" panose="02020603050405020304" pitchFamily="18" charset="0"/>
+                    <a:cs typeface="Times New Roman" panose="02020603050405020304" pitchFamily="18" charset="0"/>
+                  </a:rPr>
+                  <a:t>Yes</a:t>
+                </a:r>
+              </a:p>
+            </p:txBody>
+          </p:sp>
+          <p:sp>
+            <p:nvSpPr>
+              <p:cNvPr id="64" name="TextBox 63">
+                <a:extLst>
+                  <a:ext uri="{FF2B5EF4-FFF2-40B4-BE49-F238E27FC236}">
+                    <a16:creationId xmlns:a16="http://schemas.microsoft.com/office/drawing/2014/main" id="{6CA83E84-DE88-F6E1-326E-3D3740EE4C7B}"/>
+                  </a:ext>
+                </a:extLst>
+              </p:cNvPr>
+              <p:cNvSpPr txBox="1"/>
+              <p:nvPr/>
+            </p:nvSpPr>
+            <p:spPr>
+              <a:xfrm>
+                <a:off x="10511929" y="2221747"/>
+                <a:ext cx="550925" cy="276999"/>
+              </a:xfrm>
+              <a:prstGeom prst="rect">
+                <a:avLst/>
+              </a:prstGeom>
+              <a:noFill/>
+            </p:spPr>
+            <p:txBody>
+              <a:bodyPr wrap="square" rtlCol="0">
+                <a:spAutoFit/>
+              </a:bodyPr>
+              <a:lstStyle/>
+              <a:p>
+                <a:r>
+                  <a:rPr lang="en-US" sz="1200" dirty="0">
+                    <a:latin typeface="Times New Roman" panose="02020603050405020304" pitchFamily="18" charset="0"/>
+                    <a:cs typeface="Times New Roman" panose="02020603050405020304" pitchFamily="18" charset="0"/>
+                  </a:rPr>
+                  <a:t>No</a:t>
+                </a:r>
+              </a:p>
+            </p:txBody>
+          </p:sp>
+          <p:sp>
+            <p:nvSpPr>
+              <p:cNvPr id="67" name="TextBox 66">
+                <a:extLst>
+                  <a:ext uri="{FF2B5EF4-FFF2-40B4-BE49-F238E27FC236}">
+                    <a16:creationId xmlns:a16="http://schemas.microsoft.com/office/drawing/2014/main" id="{7FC9D983-ABBF-67A2-7F2A-71C5F0EED781}"/>
+                  </a:ext>
+                </a:extLst>
+              </p:cNvPr>
+              <p:cNvSpPr txBox="1"/>
+              <p:nvPr/>
+            </p:nvSpPr>
+            <p:spPr>
+              <a:xfrm>
+                <a:off x="4854013" y="5757338"/>
+                <a:ext cx="3283170" cy="1015663"/>
+              </a:xfrm>
+              <a:prstGeom prst="rect">
+                <a:avLst/>
+              </a:prstGeom>
+              <a:noFill/>
+            </p:spPr>
+            <p:txBody>
+              <a:bodyPr wrap="square">
+                <a:spAutoFit/>
+              </a:bodyPr>
+              <a:lstStyle/>
+              <a:p>
+                <a:pPr marL="285750" indent="-285750" algn="ctr">
+                  <a:buFont typeface="Arial" panose="020B0604020202020204" pitchFamily="34" charset="0"/>
+                  <a:buChar char="•"/>
+                </a:pPr>
+                <a:r>
+                  <a:rPr lang="en-US" sz="1200" dirty="0">
+                    <a:solidFill>
+                      <a:schemeClr val="accent5"/>
+                    </a:solidFill>
+                    <a:latin typeface="Times New Roman" panose="02020603050405020304" pitchFamily="18" charset="0"/>
+                    <a:cs typeface="Times New Roman" panose="02020603050405020304" pitchFamily="18" charset="0"/>
+                  </a:rPr>
+                  <a:t>Moving the Remaining </a:t>
+                </a:r>
+                <a:r>
+                  <a:rPr lang="en-US" sz="1200" dirty="0">
+                    <a:latin typeface="Times New Roman" panose="02020603050405020304" pitchFamily="18" charset="0"/>
+                    <a:cs typeface="Times New Roman" panose="02020603050405020304" pitchFamily="18" charset="0"/>
+                  </a:rPr>
+                  <a:t>vehicle in that Row in case of Parking2 </a:t>
+                </a:r>
+              </a:p>
+              <a:p>
+                <a:pPr marL="285750" indent="-285750" algn="ctr">
+                  <a:buFont typeface="Arial" panose="020B0604020202020204" pitchFamily="34" charset="0"/>
+                  <a:buChar char="•"/>
+                </a:pPr>
+                <a:r>
+                  <a:rPr lang="en-US" sz="1200" dirty="0">
+                    <a:solidFill>
+                      <a:schemeClr val="accent5"/>
+                    </a:solidFill>
+                    <a:latin typeface="Times New Roman" panose="02020603050405020304" pitchFamily="18" charset="0"/>
+                    <a:cs typeface="Times New Roman" panose="02020603050405020304" pitchFamily="18" charset="0"/>
+                  </a:rPr>
+                  <a:t>Remove/Exit </a:t>
+                </a:r>
+                <a:r>
+                  <a:rPr lang="en-US" sz="1200" dirty="0">
+                    <a:latin typeface="Times New Roman" panose="02020603050405020304" pitchFamily="18" charset="0"/>
+                    <a:cs typeface="Times New Roman" panose="02020603050405020304" pitchFamily="18" charset="0"/>
+                  </a:rPr>
+                  <a:t>the Vehicle</a:t>
+                </a:r>
+              </a:p>
+              <a:p>
+                <a:pPr algn="ctr"/>
+                <a:endParaRPr lang="en-US" sz="1200" dirty="0">
+                  <a:latin typeface="Times New Roman" panose="02020603050405020304" pitchFamily="18" charset="0"/>
+                  <a:cs typeface="Times New Roman" panose="02020603050405020304" pitchFamily="18" charset="0"/>
+                </a:endParaRPr>
+              </a:p>
+              <a:p>
+                <a:pPr lvl="0" algn="ctr"/>
+                <a:endParaRPr lang="en-US" sz="1200" dirty="0">
+                  <a:latin typeface="Times New Roman" panose="02020603050405020304" pitchFamily="18" charset="0"/>
+                  <a:cs typeface="Times New Roman" panose="02020603050405020304" pitchFamily="18" charset="0"/>
+                </a:endParaRPr>
+              </a:p>
+            </p:txBody>
+          </p:sp>
+          <p:sp>
+            <p:nvSpPr>
+              <p:cNvPr id="68" name="Rectangle: Rounded Corners 67">
+                <a:extLst>
+                  <a:ext uri="{FF2B5EF4-FFF2-40B4-BE49-F238E27FC236}">
+                    <a16:creationId xmlns:a16="http://schemas.microsoft.com/office/drawing/2014/main" id="{778975AC-3D03-462F-42D5-078D9A5922C7}"/>
+                  </a:ext>
+                </a:extLst>
+              </p:cNvPr>
+              <p:cNvSpPr/>
+              <p:nvPr/>
+            </p:nvSpPr>
+            <p:spPr>
+              <a:xfrm>
+                <a:off x="4810690" y="5696141"/>
+                <a:ext cx="3562630" cy="939424"/>
+              </a:xfrm>
+              <a:prstGeom prst="roundRect">
+                <a:avLst/>
+              </a:prstGeom>
+              <a:noFill/>
+            </p:spPr>
+            <p:style>
+              <a:lnRef idx="2">
+                <a:schemeClr val="accent1">
+                  <a:shade val="15000"/>
+                </a:schemeClr>
+              </a:lnRef>
+              <a:fillRef idx="1">
+                <a:schemeClr val="accent1"/>
+              </a:fillRef>
+              <a:effectRef idx="0">
+                <a:schemeClr val="accent1"/>
+              </a:effectRef>
+              <a:fontRef idx="minor">
+                <a:schemeClr val="lt1"/>
+              </a:fontRef>
+            </p:style>
+            <p:txBody>
+              <a:bodyPr rtlCol="0" anchor="ctr"/>
+              <a:lstStyle/>
+              <a:p>
+                <a:pPr algn="ctr"/>
+                <a:endParaRPr lang="en-US" sz="1200">
+                  <a:latin typeface="Times New Roman" panose="02020603050405020304" pitchFamily="18" charset="0"/>
+                  <a:cs typeface="Times New Roman" panose="02020603050405020304" pitchFamily="18" charset="0"/>
+                </a:endParaRPr>
+              </a:p>
+            </p:txBody>
+          </p:sp>
+          <p:sp>
+            <p:nvSpPr>
+              <p:cNvPr id="56" name="Arrow: Down 55">
+                <a:extLst>
+                  <a:ext uri="{FF2B5EF4-FFF2-40B4-BE49-F238E27FC236}">
+                    <a16:creationId xmlns:a16="http://schemas.microsoft.com/office/drawing/2014/main" id="{242F146A-B0DC-71DF-725A-FC7A46B04018}"/>
+                  </a:ext>
+                </a:extLst>
+              </p:cNvPr>
+              <p:cNvSpPr/>
+              <p:nvPr/>
+            </p:nvSpPr>
+            <p:spPr>
+              <a:xfrm>
+                <a:off x="10157964" y="1166293"/>
+                <a:ext cx="311615" cy="318710"/>
+              </a:xfrm>
+              <a:prstGeom prst="downArrow">
+                <a:avLst/>
+              </a:prstGeom>
+            </p:spPr>
+            <p:style>
+              <a:lnRef idx="2">
+                <a:schemeClr val="accent1">
+                  <a:shade val="15000"/>
+                </a:schemeClr>
+              </a:lnRef>
+              <a:fillRef idx="1">
+                <a:schemeClr val="accent1"/>
+              </a:fillRef>
+              <a:effectRef idx="0">
+                <a:schemeClr val="accent1"/>
+              </a:effectRef>
+              <a:fontRef idx="minor">
+                <a:schemeClr val="lt1"/>
+              </a:fontRef>
+            </p:style>
+            <p:txBody>
+              <a:bodyPr rtlCol="0" anchor="ctr"/>
+              <a:lstStyle/>
+              <a:p>
+                <a:pPr algn="ctr"/>
+                <a:endParaRPr lang="en-US" sz="1200">
+                  <a:latin typeface="Times New Roman" panose="02020603050405020304" pitchFamily="18" charset="0"/>
+                  <a:cs typeface="Times New Roman" panose="02020603050405020304" pitchFamily="18" charset="0"/>
+                </a:endParaRPr>
+              </a:p>
+            </p:txBody>
+          </p:sp>
+          <p:sp>
+            <p:nvSpPr>
+              <p:cNvPr id="58" name="Arrow: Down 57">
+                <a:extLst>
+                  <a:ext uri="{FF2B5EF4-FFF2-40B4-BE49-F238E27FC236}">
+                    <a16:creationId xmlns:a16="http://schemas.microsoft.com/office/drawing/2014/main" id="{EC8E376B-D53C-64C6-CE17-B95E440AE93B}"/>
+                  </a:ext>
+                </a:extLst>
+              </p:cNvPr>
+              <p:cNvSpPr/>
+              <p:nvPr/>
+            </p:nvSpPr>
+            <p:spPr>
+              <a:xfrm>
+                <a:off x="10214804" y="3341614"/>
+                <a:ext cx="311615" cy="318710"/>
+              </a:xfrm>
+              <a:prstGeom prst="downArrow">
+                <a:avLst/>
+              </a:prstGeom>
+            </p:spPr>
+            <p:style>
+              <a:lnRef idx="2">
+                <a:schemeClr val="accent1">
+                  <a:shade val="15000"/>
+                </a:schemeClr>
+              </a:lnRef>
+              <a:fillRef idx="1">
+                <a:schemeClr val="accent1"/>
+              </a:fillRef>
+              <a:effectRef idx="0">
+                <a:schemeClr val="accent1"/>
+              </a:effectRef>
+              <a:fontRef idx="minor">
+                <a:schemeClr val="lt1"/>
+              </a:fontRef>
+            </p:style>
+            <p:txBody>
+              <a:bodyPr rtlCol="0" anchor="ctr"/>
+              <a:lstStyle/>
+              <a:p>
+                <a:pPr algn="ctr"/>
+                <a:endParaRPr lang="en-US" sz="1200">
+                  <a:latin typeface="Times New Roman" panose="02020603050405020304" pitchFamily="18" charset="0"/>
+                  <a:cs typeface="Times New Roman" panose="02020603050405020304" pitchFamily="18" charset="0"/>
+                </a:endParaRPr>
+              </a:p>
+            </p:txBody>
+          </p:sp>
+          <p:sp>
+            <p:nvSpPr>
+              <p:cNvPr id="59" name="Arrow: Down 58">
+                <a:extLst>
+                  <a:ext uri="{FF2B5EF4-FFF2-40B4-BE49-F238E27FC236}">
+                    <a16:creationId xmlns:a16="http://schemas.microsoft.com/office/drawing/2014/main" id="{5B8A2AE2-EE19-3957-15B5-CF05F8B65EA0}"/>
+                  </a:ext>
+                </a:extLst>
+              </p:cNvPr>
+              <p:cNvSpPr/>
+              <p:nvPr/>
+            </p:nvSpPr>
+            <p:spPr>
+              <a:xfrm>
+                <a:off x="10182965" y="4545070"/>
+                <a:ext cx="311615" cy="318710"/>
+              </a:xfrm>
+              <a:prstGeom prst="downArrow">
+                <a:avLst/>
+              </a:prstGeom>
+            </p:spPr>
+            <p:style>
+              <a:lnRef idx="2">
+                <a:schemeClr val="accent1">
+                  <a:shade val="15000"/>
+                </a:schemeClr>
+              </a:lnRef>
+              <a:fillRef idx="1">
+                <a:schemeClr val="accent1"/>
+              </a:fillRef>
+              <a:effectRef idx="0">
+                <a:schemeClr val="accent1"/>
+              </a:effectRef>
+              <a:fontRef idx="minor">
+                <a:schemeClr val="lt1"/>
+              </a:fontRef>
+            </p:style>
+            <p:txBody>
+              <a:bodyPr rtlCol="0" anchor="ctr"/>
+              <a:lstStyle/>
+              <a:p>
+                <a:pPr algn="ctr"/>
+                <a:endParaRPr lang="en-US" sz="1200">
+                  <a:latin typeface="Times New Roman" panose="02020603050405020304" pitchFamily="18" charset="0"/>
+                  <a:cs typeface="Times New Roman" panose="02020603050405020304" pitchFamily="18" charset="0"/>
+                </a:endParaRPr>
+              </a:p>
+            </p:txBody>
+          </p:sp>
+          <p:sp>
+            <p:nvSpPr>
+              <p:cNvPr id="60" name="Arrow: Down 59">
+                <a:extLst>
+                  <a:ext uri="{FF2B5EF4-FFF2-40B4-BE49-F238E27FC236}">
+                    <a16:creationId xmlns:a16="http://schemas.microsoft.com/office/drawing/2014/main" id="{AEF7867B-EFA9-39BC-96EB-D7EBCAED969E}"/>
+                  </a:ext>
+                </a:extLst>
+              </p:cNvPr>
+              <p:cNvSpPr/>
+              <p:nvPr/>
+            </p:nvSpPr>
+            <p:spPr>
+              <a:xfrm>
+                <a:off x="10233430" y="5459797"/>
+                <a:ext cx="311615" cy="318710"/>
+              </a:xfrm>
+              <a:prstGeom prst="downArrow">
+                <a:avLst/>
+              </a:prstGeom>
+            </p:spPr>
+            <p:style>
+              <a:lnRef idx="2">
+                <a:schemeClr val="accent1">
+                  <a:shade val="15000"/>
+                </a:schemeClr>
+              </a:lnRef>
+              <a:fillRef idx="1">
+                <a:schemeClr val="accent1"/>
+              </a:fillRef>
+              <a:effectRef idx="0">
+                <a:schemeClr val="accent1"/>
+              </a:effectRef>
+              <a:fontRef idx="minor">
+                <a:schemeClr val="lt1"/>
+              </a:fontRef>
+            </p:style>
+            <p:txBody>
+              <a:bodyPr rtlCol="0" anchor="ctr"/>
+              <a:lstStyle/>
+              <a:p>
+                <a:pPr algn="ctr"/>
+                <a:endParaRPr lang="en-US" sz="1200">
+                  <a:latin typeface="Times New Roman" panose="02020603050405020304" pitchFamily="18" charset="0"/>
+                  <a:cs typeface="Times New Roman" panose="02020603050405020304" pitchFamily="18" charset="0"/>
+                </a:endParaRPr>
+              </a:p>
+            </p:txBody>
+          </p:sp>
+        </p:grpSp>
+        <p:sp>
+          <p:nvSpPr>
+            <p:cNvPr id="61" name="Arrow: Down 60">
+              <a:extLst>
+                <a:ext uri="{FF2B5EF4-FFF2-40B4-BE49-F238E27FC236}">
+                  <a16:creationId xmlns:a16="http://schemas.microsoft.com/office/drawing/2014/main" id="{94749667-20F2-DA6A-525B-9077222A9714}"/>
+                </a:ext>
+              </a:extLst>
+            </p:cNvPr>
+            <p:cNvSpPr/>
+            <p:nvPr/>
+          </p:nvSpPr>
+          <p:spPr>
+            <a:xfrm rot="5400000">
+              <a:off x="8270194" y="5967310"/>
+              <a:ext cx="311615" cy="318710"/>
+            </a:xfrm>
+            <a:prstGeom prst="downArrow">
+              <a:avLst/>
+            </a:prstGeom>
+          </p:spPr>
+          <p:style>
+            <a:lnRef idx="2">
+              <a:schemeClr val="accent1">
+                <a:shade val="15000"/>
+              </a:schemeClr>
+            </a:lnRef>
+            <a:fillRef idx="1">
+              <a:schemeClr val="accent1"/>
+            </a:fillRef>
+            <a:effectRef idx="0">
+              <a:schemeClr val="accent1"/>
+            </a:effectRef>
+            <a:fontRef idx="minor">
+              <a:schemeClr val="lt1"/>
+            </a:fontRef>
+          </p:style>
+          <p:txBody>
+            <a:bodyPr rtlCol="0" anchor="ctr"/>
+            <a:lstStyle/>
+            <a:p>
+              <a:pPr algn="ctr"/>
+              <a:endParaRPr lang="en-US" sz="1200">
                 <a:latin typeface="Times New Roman" panose="02020603050405020304" pitchFamily="18" charset="0"/>
                 <a:cs typeface="Times New Roman" panose="02020603050405020304" pitchFamily="18" charset="0"/>
-              </a:rPr>
-              <a:t>The flow chart described here is for specifically parking 2</a:t>
-            </a:r>
-          </a:p>
-        </p:txBody>
-      </p:sp>
+              </a:endParaRPr>
+            </a:p>
+          </p:txBody>
+        </p:sp>
+      </p:grpSp>
     </p:spTree>
     <p:extLst>
       <p:ext uri="{BB962C8B-B14F-4D97-AF65-F5344CB8AC3E}">
@@ -15538,6 +17929,909 @@
 </p:sld>
 </file>
 
+<file path=ppt/slides/slide7.xml><?xml version="1.0" encoding="utf-8"?>
+<p:sld xmlns:a="http://schemas.openxmlformats.org/drawingml/2006/main" xmlns:r="http://schemas.openxmlformats.org/officeDocument/2006/relationships" xmlns:p="http://schemas.openxmlformats.org/presentationml/2006/main">
+  <p:cSld>
+    <p:spTree>
+      <p:nvGrpSpPr>
+        <p:cNvPr id="1" name=""/>
+        <p:cNvGrpSpPr/>
+        <p:nvPr/>
+      </p:nvGrpSpPr>
+      <p:grpSpPr>
+        <a:xfrm>
+          <a:off x="0" y="0"/>
+          <a:ext cx="0" cy="0"/>
+          <a:chOff x="0" y="0"/>
+          <a:chExt cx="0" cy="0"/>
+        </a:xfrm>
+      </p:grpSpPr>
+      <p:grpSp>
+        <p:nvGrpSpPr>
+          <p:cNvPr id="14" name="Group 13">
+            <a:extLst>
+              <a:ext uri="{FF2B5EF4-FFF2-40B4-BE49-F238E27FC236}">
+                <a16:creationId xmlns:a16="http://schemas.microsoft.com/office/drawing/2014/main" id="{6520B326-455C-53BC-870D-C209FDBFC0BC}"/>
+              </a:ext>
+            </a:extLst>
+          </p:cNvPr>
+          <p:cNvGrpSpPr/>
+          <p:nvPr/>
+        </p:nvGrpSpPr>
+        <p:grpSpPr>
+          <a:xfrm>
+            <a:off x="2151888" y="736259"/>
+            <a:ext cx="6742546" cy="5653458"/>
+            <a:chOff x="3048000" y="425363"/>
+            <a:chExt cx="6742546" cy="5653458"/>
+          </a:xfrm>
+        </p:grpSpPr>
+        <p:pic>
+          <p:nvPicPr>
+            <p:cNvPr id="4" name="Picture 3">
+              <a:extLst>
+                <a:ext uri="{FF2B5EF4-FFF2-40B4-BE49-F238E27FC236}">
+                  <a16:creationId xmlns:a16="http://schemas.microsoft.com/office/drawing/2014/main" id="{BDBE4451-BA3A-8986-F419-4A94695DF6CB}"/>
+                </a:ext>
+              </a:extLst>
+            </p:cNvPr>
+            <p:cNvPicPr>
+              <a:picLocks noChangeAspect="1"/>
+            </p:cNvPicPr>
+            <p:nvPr/>
+          </p:nvPicPr>
+          <p:blipFill>
+            <a:blip r:embed="rId2"/>
+            <a:stretch>
+              <a:fillRect/>
+            </a:stretch>
+          </p:blipFill>
+          <p:spPr>
+            <a:xfrm>
+              <a:off x="3048001" y="425363"/>
+              <a:ext cx="6742545" cy="5653458"/>
+            </a:xfrm>
+            <a:prstGeom prst="rect">
+              <a:avLst/>
+            </a:prstGeom>
+          </p:spPr>
+        </p:pic>
+        <p:sp>
+          <p:nvSpPr>
+            <p:cNvPr id="6" name="Rectangle 5">
+              <a:extLst>
+                <a:ext uri="{FF2B5EF4-FFF2-40B4-BE49-F238E27FC236}">
+                  <a16:creationId xmlns:a16="http://schemas.microsoft.com/office/drawing/2014/main" id="{C2664E1D-3849-1C15-4720-EA1561BDE335}"/>
+                </a:ext>
+              </a:extLst>
+            </p:cNvPr>
+            <p:cNvSpPr/>
+            <p:nvPr/>
+          </p:nvSpPr>
+          <p:spPr>
+            <a:xfrm>
+              <a:off x="3048000" y="2916937"/>
+              <a:ext cx="2639568" cy="228600"/>
+            </a:xfrm>
+            <a:prstGeom prst="rect">
+              <a:avLst/>
+            </a:prstGeom>
+            <a:noFill/>
+            <a:ln w="38100">
+              <a:solidFill>
+                <a:schemeClr val="accent3">
+                  <a:lumMod val="60000"/>
+                  <a:lumOff val="40000"/>
+                </a:schemeClr>
+              </a:solidFill>
+            </a:ln>
+          </p:spPr>
+          <p:style>
+            <a:lnRef idx="2">
+              <a:schemeClr val="accent1">
+                <a:shade val="15000"/>
+              </a:schemeClr>
+            </a:lnRef>
+            <a:fillRef idx="1">
+              <a:schemeClr val="accent1"/>
+            </a:fillRef>
+            <a:effectRef idx="0">
+              <a:schemeClr val="accent1"/>
+            </a:effectRef>
+            <a:fontRef idx="minor">
+              <a:schemeClr val="lt1"/>
+            </a:fontRef>
+          </p:style>
+          <p:txBody>
+            <a:bodyPr rtlCol="0" anchor="ctr"/>
+            <a:lstStyle/>
+            <a:p>
+              <a:pPr algn="ctr"/>
+              <a:endParaRPr lang="en-US"/>
+            </a:p>
+          </p:txBody>
+        </p:sp>
+        <p:sp>
+          <p:nvSpPr>
+            <p:cNvPr id="7" name="Rectangle 6">
+              <a:extLst>
+                <a:ext uri="{FF2B5EF4-FFF2-40B4-BE49-F238E27FC236}">
+                  <a16:creationId xmlns:a16="http://schemas.microsoft.com/office/drawing/2014/main" id="{1213EECA-9FA4-B6A6-B3FF-469AEB7B8F41}"/>
+                </a:ext>
+              </a:extLst>
+            </p:cNvPr>
+            <p:cNvSpPr/>
+            <p:nvPr/>
+          </p:nvSpPr>
+          <p:spPr>
+            <a:xfrm>
+              <a:off x="3048000" y="1442550"/>
+              <a:ext cx="2529840" cy="228600"/>
+            </a:xfrm>
+            <a:prstGeom prst="rect">
+              <a:avLst/>
+            </a:prstGeom>
+            <a:noFill/>
+            <a:ln w="38100">
+              <a:solidFill>
+                <a:schemeClr val="accent3">
+                  <a:lumMod val="60000"/>
+                  <a:lumOff val="40000"/>
+                </a:schemeClr>
+              </a:solidFill>
+            </a:ln>
+          </p:spPr>
+          <p:style>
+            <a:lnRef idx="2">
+              <a:schemeClr val="accent1">
+                <a:shade val="15000"/>
+              </a:schemeClr>
+            </a:lnRef>
+            <a:fillRef idx="1">
+              <a:schemeClr val="accent1"/>
+            </a:fillRef>
+            <a:effectRef idx="0">
+              <a:schemeClr val="accent1"/>
+            </a:effectRef>
+            <a:fontRef idx="minor">
+              <a:schemeClr val="lt1"/>
+            </a:fontRef>
+          </p:style>
+          <p:txBody>
+            <a:bodyPr rtlCol="0" anchor="ctr"/>
+            <a:lstStyle/>
+            <a:p>
+              <a:pPr algn="ctr"/>
+              <a:endParaRPr lang="en-US"/>
+            </a:p>
+          </p:txBody>
+        </p:sp>
+        <p:sp>
+          <p:nvSpPr>
+            <p:cNvPr id="12" name="Rectangle 11">
+              <a:extLst>
+                <a:ext uri="{FF2B5EF4-FFF2-40B4-BE49-F238E27FC236}">
+                  <a16:creationId xmlns:a16="http://schemas.microsoft.com/office/drawing/2014/main" id="{F1612DC4-65CE-FBD8-8BA6-176C8FEB3545}"/>
+                </a:ext>
+              </a:extLst>
+            </p:cNvPr>
+            <p:cNvSpPr/>
+            <p:nvPr/>
+          </p:nvSpPr>
+          <p:spPr>
+            <a:xfrm>
+              <a:off x="3048000" y="5415450"/>
+              <a:ext cx="2529839" cy="436710"/>
+            </a:xfrm>
+            <a:prstGeom prst="rect">
+              <a:avLst/>
+            </a:prstGeom>
+            <a:noFill/>
+            <a:ln w="38100">
+              <a:solidFill>
+                <a:schemeClr val="accent3">
+                  <a:lumMod val="60000"/>
+                  <a:lumOff val="40000"/>
+                </a:schemeClr>
+              </a:solidFill>
+            </a:ln>
+          </p:spPr>
+          <p:style>
+            <a:lnRef idx="2">
+              <a:schemeClr val="accent1">
+                <a:shade val="15000"/>
+              </a:schemeClr>
+            </a:lnRef>
+            <a:fillRef idx="1">
+              <a:schemeClr val="accent1"/>
+            </a:fillRef>
+            <a:effectRef idx="0">
+              <a:schemeClr val="accent1"/>
+            </a:effectRef>
+            <a:fontRef idx="minor">
+              <a:schemeClr val="lt1"/>
+            </a:fontRef>
+          </p:style>
+          <p:txBody>
+            <a:bodyPr rtlCol="0" anchor="ctr"/>
+            <a:lstStyle/>
+            <a:p>
+              <a:pPr algn="ctr"/>
+              <a:endParaRPr lang="en-US"/>
+            </a:p>
+          </p:txBody>
+        </p:sp>
+      </p:grpSp>
+    </p:spTree>
+    <p:extLst>
+      <p:ext uri="{BB962C8B-B14F-4D97-AF65-F5344CB8AC3E}">
+        <p14:creationId xmlns:p14="http://schemas.microsoft.com/office/powerpoint/2010/main" val="185041899"/>
+      </p:ext>
+    </p:extLst>
+  </p:cSld>
+  <p:clrMapOvr>
+    <a:masterClrMapping/>
+  </p:clrMapOvr>
+</p:sld>
+</file>
+
+<file path=ppt/slides/slide8.xml><?xml version="1.0" encoding="utf-8"?>
+<p:sld xmlns:a="http://schemas.openxmlformats.org/drawingml/2006/main" xmlns:r="http://schemas.openxmlformats.org/officeDocument/2006/relationships" xmlns:p="http://schemas.openxmlformats.org/presentationml/2006/main">
+  <p:cSld>
+    <p:spTree>
+      <p:nvGrpSpPr>
+        <p:cNvPr id="1" name=""/>
+        <p:cNvGrpSpPr/>
+        <p:nvPr/>
+      </p:nvGrpSpPr>
+      <p:grpSpPr>
+        <a:xfrm>
+          <a:off x="0" y="0"/>
+          <a:ext cx="0" cy="0"/>
+          <a:chOff x="0" y="0"/>
+          <a:chExt cx="0" cy="0"/>
+        </a:xfrm>
+      </p:grpSpPr>
+      <p:grpSp>
+        <p:nvGrpSpPr>
+          <p:cNvPr id="9" name="Group 8">
+            <a:extLst>
+              <a:ext uri="{FF2B5EF4-FFF2-40B4-BE49-F238E27FC236}">
+                <a16:creationId xmlns:a16="http://schemas.microsoft.com/office/drawing/2014/main" id="{693F358E-A220-7B25-62D0-64AE312A49FF}"/>
+              </a:ext>
+            </a:extLst>
+          </p:cNvPr>
+          <p:cNvGrpSpPr/>
+          <p:nvPr/>
+        </p:nvGrpSpPr>
+        <p:grpSpPr>
+          <a:xfrm>
+            <a:off x="2057400" y="654389"/>
+            <a:ext cx="7448711" cy="5549222"/>
+            <a:chOff x="1832448" y="559852"/>
+            <a:chExt cx="7947983" cy="5921175"/>
+          </a:xfrm>
+        </p:grpSpPr>
+        <p:pic>
+          <p:nvPicPr>
+            <p:cNvPr id="3" name="Picture 2">
+              <a:extLst>
+                <a:ext uri="{FF2B5EF4-FFF2-40B4-BE49-F238E27FC236}">
+                  <a16:creationId xmlns:a16="http://schemas.microsoft.com/office/drawing/2014/main" id="{D3635B98-EF27-A4D2-1161-10ED737BCA3E}"/>
+                </a:ext>
+              </a:extLst>
+            </p:cNvPr>
+            <p:cNvPicPr>
+              <a:picLocks noChangeAspect="1"/>
+            </p:cNvPicPr>
+            <p:nvPr/>
+          </p:nvPicPr>
+          <p:blipFill>
+            <a:blip r:embed="rId2"/>
+            <a:stretch>
+              <a:fillRect/>
+            </a:stretch>
+          </p:blipFill>
+          <p:spPr>
+            <a:xfrm>
+              <a:off x="1832448" y="559852"/>
+              <a:ext cx="7947983" cy="5921175"/>
+            </a:xfrm>
+            <a:prstGeom prst="rect">
+              <a:avLst/>
+            </a:prstGeom>
+          </p:spPr>
+        </p:pic>
+        <p:sp>
+          <p:nvSpPr>
+            <p:cNvPr id="6" name="Rectangle 5">
+              <a:extLst>
+                <a:ext uri="{FF2B5EF4-FFF2-40B4-BE49-F238E27FC236}">
+                  <a16:creationId xmlns:a16="http://schemas.microsoft.com/office/drawing/2014/main" id="{C2664E1D-3849-1C15-4720-EA1561BDE335}"/>
+                </a:ext>
+              </a:extLst>
+            </p:cNvPr>
+            <p:cNvSpPr/>
+            <p:nvPr/>
+          </p:nvSpPr>
+          <p:spPr>
+            <a:xfrm>
+              <a:off x="1832448" y="3520439"/>
+              <a:ext cx="3160176" cy="228600"/>
+            </a:xfrm>
+            <a:prstGeom prst="rect">
+              <a:avLst/>
+            </a:prstGeom>
+            <a:noFill/>
+            <a:ln w="38100">
+              <a:solidFill>
+                <a:schemeClr val="accent3">
+                  <a:lumMod val="60000"/>
+                  <a:lumOff val="40000"/>
+                </a:schemeClr>
+              </a:solidFill>
+            </a:ln>
+          </p:spPr>
+          <p:style>
+            <a:lnRef idx="2">
+              <a:schemeClr val="accent1">
+                <a:shade val="15000"/>
+              </a:schemeClr>
+            </a:lnRef>
+            <a:fillRef idx="1">
+              <a:schemeClr val="accent1"/>
+            </a:fillRef>
+            <a:effectRef idx="0">
+              <a:schemeClr val="accent1"/>
+            </a:effectRef>
+            <a:fontRef idx="minor">
+              <a:schemeClr val="lt1"/>
+            </a:fontRef>
+          </p:style>
+          <p:txBody>
+            <a:bodyPr rtlCol="0" anchor="ctr"/>
+            <a:lstStyle/>
+            <a:p>
+              <a:pPr algn="ctr"/>
+              <a:endParaRPr lang="en-US"/>
+            </a:p>
+          </p:txBody>
+        </p:sp>
+        <p:sp>
+          <p:nvSpPr>
+            <p:cNvPr id="7" name="Rectangle 6">
+              <a:extLst>
+                <a:ext uri="{FF2B5EF4-FFF2-40B4-BE49-F238E27FC236}">
+                  <a16:creationId xmlns:a16="http://schemas.microsoft.com/office/drawing/2014/main" id="{1213EECA-9FA4-B6A6-B3FF-469AEB7B8F41}"/>
+                </a:ext>
+              </a:extLst>
+            </p:cNvPr>
+            <p:cNvSpPr/>
+            <p:nvPr/>
+          </p:nvSpPr>
+          <p:spPr>
+            <a:xfrm>
+              <a:off x="5068824" y="1762590"/>
+              <a:ext cx="2959608" cy="228600"/>
+            </a:xfrm>
+            <a:prstGeom prst="rect">
+              <a:avLst/>
+            </a:prstGeom>
+            <a:noFill/>
+            <a:ln w="38100">
+              <a:solidFill>
+                <a:schemeClr val="accent3">
+                  <a:lumMod val="60000"/>
+                  <a:lumOff val="40000"/>
+                </a:schemeClr>
+              </a:solidFill>
+            </a:ln>
+          </p:spPr>
+          <p:style>
+            <a:lnRef idx="2">
+              <a:schemeClr val="accent1">
+                <a:shade val="15000"/>
+              </a:schemeClr>
+            </a:lnRef>
+            <a:fillRef idx="1">
+              <a:schemeClr val="accent1"/>
+            </a:fillRef>
+            <a:effectRef idx="0">
+              <a:schemeClr val="accent1"/>
+            </a:effectRef>
+            <a:fontRef idx="minor">
+              <a:schemeClr val="lt1"/>
+            </a:fontRef>
+          </p:style>
+          <p:txBody>
+            <a:bodyPr rtlCol="0" anchor="ctr"/>
+            <a:lstStyle/>
+            <a:p>
+              <a:pPr algn="ctr"/>
+              <a:endParaRPr lang="en-US"/>
+            </a:p>
+          </p:txBody>
+        </p:sp>
+        <p:sp>
+          <p:nvSpPr>
+            <p:cNvPr id="12" name="Rectangle 11">
+              <a:extLst>
+                <a:ext uri="{FF2B5EF4-FFF2-40B4-BE49-F238E27FC236}">
+                  <a16:creationId xmlns:a16="http://schemas.microsoft.com/office/drawing/2014/main" id="{F1612DC4-65CE-FBD8-8BA6-176C8FEB3545}"/>
+                </a:ext>
+              </a:extLst>
+            </p:cNvPr>
+            <p:cNvSpPr/>
+            <p:nvPr/>
+          </p:nvSpPr>
+          <p:spPr>
+            <a:xfrm>
+              <a:off x="1832448" y="5715000"/>
+              <a:ext cx="2803560" cy="228600"/>
+            </a:xfrm>
+            <a:prstGeom prst="rect">
+              <a:avLst/>
+            </a:prstGeom>
+            <a:noFill/>
+            <a:ln w="38100">
+              <a:solidFill>
+                <a:schemeClr val="accent3">
+                  <a:lumMod val="60000"/>
+                  <a:lumOff val="40000"/>
+                </a:schemeClr>
+              </a:solidFill>
+            </a:ln>
+          </p:spPr>
+          <p:style>
+            <a:lnRef idx="2">
+              <a:schemeClr val="accent1">
+                <a:shade val="15000"/>
+              </a:schemeClr>
+            </a:lnRef>
+            <a:fillRef idx="1">
+              <a:schemeClr val="accent1"/>
+            </a:fillRef>
+            <a:effectRef idx="0">
+              <a:schemeClr val="accent1"/>
+            </a:effectRef>
+            <a:fontRef idx="minor">
+              <a:schemeClr val="lt1"/>
+            </a:fontRef>
+          </p:style>
+          <p:txBody>
+            <a:bodyPr rtlCol="0" anchor="ctr"/>
+            <a:lstStyle/>
+            <a:p>
+              <a:pPr algn="ctr"/>
+              <a:endParaRPr lang="en-US"/>
+            </a:p>
+          </p:txBody>
+        </p:sp>
+        <p:sp>
+          <p:nvSpPr>
+            <p:cNvPr id="5" name="Rectangle 4">
+              <a:extLst>
+                <a:ext uri="{FF2B5EF4-FFF2-40B4-BE49-F238E27FC236}">
+                  <a16:creationId xmlns:a16="http://schemas.microsoft.com/office/drawing/2014/main" id="{8F02E80D-911A-3AD2-BC5D-CB725DF9553F}"/>
+                </a:ext>
+              </a:extLst>
+            </p:cNvPr>
+            <p:cNvSpPr/>
+            <p:nvPr/>
+          </p:nvSpPr>
+          <p:spPr>
+            <a:xfrm>
+              <a:off x="5068824" y="5715000"/>
+              <a:ext cx="2803560" cy="228600"/>
+            </a:xfrm>
+            <a:prstGeom prst="rect">
+              <a:avLst/>
+            </a:prstGeom>
+            <a:noFill/>
+            <a:ln w="38100">
+              <a:solidFill>
+                <a:schemeClr val="accent3">
+                  <a:lumMod val="60000"/>
+                  <a:lumOff val="40000"/>
+                </a:schemeClr>
+              </a:solidFill>
+            </a:ln>
+          </p:spPr>
+          <p:style>
+            <a:lnRef idx="2">
+              <a:schemeClr val="accent1">
+                <a:shade val="15000"/>
+              </a:schemeClr>
+            </a:lnRef>
+            <a:fillRef idx="1">
+              <a:schemeClr val="accent1"/>
+            </a:fillRef>
+            <a:effectRef idx="0">
+              <a:schemeClr val="accent1"/>
+            </a:effectRef>
+            <a:fontRef idx="minor">
+              <a:schemeClr val="lt1"/>
+            </a:fontRef>
+          </p:style>
+          <p:txBody>
+            <a:bodyPr rtlCol="0" anchor="ctr"/>
+            <a:lstStyle/>
+            <a:p>
+              <a:pPr algn="ctr"/>
+              <a:endParaRPr lang="en-US"/>
+            </a:p>
+          </p:txBody>
+        </p:sp>
+      </p:grpSp>
+    </p:spTree>
+    <p:extLst>
+      <p:ext uri="{BB962C8B-B14F-4D97-AF65-F5344CB8AC3E}">
+        <p14:creationId xmlns:p14="http://schemas.microsoft.com/office/powerpoint/2010/main" val="2969863398"/>
+      </p:ext>
+    </p:extLst>
+  </p:cSld>
+  <p:clrMapOvr>
+    <a:masterClrMapping/>
+  </p:clrMapOvr>
+</p:sld>
+</file>
+
+<file path=ppt/slides/slide9.xml><?xml version="1.0" encoding="utf-8"?>
+<p:sld xmlns:a="http://schemas.openxmlformats.org/drawingml/2006/main" xmlns:r="http://schemas.openxmlformats.org/officeDocument/2006/relationships" xmlns:p="http://schemas.openxmlformats.org/presentationml/2006/main">
+  <p:cSld>
+    <p:spTree>
+      <p:nvGrpSpPr>
+        <p:cNvPr id="1" name=""/>
+        <p:cNvGrpSpPr/>
+        <p:nvPr/>
+      </p:nvGrpSpPr>
+      <p:grpSpPr>
+        <a:xfrm>
+          <a:off x="0" y="0"/>
+          <a:ext cx="0" cy="0"/>
+          <a:chOff x="0" y="0"/>
+          <a:chExt cx="0" cy="0"/>
+        </a:xfrm>
+      </p:grpSpPr>
+      <p:grpSp>
+        <p:nvGrpSpPr>
+          <p:cNvPr id="16" name="Group 15">
+            <a:extLst>
+              <a:ext uri="{FF2B5EF4-FFF2-40B4-BE49-F238E27FC236}">
+                <a16:creationId xmlns:a16="http://schemas.microsoft.com/office/drawing/2014/main" id="{7DA535DC-7F32-B04C-13AC-8EBD3F29DA07}"/>
+              </a:ext>
+            </a:extLst>
+          </p:cNvPr>
+          <p:cNvGrpSpPr/>
+          <p:nvPr/>
+        </p:nvGrpSpPr>
+        <p:grpSpPr>
+          <a:xfrm>
+            <a:off x="2864382" y="873239"/>
+            <a:ext cx="6463236" cy="5411352"/>
+            <a:chOff x="2861602" y="481969"/>
+            <a:chExt cx="7039778" cy="5894062"/>
+          </a:xfrm>
+        </p:grpSpPr>
+        <p:pic>
+          <p:nvPicPr>
+            <p:cNvPr id="3" name="Picture 2">
+              <a:extLst>
+                <a:ext uri="{FF2B5EF4-FFF2-40B4-BE49-F238E27FC236}">
+                  <a16:creationId xmlns:a16="http://schemas.microsoft.com/office/drawing/2014/main" id="{DAEBBB17-F2C2-F3F9-7800-37943271CC98}"/>
+                </a:ext>
+              </a:extLst>
+            </p:cNvPr>
+            <p:cNvPicPr>
+              <a:picLocks noChangeAspect="1"/>
+            </p:cNvPicPr>
+            <p:nvPr/>
+          </p:nvPicPr>
+          <p:blipFill>
+            <a:blip r:embed="rId2"/>
+            <a:stretch>
+              <a:fillRect/>
+            </a:stretch>
+          </p:blipFill>
+          <p:spPr>
+            <a:xfrm>
+              <a:off x="2861605" y="481969"/>
+              <a:ext cx="7039775" cy="5894062"/>
+            </a:xfrm>
+            <a:prstGeom prst="rect">
+              <a:avLst/>
+            </a:prstGeom>
+          </p:spPr>
+        </p:pic>
+        <p:sp>
+          <p:nvSpPr>
+            <p:cNvPr id="4" name="Rectangle 3">
+              <a:extLst>
+                <a:ext uri="{FF2B5EF4-FFF2-40B4-BE49-F238E27FC236}">
+                  <a16:creationId xmlns:a16="http://schemas.microsoft.com/office/drawing/2014/main" id="{B3379E9A-8502-4011-B2F6-9A5FE1224FFE}"/>
+                </a:ext>
+              </a:extLst>
+            </p:cNvPr>
+            <p:cNvSpPr/>
+            <p:nvPr/>
+          </p:nvSpPr>
+          <p:spPr>
+            <a:xfrm>
+              <a:off x="2861605" y="1125281"/>
+              <a:ext cx="2504722" cy="228600"/>
+            </a:xfrm>
+            <a:prstGeom prst="rect">
+              <a:avLst/>
+            </a:prstGeom>
+            <a:noFill/>
+            <a:ln w="38100">
+              <a:solidFill>
+                <a:schemeClr val="accent3">
+                  <a:lumMod val="60000"/>
+                  <a:lumOff val="40000"/>
+                </a:schemeClr>
+              </a:solidFill>
+            </a:ln>
+          </p:spPr>
+          <p:style>
+            <a:lnRef idx="2">
+              <a:schemeClr val="accent1">
+                <a:shade val="15000"/>
+              </a:schemeClr>
+            </a:lnRef>
+            <a:fillRef idx="1">
+              <a:schemeClr val="accent1"/>
+            </a:fillRef>
+            <a:effectRef idx="0">
+              <a:schemeClr val="accent1"/>
+            </a:effectRef>
+            <a:fontRef idx="minor">
+              <a:schemeClr val="lt1"/>
+            </a:fontRef>
+          </p:style>
+          <p:txBody>
+            <a:bodyPr rtlCol="0" anchor="ctr"/>
+            <a:lstStyle/>
+            <a:p>
+              <a:pPr algn="ctr"/>
+              <a:endParaRPr lang="en-US"/>
+            </a:p>
+          </p:txBody>
+        </p:sp>
+        <p:sp>
+          <p:nvSpPr>
+            <p:cNvPr id="5" name="Rectangle 4">
+              <a:extLst>
+                <a:ext uri="{FF2B5EF4-FFF2-40B4-BE49-F238E27FC236}">
+                  <a16:creationId xmlns:a16="http://schemas.microsoft.com/office/drawing/2014/main" id="{00D33A40-365E-B370-8E62-54C52E94C3D1}"/>
+                </a:ext>
+              </a:extLst>
+            </p:cNvPr>
+            <p:cNvSpPr/>
+            <p:nvPr/>
+          </p:nvSpPr>
+          <p:spPr>
+            <a:xfrm>
+              <a:off x="2861604" y="3074154"/>
+              <a:ext cx="2816819" cy="228600"/>
+            </a:xfrm>
+            <a:prstGeom prst="rect">
+              <a:avLst/>
+            </a:prstGeom>
+            <a:noFill/>
+            <a:ln w="38100">
+              <a:solidFill>
+                <a:schemeClr val="accent3">
+                  <a:lumMod val="60000"/>
+                  <a:lumOff val="40000"/>
+                </a:schemeClr>
+              </a:solidFill>
+            </a:ln>
+          </p:spPr>
+          <p:style>
+            <a:lnRef idx="2">
+              <a:schemeClr val="accent1">
+                <a:shade val="15000"/>
+              </a:schemeClr>
+            </a:lnRef>
+            <a:fillRef idx="1">
+              <a:schemeClr val="accent1"/>
+            </a:fillRef>
+            <a:effectRef idx="0">
+              <a:schemeClr val="accent1"/>
+            </a:effectRef>
+            <a:fontRef idx="minor">
+              <a:schemeClr val="lt1"/>
+            </a:fontRef>
+          </p:style>
+          <p:txBody>
+            <a:bodyPr rtlCol="0" anchor="ctr"/>
+            <a:lstStyle/>
+            <a:p>
+              <a:pPr algn="ctr"/>
+              <a:endParaRPr lang="en-US"/>
+            </a:p>
+          </p:txBody>
+        </p:sp>
+        <p:sp>
+          <p:nvSpPr>
+            <p:cNvPr id="6" name="Rectangle 5">
+              <a:extLst>
+                <a:ext uri="{FF2B5EF4-FFF2-40B4-BE49-F238E27FC236}">
+                  <a16:creationId xmlns:a16="http://schemas.microsoft.com/office/drawing/2014/main" id="{94A5635C-40FB-B06C-E48B-F2E604EC919E}"/>
+                </a:ext>
+              </a:extLst>
+            </p:cNvPr>
+            <p:cNvSpPr/>
+            <p:nvPr/>
+          </p:nvSpPr>
+          <p:spPr>
+            <a:xfrm>
+              <a:off x="2861603" y="5250426"/>
+              <a:ext cx="2396197" cy="228600"/>
+            </a:xfrm>
+            <a:prstGeom prst="rect">
+              <a:avLst/>
+            </a:prstGeom>
+            <a:noFill/>
+            <a:ln w="38100">
+              <a:solidFill>
+                <a:schemeClr val="accent3">
+                  <a:lumMod val="60000"/>
+                  <a:lumOff val="40000"/>
+                </a:schemeClr>
+              </a:solidFill>
+            </a:ln>
+          </p:spPr>
+          <p:style>
+            <a:lnRef idx="2">
+              <a:schemeClr val="accent1">
+                <a:shade val="15000"/>
+              </a:schemeClr>
+            </a:lnRef>
+            <a:fillRef idx="1">
+              <a:schemeClr val="accent1"/>
+            </a:fillRef>
+            <a:effectRef idx="0">
+              <a:schemeClr val="accent1"/>
+            </a:effectRef>
+            <a:fontRef idx="minor">
+              <a:schemeClr val="lt1"/>
+            </a:fontRef>
+          </p:style>
+          <p:txBody>
+            <a:bodyPr rtlCol="0" anchor="ctr"/>
+            <a:lstStyle/>
+            <a:p>
+              <a:pPr algn="ctr"/>
+              <a:endParaRPr lang="en-US"/>
+            </a:p>
+          </p:txBody>
+        </p:sp>
+        <p:sp>
+          <p:nvSpPr>
+            <p:cNvPr id="10" name="Rectangle 9">
+              <a:extLst>
+                <a:ext uri="{FF2B5EF4-FFF2-40B4-BE49-F238E27FC236}">
+                  <a16:creationId xmlns:a16="http://schemas.microsoft.com/office/drawing/2014/main" id="{FC04D5F9-3C38-F367-5EA8-8836EB277CAD}"/>
+                </a:ext>
+              </a:extLst>
+            </p:cNvPr>
+            <p:cNvSpPr/>
+            <p:nvPr/>
+          </p:nvSpPr>
+          <p:spPr>
+            <a:xfrm>
+              <a:off x="2861602" y="5658965"/>
+              <a:ext cx="2396197" cy="228600"/>
+            </a:xfrm>
+            <a:prstGeom prst="rect">
+              <a:avLst/>
+            </a:prstGeom>
+            <a:noFill/>
+            <a:ln w="38100">
+              <a:solidFill>
+                <a:schemeClr val="accent3">
+                  <a:lumMod val="60000"/>
+                  <a:lumOff val="40000"/>
+                </a:schemeClr>
+              </a:solidFill>
+            </a:ln>
+          </p:spPr>
+          <p:style>
+            <a:lnRef idx="2">
+              <a:schemeClr val="accent1">
+                <a:shade val="15000"/>
+              </a:schemeClr>
+            </a:lnRef>
+            <a:fillRef idx="1">
+              <a:schemeClr val="accent1"/>
+            </a:fillRef>
+            <a:effectRef idx="0">
+              <a:schemeClr val="accent1"/>
+            </a:effectRef>
+            <a:fontRef idx="minor">
+              <a:schemeClr val="lt1"/>
+            </a:fontRef>
+          </p:style>
+          <p:txBody>
+            <a:bodyPr rtlCol="0" anchor="ctr"/>
+            <a:lstStyle/>
+            <a:p>
+              <a:pPr algn="ctr"/>
+              <a:endParaRPr lang="en-US"/>
+            </a:p>
+          </p:txBody>
+        </p:sp>
+        <p:sp>
+          <p:nvSpPr>
+            <p:cNvPr id="15" name="Rectangle 14">
+              <a:extLst>
+                <a:ext uri="{FF2B5EF4-FFF2-40B4-BE49-F238E27FC236}">
+                  <a16:creationId xmlns:a16="http://schemas.microsoft.com/office/drawing/2014/main" id="{2E6B9591-5E56-3370-D8A8-93E918A141CD}"/>
+                </a:ext>
+              </a:extLst>
+            </p:cNvPr>
+            <p:cNvSpPr/>
+            <p:nvPr/>
+          </p:nvSpPr>
+          <p:spPr>
+            <a:xfrm>
+              <a:off x="5736104" y="5658965"/>
+              <a:ext cx="2396197" cy="228600"/>
+            </a:xfrm>
+            <a:prstGeom prst="rect">
+              <a:avLst/>
+            </a:prstGeom>
+            <a:noFill/>
+            <a:ln w="38100">
+              <a:solidFill>
+                <a:schemeClr val="accent3">
+                  <a:lumMod val="60000"/>
+                  <a:lumOff val="40000"/>
+                </a:schemeClr>
+              </a:solidFill>
+            </a:ln>
+          </p:spPr>
+          <p:style>
+            <a:lnRef idx="2">
+              <a:schemeClr val="accent1">
+                <a:shade val="15000"/>
+              </a:schemeClr>
+            </a:lnRef>
+            <a:fillRef idx="1">
+              <a:schemeClr val="accent1"/>
+            </a:fillRef>
+            <a:effectRef idx="0">
+              <a:schemeClr val="accent1"/>
+            </a:effectRef>
+            <a:fontRef idx="minor">
+              <a:schemeClr val="lt1"/>
+            </a:fontRef>
+          </p:style>
+          <p:txBody>
+            <a:bodyPr rtlCol="0" anchor="ctr"/>
+            <a:lstStyle/>
+            <a:p>
+              <a:pPr algn="ctr"/>
+              <a:endParaRPr lang="en-US"/>
+            </a:p>
+          </p:txBody>
+        </p:sp>
+      </p:grpSp>
+    </p:spTree>
+    <p:extLst>
+      <p:ext uri="{BB962C8B-B14F-4D97-AF65-F5344CB8AC3E}">
+        <p14:creationId xmlns:p14="http://schemas.microsoft.com/office/powerpoint/2010/main" val="1128619939"/>
+      </p:ext>
+    </p:extLst>
+  </p:cSld>
+  <p:clrMapOvr>
+    <a:masterClrMapping/>
+  </p:clrMapOvr>
+</p:sld>
+</file>
+
 <file path=ppt/theme/theme1.xml><?xml version="1.0" encoding="utf-8"?>
 <a:theme xmlns:a="http://schemas.openxmlformats.org/drawingml/2006/main" name="Office Theme">
   <a:themeElements>
